--- a/output.pptx
+++ b/output.pptx
@@ -3146,121 +3146,15 @@
             </a:r>
             <a:r>
               <a:rPr b="1" sz="1400"/>
+              <a:t>Real-World </a:t>
+            </a:r>
+            <a:r>
+              <a:rPr b="1" sz="1400"/>
               <a:t>Reverse </a:t>
             </a:r>
             <a:r>
               <a:rPr b="1" sz="1400"/>
-              <a:t>engineering** </a:t>
-            </a:r>
-            <a:r>
-              <a:rPr b="1" sz="1400"/>
-              <a:t>in </a:t>
-            </a:r>
-            <a:r>
-              <a:rPr b="1" sz="1400"/>
-              <a:t>software </a:t>
-            </a:r>
-            <a:r>
-              <a:rPr b="1" sz="1400"/>
-              <a:t>involves </a:t>
-            </a:r>
-            <a:r>
-              <a:rPr b="1" sz="1400"/>
-              <a:t>dissecting </a:t>
-            </a:r>
-            <a:r>
-              <a:rPr b="1" sz="1400"/>
-              <a:t>a </a:t>
-            </a:r>
-            <a:r>
-              <a:rPr b="1" sz="1400"/>
-              <a:t>program </a:t>
-            </a:r>
-            <a:r>
-              <a:rPr b="1" sz="1400"/>
-              <a:t>to </a:t>
-            </a:r>
-            <a:r>
-              <a:rPr b="1" sz="1400"/>
-              <a:t>understand </a:t>
-            </a:r>
-            <a:r>
-              <a:rPr b="1" sz="1400"/>
-              <a:t>its </a:t>
-            </a:r>
-            <a:r>
-              <a:rPr b="1" sz="1400"/>
-              <a:t>inner </a:t>
-            </a:r>
-            <a:r>
-              <a:rPr b="1" sz="1400"/>
-              <a:t>workings. </a:t>
-            </a:r>
-            <a:r>
-              <a:rPr b="1" sz="1400"/>
-              <a:t>This </a:t>
-            </a:r>
-            <a:r>
-              <a:rPr b="1" sz="1400"/>
-              <a:t>often </a:t>
-            </a:r>
-            <a:r>
-              <a:rPr b="1" sz="1400"/>
-              <a:t>leads </a:t>
-            </a:r>
-            <a:r>
-              <a:rPr b="1" sz="1400"/>
-              <a:t>to </a:t>
-            </a:r>
-            <a:r>
-              <a:rPr b="1" sz="1400"/>
-              <a:t>legal </a:t>
-            </a:r>
-            <a:r>
-              <a:rPr b="1" sz="1400"/>
-              <a:t>disputes, </a:t>
-            </a:r>
-            <a:r>
-              <a:rPr b="1" sz="1400"/>
-              <a:t>as </a:t>
-            </a:r>
-            <a:r>
-              <a:rPr b="1" sz="1400"/>
-              <a:t>companies </a:t>
-            </a:r>
-            <a:r>
-              <a:rPr b="1" sz="1400"/>
-              <a:t>try </a:t>
-            </a:r>
-            <a:r>
-              <a:rPr b="1" sz="1400"/>
-              <a:t>to </a:t>
-            </a:r>
-            <a:r>
-              <a:rPr b="1" sz="1400"/>
-              <a:t>protect </a:t>
-            </a:r>
-            <a:r>
-              <a:rPr b="1" sz="1400"/>
-              <a:t>their </a:t>
-            </a:r>
-            <a:r>
-              <a:rPr b="1" sz="1400"/>
-              <a:t>intellectual </a:t>
-            </a:r>
-            <a:r>
-              <a:rPr b="1" sz="1400"/>
-              <a:t>property. </a:t>
-            </a:r>
-          </a:p>
-          <a:p>
-            <a:r>
-              <a:rPr sz="1400"/>
-              <a:t>- </a:t>
-            </a:r>
-            <a:r>
-              <a:rPr b="1" sz="1400"/>
-              <a:t>Landmark </a:t>
+              <a:t>Engineering </a:t>
             </a:r>
             <a:r>
               <a:rPr b="1" sz="1400"/>
@@ -3270,831 +3164,644 @@
           <a:p>
             <a:r>
               <a:rPr sz="1400"/>
-              <a:t>* </a:t>
-            </a:r>
-            <a:r>
-              <a:rPr b="1" sz="1400"/>
+              <a:t>- </a:t>
+            </a:r>
+            <a:r>
+              <a:rPr sz="1400"/>
               <a:t>Atari </a:t>
             </a:r>
             <a:r>
-              <a:rPr b="1" sz="1400"/>
+              <a:rPr sz="1400"/>
               <a:t>v. </a:t>
             </a:r>
             <a:r>
-              <a:rPr b="1" sz="1400"/>
-              <a:t>Nintendo </a:t>
-            </a:r>
-            <a:r>
-              <a:rPr b="1" sz="1400"/>
-              <a:t>(1992):** </a:t>
-            </a:r>
-            <a:r>
-              <a:rPr b="1" sz="1400"/>
+              <a:rPr sz="1400"/>
+              <a:t>Nintendo: </a:t>
+            </a:r>
+            <a:r>
+              <a:rPr sz="1400"/>
+              <a:t>This </a:t>
+            </a:r>
+            <a:r>
+              <a:rPr sz="1400"/>
+              <a:t>landmark </a:t>
+            </a:r>
+            <a:r>
+              <a:rPr sz="1400"/>
+              <a:t>case </a:t>
+            </a:r>
+            <a:r>
+              <a:rPr sz="1400"/>
+              <a:t>set </a:t>
+            </a:r>
+            <a:r>
+              <a:rPr sz="1400"/>
+              <a:t>a </a:t>
+            </a:r>
+            <a:r>
+              <a:rPr sz="1400"/>
+              <a:t>precedent </a:t>
+            </a:r>
+            <a:r>
+              <a:rPr sz="1400"/>
+              <a:t>for </a:t>
+            </a:r>
+            <a:r>
+              <a:rPr sz="1400"/>
+              <a:t>fair </a:t>
+            </a:r>
+            <a:r>
+              <a:rPr sz="1400"/>
+              <a:t>use </a:t>
+            </a:r>
+            <a:r>
+              <a:rPr sz="1400"/>
+              <a:t>in </a:t>
+            </a:r>
+            <a:r>
+              <a:rPr sz="1400"/>
+              <a:t>reverse </a:t>
+            </a:r>
+            <a:r>
+              <a:rPr sz="1400"/>
+              <a:t>engineering. </a:t>
+            </a:r>
+            <a:r>
+              <a:rPr sz="1400"/>
               <a:t>Atari </a:t>
             </a:r>
             <a:r>
-              <a:rPr b="1" sz="1400"/>
-              <a:t>reverse-engineered </a:t>
-            </a:r>
-            <a:r>
-              <a:rPr b="1" sz="1400"/>
+              <a:rPr sz="1400"/>
+              <a:t>successfully </a:t>
+            </a:r>
+            <a:r>
+              <a:rPr sz="1400"/>
+              <a:t>argued </a:t>
+            </a:r>
+            <a:r>
+              <a:rPr sz="1400"/>
+              <a:t>that </a:t>
+            </a:r>
+            <a:r>
+              <a:rPr sz="1400"/>
+              <a:t>they </a:t>
+            </a:r>
+            <a:r>
+              <a:rPr sz="1400"/>
+              <a:t>needed </a:t>
+            </a:r>
+            <a:r>
+              <a:rPr sz="1400"/>
+              <a:t>to </a:t>
+            </a:r>
+            <a:r>
+              <a:rPr sz="1400"/>
+              <a:t>reverse </a:t>
+            </a:r>
+            <a:r>
+              <a:rPr sz="1400"/>
+              <a:t>engineer </a:t>
+            </a:r>
+            <a:r>
+              <a:rPr sz="1400"/>
               <a:t>Nintendo's </a:t>
             </a:r>
             <a:r>
-              <a:rPr b="1" sz="1400"/>
+              <a:rPr sz="1400"/>
               <a:t>lockout </a:t>
             </a:r>
             <a:r>
-              <a:rPr b="1" sz="1400"/>
+              <a:rPr sz="1400"/>
               <a:t>chip </a:t>
             </a:r>
             <a:r>
-              <a:rPr b="1" sz="1400"/>
+              <a:rPr sz="1400"/>
               <a:t>to </a:t>
             </a:r>
             <a:r>
-              <a:rPr b="1" sz="1400"/>
+              <a:rPr sz="1400"/>
               <a:t>create </a:t>
             </a:r>
             <a:r>
-              <a:rPr b="1" sz="1400"/>
+              <a:rPr sz="1400"/>
               <a:t>compatible </a:t>
             </a:r>
             <a:r>
-              <a:rPr b="1" sz="1400"/>
+              <a:rPr sz="1400"/>
+              <a:t>games, </a:t>
+            </a:r>
+            <a:r>
+              <a:rPr sz="1400"/>
+              <a:t>and </a:t>
+            </a:r>
+            <a:r>
+              <a:rPr sz="1400"/>
+              <a:t>this </a:t>
+            </a:r>
+            <a:r>
+              <a:rPr sz="1400"/>
+              <a:t>was </a:t>
+            </a:r>
+            <a:r>
+              <a:rPr sz="1400"/>
+              <a:t>deemed </a:t>
+            </a:r>
+            <a:r>
+              <a:rPr sz="1400"/>
+              <a:t>permissible </a:t>
+            </a:r>
+            <a:r>
+              <a:rPr sz="1400"/>
+              <a:t>under </a:t>
+            </a:r>
+            <a:r>
+              <a:rPr sz="1400"/>
+              <a:t>copyright </a:t>
+            </a:r>
+            <a:r>
+              <a:rPr sz="1400"/>
+              <a:t>law. </a:t>
+            </a:r>
+          </a:p>
+          <a:p>
+            <a:r>
+              <a:rPr sz="1400"/>
+              <a:t>- </a:t>
+            </a:r>
+            <a:r>
+              <a:rPr sz="1400"/>
+              <a:t>Accolade </a:t>
+            </a:r>
+            <a:r>
+              <a:rPr sz="1400"/>
+              <a:t>v. </a:t>
+            </a:r>
+            <a:r>
+              <a:rPr sz="1400"/>
+              <a:t>Sega: </a:t>
+            </a:r>
+            <a:r>
+              <a:rPr sz="1400"/>
+              <a:t>Similar </a:t>
+            </a:r>
+            <a:r>
+              <a:rPr sz="1400"/>
+              <a:t>to </a:t>
+            </a:r>
+            <a:r>
+              <a:rPr sz="1400"/>
+              <a:t>the </a:t>
+            </a:r>
+            <a:r>
+              <a:rPr sz="1400"/>
+              <a:t>Atari </a:t>
+            </a:r>
+            <a:r>
+              <a:rPr sz="1400"/>
+              <a:t>case, </a:t>
+            </a:r>
+            <a:r>
+              <a:rPr sz="1400"/>
+              <a:t>Accolade </a:t>
+            </a:r>
+            <a:r>
+              <a:rPr sz="1400"/>
+              <a:t>demonstrated </a:t>
+            </a:r>
+            <a:r>
+              <a:rPr sz="1400"/>
+              <a:t>the </a:t>
+            </a:r>
+            <a:r>
+              <a:rPr sz="1400"/>
+              <a:t>need </a:t>
+            </a:r>
+            <a:r>
+              <a:rPr sz="1400"/>
+              <a:t>to </a:t>
+            </a:r>
+            <a:r>
+              <a:rPr sz="1400"/>
+              <a:t>reverse </a:t>
+            </a:r>
+            <a:r>
+              <a:rPr sz="1400"/>
+              <a:t>engineer </a:t>
+            </a:r>
+            <a:r>
+              <a:rPr sz="1400"/>
+              <a:t>Sega's </a:t>
+            </a:r>
+            <a:r>
+              <a:rPr sz="1400"/>
+              <a:t>console </a:t>
+            </a:r>
+            <a:r>
+              <a:rPr sz="1400"/>
+              <a:t>to </a:t>
+            </a:r>
+            <a:r>
+              <a:rPr sz="1400"/>
+              <a:t>create </a:t>
+            </a:r>
+            <a:r>
+              <a:rPr sz="1400"/>
+              <a:t>compatible </a:t>
+            </a:r>
+            <a:r>
+              <a:rPr sz="1400"/>
               <a:t>games. </a:t>
             </a:r>
             <a:r>
-              <a:rPr b="1" sz="1400"/>
+              <a:rPr sz="1400"/>
+              <a:t>This </a:t>
+            </a:r>
+            <a:r>
+              <a:rPr sz="1400"/>
+              <a:t>further </a:t>
+            </a:r>
+            <a:r>
+              <a:rPr sz="1400"/>
+              <a:t>solidified </a:t>
+            </a:r>
+            <a:r>
+              <a:rPr sz="1400"/>
+              <a:t>the </a:t>
+            </a:r>
+            <a:r>
+              <a:rPr sz="1400"/>
+              <a:t>concept </a:t>
+            </a:r>
+            <a:r>
+              <a:rPr sz="1400"/>
+              <a:t>of </a:t>
+            </a:r>
+            <a:r>
+              <a:rPr sz="1400"/>
+              <a:t>fair </a:t>
+            </a:r>
+            <a:r>
+              <a:rPr sz="1400"/>
+              <a:t>use </a:t>
+            </a:r>
+            <a:r>
+              <a:rPr sz="1400"/>
+              <a:t>in </a:t>
+            </a:r>
+            <a:r>
+              <a:rPr sz="1400"/>
+              <a:t>the </a:t>
+            </a:r>
+            <a:r>
+              <a:rPr sz="1400"/>
+              <a:t>context </a:t>
+            </a:r>
+            <a:r>
+              <a:rPr sz="1400"/>
+              <a:t>of </a:t>
+            </a:r>
+            <a:r>
+              <a:rPr sz="1400"/>
+              <a:t>interoperability. </a:t>
+            </a:r>
+          </a:p>
+          <a:p>
+            <a:r>
+              <a:rPr sz="1400"/>
+              <a:t>- </a:t>
+            </a:r>
+            <a:r>
+              <a:rPr sz="1400"/>
+              <a:t>Phoenix </a:t>
+            </a:r>
+            <a:r>
+              <a:rPr sz="1400"/>
+              <a:t>v. </a:t>
+            </a:r>
+            <a:r>
+              <a:rPr sz="1400"/>
+              <a:t>IBM </a:t>
+            </a:r>
+            <a:r>
+              <a:rPr sz="1400"/>
+              <a:t>(BIOS): </a:t>
+            </a:r>
+            <a:r>
+              <a:rPr sz="1400"/>
+              <a:t>This </a:t>
+            </a:r>
+            <a:r>
+              <a:rPr sz="1400"/>
+              <a:t>case </a:t>
+            </a:r>
+            <a:r>
+              <a:rPr sz="1400"/>
+              <a:t>delved </a:t>
+            </a:r>
+            <a:r>
+              <a:rPr sz="1400"/>
+              <a:t>into </a:t>
+            </a:r>
+            <a:r>
+              <a:rPr sz="1400"/>
+              <a:t>the </a:t>
+            </a:r>
+            <a:r>
+              <a:rPr sz="1400"/>
+              <a:t>complexities </a:t>
+            </a:r>
+            <a:r>
+              <a:rPr sz="1400"/>
+              <a:t>of </a:t>
+            </a:r>
+            <a:r>
+              <a:rPr sz="1400"/>
+              <a:t>intellectual </a:t>
+            </a:r>
+            <a:r>
+              <a:rPr sz="1400"/>
+              <a:t>property </a:t>
+            </a:r>
+            <a:r>
+              <a:rPr sz="1400"/>
+              <a:t>protection </a:t>
+            </a:r>
+            <a:r>
+              <a:rPr sz="1400"/>
+              <a:t>for </a:t>
+            </a:r>
+            <a:r>
+              <a:rPr sz="1400"/>
+              <a:t>BIOS </a:t>
+            </a:r>
+            <a:r>
+              <a:rPr sz="1400"/>
+              <a:t>software. </a:t>
+            </a:r>
+            <a:r>
+              <a:rPr sz="1400"/>
               <a:t>The </a:t>
             </a:r>
             <a:r>
-              <a:rPr b="1" sz="1400"/>
+              <a:rPr sz="1400"/>
               <a:t>court </a:t>
             </a:r>
             <a:r>
-              <a:rPr b="1" sz="1400"/>
+              <a:rPr sz="1400"/>
               <a:t>ruled </a:t>
             </a:r>
             <a:r>
-              <a:rPr b="1" sz="1400"/>
+              <a:rPr sz="1400"/>
+              <a:t>that </a:t>
+            </a:r>
+            <a:r>
+              <a:rPr sz="1400"/>
+              <a:t>while </a:t>
+            </a:r>
+            <a:r>
+              <a:rPr sz="1400"/>
+              <a:t>some </a:t>
+            </a:r>
+            <a:r>
+              <a:rPr sz="1400"/>
+              <a:t>aspects </a:t>
+            </a:r>
+            <a:r>
+              <a:rPr sz="1400"/>
+              <a:t>of </a:t>
+            </a:r>
+            <a:r>
+              <a:rPr sz="1400"/>
+              <a:t>BIOS </a:t>
+            </a:r>
+            <a:r>
+              <a:rPr sz="1400"/>
+              <a:t>were </a:t>
+            </a:r>
+            <a:r>
+              <a:rPr sz="1400"/>
+              <a:t>copyrightable, </a:t>
+            </a:r>
+            <a:r>
+              <a:rPr sz="1400"/>
+              <a:t>functional </a:t>
+            </a:r>
+            <a:r>
+              <a:rPr sz="1400"/>
+              <a:t>elements </a:t>
+            </a:r>
+            <a:r>
+              <a:rPr sz="1400"/>
+              <a:t>necessary </a:t>
+            </a:r>
+            <a:r>
+              <a:rPr sz="1400"/>
+              <a:t>for </a:t>
+            </a:r>
+            <a:r>
+              <a:rPr sz="1400"/>
+              <a:t>compatibility </a:t>
+            </a:r>
+            <a:r>
+              <a:rPr sz="1400"/>
+              <a:t>were </a:t>
+            </a:r>
+            <a:r>
+              <a:rPr sz="1400"/>
+              <a:t>not, </a:t>
+            </a:r>
+            <a:r>
+              <a:rPr sz="1400"/>
+              <a:t>allowing </a:t>
+            </a:r>
+            <a:r>
+              <a:rPr sz="1400"/>
+              <a:t>for </a:t>
+            </a:r>
+            <a:r>
+              <a:rPr sz="1400"/>
+              <a:t>limited </a:t>
+            </a:r>
+            <a:r>
+              <a:rPr sz="1400"/>
+              <a:t>reverse </a:t>
+            </a:r>
+            <a:r>
+              <a:rPr sz="1400"/>
+              <a:t>engineering. </a:t>
+            </a:r>
+          </a:p>
+          <a:p>
+            <a:r>
+              <a:rPr sz="1400"/>
+              <a:t>- </a:t>
+            </a:r>
+            <a:r>
+              <a:rPr sz="1400"/>
+              <a:t>Connectix </a:t>
+            </a:r>
+            <a:r>
+              <a:rPr sz="1400"/>
+              <a:t>v. </a:t>
+            </a:r>
+            <a:r>
+              <a:rPr sz="1400"/>
+              <a:t>Sony: </a:t>
+            </a:r>
+            <a:r>
+              <a:rPr sz="1400"/>
+              <a:t>This </a:t>
+            </a:r>
+            <a:r>
+              <a:rPr sz="1400"/>
+              <a:t>case </a:t>
+            </a:r>
+            <a:r>
+              <a:rPr sz="1400"/>
+              <a:t>explored </a:t>
+            </a:r>
+            <a:r>
+              <a:rPr sz="1400"/>
+              <a:t>the </a:t>
+            </a:r>
+            <a:r>
+              <a:rPr sz="1400"/>
+              <a:t>boundaries </a:t>
+            </a:r>
+            <a:r>
+              <a:rPr sz="1400"/>
+              <a:t>of </a:t>
+            </a:r>
+            <a:r>
+              <a:rPr sz="1400"/>
+              <a:t>reverse </a:t>
+            </a:r>
+            <a:r>
+              <a:rPr sz="1400"/>
+              <a:t>engineering </a:t>
+            </a:r>
+            <a:r>
+              <a:rPr sz="1400"/>
               <a:t>in </a:t>
             </a:r>
             <a:r>
-              <a:rPr b="1" sz="1400"/>
-              <a:t>favor </a:t>
-            </a:r>
-            <a:r>
-              <a:rPr b="1" sz="1400"/>
+              <a:rPr sz="1400"/>
+              <a:t>the </a:t>
+            </a:r>
+            <a:r>
+              <a:rPr sz="1400"/>
+              <a:t>context </a:t>
+            </a:r>
+            <a:r>
+              <a:rPr sz="1400"/>
               <a:t>of </a:t>
             </a:r>
             <a:r>
-              <a:rPr b="1" sz="1400"/>
-              <a:t>Atari, </a:t>
-            </a:r>
-            <a:r>
-              <a:rPr b="1" sz="1400"/>
-              <a:t>establishing </a:t>
-            </a:r>
-            <a:r>
-              <a:rPr b="1" sz="1400"/>
-              <a:t>the </a:t>
-            </a:r>
-            <a:r>
-              <a:rPr b="1" sz="1400"/>
-              <a:t>principle </a:t>
-            </a:r>
-            <a:r>
-              <a:rPr b="1" sz="1400"/>
+              <a:rPr sz="1400"/>
+              <a:t>creating </a:t>
+            </a:r>
+            <a:r>
+              <a:rPr sz="1400"/>
+              <a:t>emulation </a:t>
+            </a:r>
+            <a:r>
+              <a:rPr sz="1400"/>
+              <a:t>software. </a:t>
+            </a:r>
+            <a:r>
+              <a:rPr sz="1400"/>
+              <a:t>Connectix </a:t>
+            </a:r>
+            <a:r>
+              <a:rPr sz="1400"/>
+              <a:t>successfully </a:t>
+            </a:r>
+            <a:r>
+              <a:rPr sz="1400"/>
+              <a:t>argued </a:t>
+            </a:r>
+            <a:r>
+              <a:rPr sz="1400"/>
+              <a:t>that </a:t>
+            </a:r>
+            <a:r>
+              <a:rPr sz="1400"/>
+              <a:t>their </a:t>
+            </a:r>
+            <a:r>
+              <a:rPr sz="1400"/>
+              <a:t>reverse </a:t>
+            </a:r>
+            <a:r>
+              <a:rPr sz="1400"/>
+              <a:t>engineering </a:t>
+            </a:r>
+            <a:r>
+              <a:rPr sz="1400"/>
               <a:t>of </a:t>
             </a:r>
             <a:r>
-              <a:rPr b="1" sz="1400"/>
+              <a:rPr sz="1400"/>
+              <a:t>Sony's </a:t>
+            </a:r>
+            <a:r>
+              <a:rPr sz="1400"/>
+              <a:t>PlayStation </a:t>
+            </a:r>
+            <a:r>
+              <a:rPr sz="1400"/>
+              <a:t>BIOS </a:t>
+            </a:r>
+            <a:r>
+              <a:rPr sz="1400"/>
+              <a:t>was </a:t>
+            </a:r>
+            <a:r>
+              <a:rPr sz="1400"/>
+              <a:t>essential </a:t>
+            </a:r>
+            <a:r>
+              <a:rPr sz="1400"/>
+              <a:t>for </a:t>
+            </a:r>
+            <a:r>
+              <a:rPr sz="1400"/>
+              <a:t>creating </a:t>
+            </a:r>
+            <a:r>
+              <a:rPr sz="1400"/>
+              <a:t>a </a:t>
+            </a:r>
+            <a:r>
+              <a:rPr sz="1400"/>
+              <a:t>compatible </a:t>
+            </a:r>
+            <a:r>
+              <a:rPr sz="1400"/>
+              <a:t>emulator, </a:t>
+            </a:r>
+            <a:r>
+              <a:rPr sz="1400"/>
+              <a:t>falling </a:t>
+            </a:r>
+            <a:r>
+              <a:rPr sz="1400"/>
+              <a:t>under </a:t>
+            </a:r>
+            <a:r>
+              <a:rPr sz="1400"/>
               <a:t>fair </a:t>
             </a:r>
             <a:r>
-              <a:rPr b="1" sz="1400"/>
-              <a:t>use </a:t>
-            </a:r>
-            <a:r>
-              <a:rPr b="1" sz="1400"/>
-              <a:t>for </a:t>
-            </a:r>
-            <a:r>
-              <a:rPr b="1" sz="1400"/>
-              <a:t>reverse </a:t>
-            </a:r>
-            <a:r>
-              <a:rPr b="1" sz="1400"/>
-              <a:t>engineering </a:t>
-            </a:r>
-            <a:r>
-              <a:rPr b="1" sz="1400"/>
-              <a:t>when </a:t>
-            </a:r>
-            <a:r>
-              <a:rPr b="1" sz="1400"/>
-              <a:t>necessary </a:t>
-            </a:r>
-            <a:r>
-              <a:rPr b="1" sz="1400"/>
-              <a:t>to </a:t>
-            </a:r>
-            <a:r>
-              <a:rPr b="1" sz="1400"/>
-              <a:t>access </a:t>
-            </a:r>
-            <a:r>
-              <a:rPr b="1" sz="1400"/>
-              <a:t>an </a:t>
-            </a:r>
-            <a:r>
-              <a:rPr b="1" sz="1400"/>
-              <a:t>interoperable </a:t>
-            </a:r>
-            <a:r>
-              <a:rPr b="1" sz="1400"/>
-              <a:t>system. </a:t>
-            </a:r>
-            <a:r>
-              <a:rPr b="1" sz="1400"/>
-              <a:t>[Citation: </a:t>
-            </a:r>
-            <a:r>
-              <a:rPr b="1" sz="1400"/>
-              <a:t>Atari </a:t>
-            </a:r>
-            <a:r>
-              <a:rPr b="1" sz="1400"/>
-              <a:t>Games </a:t>
-            </a:r>
-            <a:r>
-              <a:rPr b="1" sz="1400"/>
-              <a:t>Corp. </a:t>
-            </a:r>
-            <a:r>
-              <a:rPr b="1" sz="1400"/>
-              <a:t>v. </a:t>
-            </a:r>
-            <a:r>
-              <a:rPr b="1" sz="1400"/>
-              <a:t>Nintendo </a:t>
-            </a:r>
-            <a:r>
-              <a:rPr b="1" sz="1400"/>
-              <a:t>of </a:t>
-            </a:r>
-            <a:r>
-              <a:rPr b="1" sz="1400"/>
-              <a:t>America </a:t>
-            </a:r>
-            <a:r>
-              <a:rPr b="1" sz="1400"/>
-              <a:t>Inc., </a:t>
-            </a:r>
-            <a:r>
-              <a:rPr b="1" sz="1400"/>
-              <a:t>975 </a:t>
-            </a:r>
-            <a:r>
-              <a:rPr b="1" sz="1400"/>
-              <a:t>F.2d </a:t>
-            </a:r>
-            <a:r>
-              <a:rPr b="1" sz="1400"/>
-              <a:t>832 </a:t>
-            </a:r>
-            <a:r>
-              <a:rPr b="1" sz="1400"/>
-              <a:t>(Fed. </a:t>
-            </a:r>
-            <a:r>
-              <a:rPr b="1" sz="1400"/>
-              <a:t>Cir. </a:t>
-            </a:r>
-            <a:r>
-              <a:rPr b="1" sz="1400"/>
-              <a:t>1992)] </a:t>
-            </a:r>
-          </a:p>
-          <a:p>
-            <a:r>
-              <a:rPr sz="1400"/>
-              <a:t>* </a:t>
-            </a:r>
-            <a:r>
-              <a:rPr b="1" sz="1400"/>
-              <a:t>Sega </a:t>
-            </a:r>
-            <a:r>
-              <a:rPr b="1" sz="1400"/>
-              <a:t>v. </a:t>
-            </a:r>
-            <a:r>
-              <a:rPr b="1" sz="1400"/>
-              <a:t>Accolade </a:t>
-            </a:r>
-            <a:r>
-              <a:rPr b="1" sz="1400"/>
-              <a:t>(1992):** </a:t>
-            </a:r>
-            <a:r>
-              <a:rPr b="1" sz="1400"/>
-              <a:t>Similar </a:t>
-            </a:r>
-            <a:r>
-              <a:rPr b="1" sz="1400"/>
-              <a:t>to </a:t>
-            </a:r>
-            <a:r>
-              <a:rPr b="1" sz="1400"/>
-              <a:t>the </a:t>
-            </a:r>
-            <a:r>
-              <a:rPr b="1" sz="1400"/>
-              <a:t>Atari </a:t>
-            </a:r>
-            <a:r>
-              <a:rPr b="1" sz="1400"/>
-              <a:t>case, </a:t>
-            </a:r>
-            <a:r>
-              <a:rPr b="1" sz="1400"/>
-              <a:t>Accolade </a:t>
-            </a:r>
-            <a:r>
-              <a:rPr b="1" sz="1400"/>
-              <a:t>reverse-engineered </a:t>
-            </a:r>
-            <a:r>
-              <a:rPr b="1" sz="1400"/>
-              <a:t>Sega's </a:t>
-            </a:r>
-            <a:r>
-              <a:rPr b="1" sz="1400"/>
-              <a:t>console </a:t>
-            </a:r>
-            <a:r>
-              <a:rPr b="1" sz="1400"/>
-              <a:t>to </a:t>
-            </a:r>
-            <a:r>
-              <a:rPr b="1" sz="1400"/>
-              <a:t>develop </a:t>
-            </a:r>
-            <a:r>
-              <a:rPr b="1" sz="1400"/>
-              <a:t>compatible </a:t>
-            </a:r>
-            <a:r>
-              <a:rPr b="1" sz="1400"/>
-              <a:t>games. </a:t>
-            </a:r>
-            <a:r>
-              <a:rPr b="1" sz="1400"/>
-              <a:t>The </a:t>
-            </a:r>
-            <a:r>
-              <a:rPr b="1" sz="1400"/>
-              <a:t>court </a:t>
-            </a:r>
-            <a:r>
-              <a:rPr b="1" sz="1400"/>
-              <a:t>ruled </a:t>
-            </a:r>
-            <a:r>
-              <a:rPr b="1" sz="1400"/>
-              <a:t>in </a:t>
-            </a:r>
-            <a:r>
-              <a:rPr b="1" sz="1400"/>
-              <a:t>favor </a:t>
-            </a:r>
-            <a:r>
-              <a:rPr b="1" sz="1400"/>
-              <a:t>of </a:t>
-            </a:r>
-            <a:r>
-              <a:rPr b="1" sz="1400"/>
-              <a:t>Accolade, </a:t>
-            </a:r>
-            <a:r>
-              <a:rPr b="1" sz="1400"/>
-              <a:t>reinforcing </a:t>
-            </a:r>
-            <a:r>
-              <a:rPr b="1" sz="1400"/>
-              <a:t>the </a:t>
-            </a:r>
-            <a:r>
-              <a:rPr b="1" sz="1400"/>
-              <a:t>right </a:t>
-            </a:r>
-            <a:r>
-              <a:rPr b="1" sz="1400"/>
-              <a:t>to </a:t>
-            </a:r>
-            <a:r>
-              <a:rPr b="1" sz="1400"/>
-              <a:t>reverse </a:t>
-            </a:r>
-            <a:r>
-              <a:rPr b="1" sz="1400"/>
-              <a:t>engineer </a:t>
-            </a:r>
-            <a:r>
-              <a:rPr b="1" sz="1400"/>
-              <a:t>for </a:t>
-            </a:r>
-            <a:r>
-              <a:rPr b="1" sz="1400"/>
-              <a:t>interoperability </a:t>
-            </a:r>
-            <a:r>
-              <a:rPr b="1" sz="1400"/>
-              <a:t>purposes. </a:t>
-            </a:r>
-            <a:r>
-              <a:rPr b="1" sz="1400"/>
-              <a:t>[Citation: </a:t>
-            </a:r>
-            <a:r>
-              <a:rPr b="1" sz="1400"/>
-              <a:t>Sega </a:t>
-            </a:r>
-            <a:r>
-              <a:rPr b="1" sz="1400"/>
-              <a:t>Enterprises </a:t>
-            </a:r>
-            <a:r>
-              <a:rPr b="1" sz="1400"/>
-              <a:t>Ltd. </a:t>
-            </a:r>
-            <a:r>
-              <a:rPr b="1" sz="1400"/>
-              <a:t>v. </a:t>
-            </a:r>
-            <a:r>
-              <a:rPr b="1" sz="1400"/>
-              <a:t>Accolade, </a:t>
-            </a:r>
-            <a:r>
-              <a:rPr b="1" sz="1400"/>
-              <a:t>Inc., </a:t>
-            </a:r>
-            <a:r>
-              <a:rPr b="1" sz="1400"/>
-              <a:t>977 </a:t>
-            </a:r>
-            <a:r>
-              <a:rPr b="1" sz="1400"/>
-              <a:t>F.2d </a:t>
-            </a:r>
-            <a:r>
-              <a:rPr b="1" sz="1400"/>
-              <a:t>1510 </a:t>
-            </a:r>
-            <a:r>
-              <a:rPr b="1" sz="1400"/>
-              <a:t>(9th </a:t>
-            </a:r>
-            <a:r>
-              <a:rPr b="1" sz="1400"/>
-              <a:t>Cir. </a:t>
-            </a:r>
-            <a:r>
-              <a:rPr b="1" sz="1400"/>
-              <a:t>1992)] </a:t>
-            </a:r>
-          </a:p>
-          <a:p>
-            <a:r>
-              <a:rPr sz="1400"/>
-              <a:t>* </a:t>
-            </a:r>
-            <a:r>
-              <a:rPr b="1" sz="1400"/>
-              <a:t>Phoenix </a:t>
-            </a:r>
-            <a:r>
-              <a:rPr b="1" sz="1400"/>
-              <a:t>Technologies </a:t>
-            </a:r>
-            <a:r>
-              <a:rPr b="1" sz="1400"/>
-              <a:t>v. </a:t>
-            </a:r>
-            <a:r>
-              <a:rPr b="1" sz="1400"/>
-              <a:t>IBM </a:t>
-            </a:r>
-            <a:r>
-              <a:rPr b="1" sz="1400"/>
-              <a:t>(1988):** </a:t>
-            </a:r>
-            <a:r>
-              <a:rPr b="1" sz="1400"/>
-              <a:t>Phoenix </a:t>
-            </a:r>
-            <a:r>
-              <a:rPr b="1" sz="1400"/>
-              <a:t>reverse-engineered </a:t>
-            </a:r>
-            <a:r>
-              <a:rPr b="1" sz="1400"/>
-              <a:t>IBM's </a:t>
-            </a:r>
-            <a:r>
-              <a:rPr b="1" sz="1400"/>
-              <a:t>BIOS </a:t>
-            </a:r>
-            <a:r>
-              <a:rPr b="1" sz="1400"/>
-              <a:t>to </a:t>
-            </a:r>
-            <a:r>
-              <a:rPr b="1" sz="1400"/>
-              <a:t>create </a:t>
-            </a:r>
-            <a:r>
-              <a:rPr b="1" sz="1400"/>
-              <a:t>a </a:t>
-            </a:r>
-            <a:r>
-              <a:rPr b="1" sz="1400"/>
-              <a:t>compatible </a:t>
-            </a:r>
-            <a:r>
-              <a:rPr b="1" sz="1400"/>
-              <a:t>version. </a:t>
-            </a:r>
-            <a:r>
-              <a:rPr b="1" sz="1400"/>
-              <a:t>The </a:t>
-            </a:r>
-            <a:r>
-              <a:rPr b="1" sz="1400"/>
-              <a:t>court </a:t>
-            </a:r>
-            <a:r>
-              <a:rPr b="1" sz="1400"/>
-              <a:t>found </a:t>
-            </a:r>
-            <a:r>
-              <a:rPr b="1" sz="1400"/>
-              <a:t>that </a:t>
-            </a:r>
-            <a:r>
-              <a:rPr b="1" sz="1400"/>
-              <a:t>Phoenix </a:t>
-            </a:r>
-            <a:r>
-              <a:rPr b="1" sz="1400"/>
-              <a:t>had </a:t>
-            </a:r>
-            <a:r>
-              <a:rPr b="1" sz="1400"/>
-              <a:t>infringed </a:t>
-            </a:r>
-            <a:r>
-              <a:rPr b="1" sz="1400"/>
-              <a:t>on </a:t>
-            </a:r>
-            <a:r>
-              <a:rPr b="1" sz="1400"/>
-              <a:t>IBM's </a:t>
-            </a:r>
-            <a:r>
-              <a:rPr b="1" sz="1400"/>
-              <a:t>copyright, </a:t>
-            </a:r>
-            <a:r>
-              <a:rPr b="1" sz="1400"/>
-              <a:t>highlighting </a:t>
-            </a:r>
-            <a:r>
-              <a:rPr b="1" sz="1400"/>
-              <a:t>the </a:t>
-            </a:r>
-            <a:r>
-              <a:rPr b="1" sz="1400"/>
-              <a:t>limitations </a:t>
-            </a:r>
-            <a:r>
-              <a:rPr b="1" sz="1400"/>
-              <a:t>of </a:t>
-            </a:r>
-            <a:r>
-              <a:rPr b="1" sz="1400"/>
-              <a:t>fair </a:t>
-            </a:r>
-            <a:r>
-              <a:rPr b="1" sz="1400"/>
-              <a:t>use </a:t>
-            </a:r>
-            <a:r>
-              <a:rPr b="1" sz="1400"/>
-              <a:t>when </a:t>
-            </a:r>
-            <a:r>
-              <a:rPr b="1" sz="1400"/>
-              <a:t>direct </a:t>
-            </a:r>
-            <a:r>
-              <a:rPr b="1" sz="1400"/>
-              <a:t>copying </a:t>
-            </a:r>
-            <a:r>
-              <a:rPr b="1" sz="1400"/>
-              <a:t>is </a:t>
-            </a:r>
-            <a:r>
-              <a:rPr b="1" sz="1400"/>
-              <a:t>involved. </a:t>
-            </a:r>
-            <a:r>
-              <a:rPr b="1" sz="1400"/>
-              <a:t>[Citation: </a:t>
-            </a:r>
-            <a:r>
-              <a:rPr b="1" sz="1400"/>
-              <a:t>Phoenix </a:t>
-            </a:r>
-            <a:r>
-              <a:rPr b="1" sz="1400"/>
-              <a:t>Technologies, </a:t>
-            </a:r>
-            <a:r>
-              <a:rPr b="1" sz="1400"/>
-              <a:t>Ltd. </a:t>
-            </a:r>
-            <a:r>
-              <a:rPr b="1" sz="1400"/>
-              <a:t>v. </a:t>
-            </a:r>
-            <a:r>
-              <a:rPr b="1" sz="1400"/>
-              <a:t>International </a:t>
-            </a:r>
-            <a:r>
-              <a:rPr b="1" sz="1400"/>
-              <a:t>Business </a:t>
-            </a:r>
-            <a:r>
-              <a:rPr b="1" sz="1400"/>
-              <a:t>Machines </a:t>
-            </a:r>
-            <a:r>
-              <a:rPr b="1" sz="1400"/>
-              <a:t>Corp., </a:t>
-            </a:r>
-            <a:r>
-              <a:rPr b="1" sz="1400"/>
-              <a:t>896 </a:t>
-            </a:r>
-            <a:r>
-              <a:rPr b="1" sz="1400"/>
-              <a:t>F.2d </a:t>
-            </a:r>
-            <a:r>
-              <a:rPr b="1" sz="1400"/>
-              <a:t>1265 </a:t>
-            </a:r>
-            <a:r>
-              <a:rPr b="1" sz="1400"/>
-              <a:t>(9th </a:t>
-            </a:r>
-            <a:r>
-              <a:rPr b="1" sz="1400"/>
-              <a:t>Cir. </a:t>
-            </a:r>
-            <a:r>
-              <a:rPr b="1" sz="1400"/>
-              <a:t>1988)] </a:t>
-            </a:r>
-          </a:p>
-          <a:p>
-            <a:r>
-              <a:rPr sz="1400"/>
-              <a:t>* </a:t>
-            </a:r>
-            <a:r>
-              <a:rPr b="1" sz="1400"/>
-              <a:t>Connectix </a:t>
-            </a:r>
-            <a:r>
-              <a:rPr b="1" sz="1400"/>
-              <a:t>v. </a:t>
-            </a:r>
-            <a:r>
-              <a:rPr b="1" sz="1400"/>
-              <a:t>Sony </a:t>
-            </a:r>
-            <a:r>
-              <a:rPr b="1" sz="1400"/>
-              <a:t>(2000):** </a:t>
-            </a:r>
-            <a:r>
-              <a:rPr b="1" sz="1400"/>
-              <a:t>Connectix </a:t>
-            </a:r>
-            <a:r>
-              <a:rPr b="1" sz="1400"/>
-              <a:t>reverse-engineered </a:t>
-            </a:r>
-            <a:r>
-              <a:rPr b="1" sz="1400"/>
-              <a:t>Sony's </a:t>
-            </a:r>
-            <a:r>
-              <a:rPr b="1" sz="1400"/>
-              <a:t>PlayStation </a:t>
-            </a:r>
-            <a:r>
-              <a:rPr b="1" sz="1400"/>
-              <a:t>BIOS </a:t>
-            </a:r>
-            <a:r>
-              <a:rPr b="1" sz="1400"/>
-              <a:t>to </a:t>
-            </a:r>
-            <a:r>
-              <a:rPr b="1" sz="1400"/>
-              <a:t>develop </a:t>
-            </a:r>
-            <a:r>
-              <a:rPr b="1" sz="1400"/>
-              <a:t>a </a:t>
-            </a:r>
-            <a:r>
-              <a:rPr b="1" sz="1400"/>
-              <a:t>PlayStation </a:t>
-            </a:r>
-            <a:r>
-              <a:rPr b="1" sz="1400"/>
-              <a:t>emulator </a:t>
-            </a:r>
-            <a:r>
-              <a:rPr b="1" sz="1400"/>
-              <a:t>for </a:t>
-            </a:r>
-            <a:r>
-              <a:rPr b="1" sz="1400"/>
-              <a:t>Macintosh </a:t>
-            </a:r>
-            <a:r>
-              <a:rPr b="1" sz="1400"/>
-              <a:t>computers. </a:t>
-            </a:r>
-            <a:r>
-              <a:rPr b="1" sz="1400"/>
-              <a:t>The </a:t>
-            </a:r>
-            <a:r>
-              <a:rPr b="1" sz="1400"/>
-              <a:t>court </a:t>
-            </a:r>
-            <a:r>
-              <a:rPr b="1" sz="1400"/>
-              <a:t>ruled </a:t>
-            </a:r>
-            <a:r>
-              <a:rPr b="1" sz="1400"/>
-              <a:t>in </a:t>
-            </a:r>
-            <a:r>
-              <a:rPr b="1" sz="1400"/>
-              <a:t>favor </a:t>
-            </a:r>
-            <a:r>
-              <a:rPr b="1" sz="1400"/>
-              <a:t>of </a:t>
-            </a:r>
-            <a:r>
-              <a:rPr b="1" sz="1400"/>
-              <a:t>Connectix, </a:t>
-            </a:r>
-            <a:r>
-              <a:rPr b="1" sz="1400"/>
-              <a:t>emphasizing </a:t>
-            </a:r>
-            <a:r>
-              <a:rPr b="1" sz="1400"/>
-              <a:t>the </a:t>
-            </a:r>
-            <a:r>
-              <a:rPr b="1" sz="1400"/>
-              <a:t>legality </a:t>
-            </a:r>
-            <a:r>
-              <a:rPr b="1" sz="1400"/>
-              <a:t>of </a:t>
-            </a:r>
-            <a:r>
-              <a:rPr b="1" sz="1400"/>
-              <a:t>reverse </a:t>
-            </a:r>
-            <a:r>
-              <a:rPr b="1" sz="1400"/>
-              <a:t>engineering </a:t>
-            </a:r>
-            <a:r>
-              <a:rPr b="1" sz="1400"/>
-              <a:t>for </a:t>
-            </a:r>
-            <a:r>
-              <a:rPr b="1" sz="1400"/>
-              <a:t>interoperability </a:t>
-            </a:r>
-            <a:r>
-              <a:rPr b="1" sz="1400"/>
-              <a:t>even </a:t>
-            </a:r>
-            <a:r>
-              <a:rPr b="1" sz="1400"/>
-              <a:t>when </a:t>
-            </a:r>
-            <a:r>
-              <a:rPr b="1" sz="1400"/>
-              <a:t>involving </a:t>
-            </a:r>
-            <a:r>
-              <a:rPr b="1" sz="1400"/>
-              <a:t>copyrighted </a:t>
-            </a:r>
-            <a:r>
-              <a:rPr b="1" sz="1400"/>
-              <a:t>material. </a:t>
-            </a:r>
-            <a:r>
-              <a:rPr b="1" sz="1400"/>
-              <a:t>[Citation: </a:t>
-            </a:r>
-            <a:r>
-              <a:rPr b="1" sz="1400"/>
-              <a:t>Sony </a:t>
-            </a:r>
-            <a:r>
-              <a:rPr b="1" sz="1400"/>
-              <a:t>Computer </a:t>
-            </a:r>
-            <a:r>
-              <a:rPr b="1" sz="1400"/>
-              <a:t>Entertainment, </a:t>
-            </a:r>
-            <a:r>
-              <a:rPr b="1" sz="1400"/>
-              <a:t>Inc. </a:t>
-            </a:r>
-            <a:r>
-              <a:rPr b="1" sz="1400"/>
-              <a:t>v. </a:t>
-            </a:r>
-            <a:r>
-              <a:rPr b="1" sz="1400"/>
-              <a:t>Connectix </a:t>
-            </a:r>
-            <a:r>
-              <a:rPr b="1" sz="1400"/>
-              <a:t>Corp., </a:t>
-            </a:r>
-            <a:r>
-              <a:rPr b="1" sz="1400"/>
-              <a:t>203 </a:t>
-            </a:r>
-            <a:r>
-              <a:rPr b="1" sz="1400"/>
-              <a:t>F.3d </a:t>
-            </a:r>
-            <a:r>
-              <a:rPr b="1" sz="1400"/>
-              <a:t>596 </a:t>
-            </a:r>
-            <a:r>
-              <a:rPr b="1" sz="1400"/>
-              <a:t>(9th </a:t>
-            </a:r>
-            <a:r>
-              <a:rPr b="1" sz="1400"/>
-              <a:t>Cir. </a:t>
-            </a:r>
-            <a:r>
-              <a:rPr b="1" sz="1400"/>
-              <a:t>2000)] </a:t>
-            </a:r>
-          </a:p>
+              <a:rPr sz="1400"/>
+              <a:t>use. </a:t>
+            </a:r>
+          </a:p>
+          <a:p/>
           <a:p>
             <a:r>
               <a:rPr sz="1400"/>
               <a:t>- </a:t>
-            </a:r>
-            <a:r>
-              <a:rPr b="1" sz="1400"/>
-              <a:t>Challenges </a:t>
-            </a:r>
-            <a:r>
-              <a:rPr b="1" sz="1400"/>
-              <a:t>in </a:t>
             </a:r>
             <a:r>
               <a:rPr b="1" sz="1400"/>
@@ -4102,93 +3809,200 @@
             </a:r>
             <a:r>
               <a:rPr b="1" sz="1400"/>
-              <a:t>Battles:** </a:t>
-            </a:r>
-            <a:r>
-              <a:rPr b="1" sz="1400"/>
+              <a:t>Landscape:** </a:t>
+            </a:r>
+          </a:p>
+          <a:p>
+            <a:r>
+              <a:rPr sz="1400"/>
+              <a:t>- </a:t>
+            </a:r>
+            <a:r>
+              <a:rPr sz="1400"/>
+              <a:t>The </a:t>
+            </a:r>
+            <a:r>
+              <a:rPr sz="1400"/>
+              <a:t>legal </a:t>
+            </a:r>
+            <a:r>
+              <a:rPr sz="1400"/>
+              <a:t>landscape </a:t>
+            </a:r>
+            <a:r>
+              <a:rPr sz="1400"/>
+              <a:t>surrounding </a:t>
+            </a:r>
+            <a:r>
+              <a:rPr sz="1400"/>
+              <a:t>reverse </a:t>
+            </a:r>
+            <a:r>
+              <a:rPr sz="1400"/>
+              <a:t>engineering </a:t>
+            </a:r>
+            <a:r>
+              <a:rPr sz="1400"/>
+              <a:t>is </a:t>
+            </a:r>
+            <a:r>
+              <a:rPr sz="1400"/>
+              <a:t>complex </a:t>
+            </a:r>
+            <a:r>
+              <a:rPr sz="1400"/>
+              <a:t>and </a:t>
+            </a:r>
+            <a:r>
+              <a:rPr sz="1400"/>
+              <a:t>often </a:t>
+            </a:r>
+            <a:r>
+              <a:rPr sz="1400"/>
+              <a:t>favors </a:t>
+            </a:r>
+            <a:r>
+              <a:rPr sz="1400"/>
+              <a:t>the </a:t>
+            </a:r>
+            <a:r>
+              <a:rPr sz="1400"/>
+              <a:t>practice, </a:t>
+            </a:r>
+            <a:r>
+              <a:rPr sz="1400"/>
+              <a:t>especially </a:t>
+            </a:r>
+            <a:r>
+              <a:rPr sz="1400"/>
+              <a:t>when </a:t>
+            </a:r>
+            <a:r>
+              <a:rPr sz="1400"/>
+              <a:t>it's </a:t>
+            </a:r>
+            <a:r>
+              <a:rPr sz="1400"/>
+              <a:t>essential </a:t>
+            </a:r>
+            <a:r>
+              <a:rPr sz="1400"/>
+              <a:t>for </a:t>
+            </a:r>
+            <a:r>
+              <a:rPr sz="1400"/>
+              <a:t>achieving </a:t>
+            </a:r>
+            <a:r>
+              <a:rPr sz="1400"/>
+              <a:t>interoperability </a:t>
+            </a:r>
+            <a:r>
+              <a:rPr sz="1400"/>
+              <a:t>or </a:t>
+            </a:r>
+            <a:r>
+              <a:rPr sz="1400"/>
+              <a:t>compatibility. </a:t>
+            </a:r>
+            <a:r>
+              <a:rPr sz="1400"/>
               <a:t>Proving </a:t>
             </a:r>
             <a:r>
-              <a:rPr b="1" sz="1400"/>
+              <a:rPr sz="1400"/>
               <a:t>infringement </a:t>
             </a:r>
             <a:r>
-              <a:rPr b="1" sz="1400"/>
-              <a:t>in </a:t>
-            </a:r>
-            <a:r>
-              <a:rPr b="1" sz="1400"/>
+              <a:rPr sz="1400"/>
+              <a:t>can </a:t>
+            </a:r>
+            <a:r>
+              <a:rPr sz="1400"/>
+              <a:t>be </a:t>
+            </a:r>
+            <a:r>
+              <a:rPr sz="1400"/>
+              <a:t>challenging, </a:t>
+            </a:r>
+            <a:r>
+              <a:rPr sz="1400"/>
+              <a:t>as </a:t>
+            </a:r>
+            <a:r>
+              <a:rPr sz="1400"/>
+              <a:t>companies </a:t>
+            </a:r>
+            <a:r>
+              <a:rPr sz="1400"/>
+              <a:t>need </a:t>
+            </a:r>
+            <a:r>
+              <a:rPr sz="1400"/>
+              <a:t>to </a:t>
+            </a:r>
+            <a:r>
+              <a:rPr sz="1400"/>
+              <a:t>demonstrate </a:t>
+            </a:r>
+            <a:r>
+              <a:rPr sz="1400"/>
+              <a:t>that </a:t>
+            </a:r>
+            <a:r>
+              <a:rPr sz="1400"/>
+              <a:t>the </a:t>
+            </a:r>
+            <a:r>
+              <a:rPr sz="1400"/>
               <a:t>reverse </a:t>
             </a:r>
             <a:r>
-              <a:rPr b="1" sz="1400"/>
+              <a:rPr sz="1400"/>
               <a:t>engineering </a:t>
             </a:r>
             <a:r>
-              <a:rPr b="1" sz="1400"/>
-              <a:t>cases </a:t>
-            </a:r>
-            <a:r>
-              <a:rPr b="1" sz="1400"/>
-              <a:t>is </a:t>
-            </a:r>
-            <a:r>
-              <a:rPr b="1" sz="1400"/>
-              <a:t>often </a:t>
-            </a:r>
-            <a:r>
-              <a:rPr b="1" sz="1400"/>
-              <a:t>difficult </a:t>
-            </a:r>
-            <a:r>
-              <a:rPr b="1" sz="1400"/>
-              <a:t>due </a:t>
-            </a:r>
-            <a:r>
-              <a:rPr b="1" sz="1400"/>
-              <a:t>to </a:t>
-            </a:r>
-            <a:r>
-              <a:rPr b="1" sz="1400"/>
-              <a:t>the </a:t>
-            </a:r>
-            <a:r>
-              <a:rPr b="1" sz="1400"/>
-              <a:t>technical </a:t>
-            </a:r>
-            <a:r>
-              <a:rPr b="1" sz="1400"/>
-              <a:t>complexity </a:t>
-            </a:r>
-            <a:r>
-              <a:rPr b="1" sz="1400"/>
-              <a:t>and </a:t>
-            </a:r>
-            <a:r>
-              <a:rPr b="1" sz="1400"/>
-              <a:t>the </a:t>
-            </a:r>
-            <a:r>
-              <a:rPr b="1" sz="1400"/>
-              <a:t>application </a:t>
-            </a:r>
-            <a:r>
-              <a:rPr b="1" sz="1400"/>
-              <a:t>of </a:t>
-            </a:r>
-            <a:r>
-              <a:rPr b="1" sz="1400"/>
-              <a:t>fair </a:t>
-            </a:r>
-            <a:r>
-              <a:rPr b="1" sz="1400"/>
-              <a:t>use </a:t>
-            </a:r>
-            <a:r>
-              <a:rPr b="1" sz="1400"/>
-              <a:t>principles. </a:t>
-            </a:r>
-          </a:p>
+              <a:rPr sz="1400"/>
+              <a:t>went </a:t>
+            </a:r>
+            <a:r>
+              <a:rPr sz="1400"/>
+              <a:t>beyond </a:t>
+            </a:r>
+            <a:r>
+              <a:rPr sz="1400"/>
+              <a:t>what </a:t>
+            </a:r>
+            <a:r>
+              <a:rPr sz="1400"/>
+              <a:t>was </a:t>
+            </a:r>
+            <a:r>
+              <a:rPr sz="1400"/>
+              <a:t>necessary </a:t>
+            </a:r>
+            <a:r>
+              <a:rPr sz="1400"/>
+              <a:t>for </a:t>
+            </a:r>
+            <a:r>
+              <a:rPr sz="1400"/>
+              <a:t>achieving </a:t>
+            </a:r>
+            <a:r>
+              <a:rPr sz="1400"/>
+              <a:t>a </a:t>
+            </a:r>
+            <a:r>
+              <a:rPr sz="1400"/>
+              <a:t>legitimate </a:t>
+            </a:r>
+            <a:r>
+              <a:rPr sz="1400"/>
+              <a:t>purpose. </a:t>
+            </a:r>
+          </a:p>
+          <a:p/>
           <a:p>
             <a:r>
               <a:rPr sz="1400"/>
@@ -4206,125 +4020,199 @@
               <a:rPr b="1" sz="1400"/>
               <a:t>Method:** </a:t>
             </a:r>
-            <a:r>
-              <a:rPr b="1" sz="1400"/>
+          </a:p>
+          <a:p>
+            <a:r>
+              <a:rPr sz="1400"/>
+              <a:t>- </a:t>
+            </a:r>
+            <a:r>
+              <a:rPr sz="1400"/>
               <a:t>To </a:t>
             </a:r>
             <a:r>
-              <a:rPr b="1" sz="1400"/>
+              <a:rPr sz="1400"/>
               <a:t>mitigate </a:t>
             </a:r>
             <a:r>
-              <a:rPr b="1" sz="1400"/>
+              <a:rPr sz="1400"/>
               <a:t>legal </a:t>
             </a:r>
             <a:r>
-              <a:rPr b="1" sz="1400"/>
+              <a:rPr sz="1400"/>
               <a:t>risks, </a:t>
             </a:r>
             <a:r>
-              <a:rPr b="1" sz="1400"/>
+              <a:rPr sz="1400"/>
               <a:t>companies </a:t>
             </a:r>
             <a:r>
-              <a:rPr b="1" sz="1400"/>
-              <a:t>may </a:t>
-            </a:r>
-            <a:r>
-              <a:rPr b="1" sz="1400"/>
+              <a:rPr sz="1400"/>
+              <a:t>often </a:t>
+            </a:r>
+            <a:r>
+              <a:rPr sz="1400"/>
               <a:t>employ </a:t>
             </a:r>
             <a:r>
-              <a:rPr b="1" sz="1400"/>
-              <a:t>a </a:t>
-            </a:r>
-            <a:r>
-              <a:rPr b="1" sz="1400"/>
+              <a:rPr sz="1400"/>
+              <a:t>the </a:t>
+            </a:r>
+            <a:r>
+              <a:rPr sz="1400"/>
               <a:t>"Chinese </a:t>
             </a:r>
             <a:r>
-              <a:rPr b="1" sz="1400"/>
-              <a:t>wall" </a:t>
-            </a:r>
-            <a:r>
-              <a:rPr b="1" sz="1400"/>
-              <a:t>approach, </a:t>
-            </a:r>
-            <a:r>
-              <a:rPr b="1" sz="1400"/>
-              <a:t>where </a:t>
-            </a:r>
-            <a:r>
-              <a:rPr b="1" sz="1400"/>
-              <a:t>a </a:t>
-            </a:r>
-            <a:r>
-              <a:rPr b="1" sz="1400"/>
-              <a:t>separate </a:t>
-            </a:r>
-            <a:r>
-              <a:rPr b="1" sz="1400"/>
+              <a:rPr sz="1400"/>
+              <a:t>Wall" </a:t>
+            </a:r>
+            <a:r>
+              <a:rPr sz="1400"/>
+              <a:t>method. </a:t>
+            </a:r>
+            <a:r>
+              <a:rPr sz="1400"/>
+              <a:t>This </a:t>
+            </a:r>
+            <a:r>
+              <a:rPr sz="1400"/>
+              <a:t>involves </a:t>
+            </a:r>
+            <a:r>
+              <a:rPr sz="1400"/>
+              <a:t>separating </a:t>
+            </a:r>
+            <a:r>
+              <a:rPr sz="1400"/>
+              <a:t>the </a:t>
+            </a:r>
+            <a:r>
+              <a:rPr sz="1400"/>
               <a:t>team </a:t>
             </a:r>
             <a:r>
-              <a:rPr b="1" sz="1400"/>
-              <a:t>conducts </a:t>
-            </a:r>
-            <a:r>
-              <a:rPr b="1" sz="1400"/>
+              <a:rPr sz="1400"/>
+              <a:t>that </a:t>
+            </a:r>
+            <a:r>
+              <a:rPr sz="1400"/>
+              <a:t>performs </a:t>
+            </a:r>
+            <a:r>
+              <a:rPr sz="1400"/>
               <a:t>reverse </a:t>
             </a:r>
             <a:r>
-              <a:rPr b="1" sz="1400"/>
+              <a:rPr sz="1400"/>
               <a:t>engineering </a:t>
             </a:r>
             <a:r>
-              <a:rPr b="1" sz="1400"/>
-              <a:t>without </a:t>
-            </a:r>
-            <a:r>
-              <a:rPr b="1" sz="1400"/>
-              <a:t>access </a:t>
-            </a:r>
-            <a:r>
-              <a:rPr b="1" sz="1400"/>
+              <a:rPr sz="1400"/>
+              <a:t>from </a:t>
+            </a:r>
+            <a:r>
+              <a:rPr sz="1400"/>
+              <a:t>the </a:t>
+            </a:r>
+            <a:r>
+              <a:rPr sz="1400"/>
+              <a:t>team </a:t>
+            </a:r>
+            <a:r>
+              <a:rPr sz="1400"/>
+              <a:t>that </a:t>
+            </a:r>
+            <a:r>
+              <a:rPr sz="1400"/>
+              <a:t>develops </a:t>
+            </a:r>
+            <a:r>
+              <a:rPr sz="1400"/>
+              <a:t>the </a:t>
+            </a:r>
+            <a:r>
+              <a:rPr sz="1400"/>
+              <a:t>new </a:t>
+            </a:r>
+            <a:r>
+              <a:rPr sz="1400"/>
+              <a:t>product. </a:t>
+            </a:r>
+            <a:r>
+              <a:rPr sz="1400"/>
+              <a:t>This </a:t>
+            </a:r>
+            <a:r>
+              <a:rPr sz="1400"/>
+              <a:t>helps </a:t>
+            </a:r>
+            <a:r>
+              <a:rPr sz="1400"/>
               <a:t>to </a:t>
             </a:r>
             <a:r>
-              <a:rPr b="1" sz="1400"/>
+              <a:rPr sz="1400"/>
+              <a:t>ensure </a:t>
+            </a:r>
+            <a:r>
+              <a:rPr sz="1400"/>
+              <a:t>that </a:t>
+            </a:r>
+            <a:r>
+              <a:rPr sz="1400"/>
+              <a:t>any </a:t>
+            </a:r>
+            <a:r>
+              <a:rPr sz="1400"/>
+              <a:t>similarities </a:t>
+            </a:r>
+            <a:r>
+              <a:rPr sz="1400"/>
+              <a:t>between </a:t>
+            </a:r>
+            <a:r>
+              <a:rPr sz="1400"/>
               <a:t>the </a:t>
             </a:r>
             <a:r>
-              <a:rPr b="1" sz="1400"/>
-              <a:t>original </a:t>
-            </a:r>
-            <a:r>
-              <a:rPr b="1" sz="1400"/>
-              <a:t>source </a:t>
-            </a:r>
-            <a:r>
-              <a:rPr b="1" sz="1400"/>
-              <a:t>code, </a:t>
-            </a:r>
-            <a:r>
-              <a:rPr b="1" sz="1400"/>
-              <a:t>aiming </a:t>
-            </a:r>
-            <a:r>
-              <a:rPr b="1" sz="1400"/>
+              <a:rPr sz="1400"/>
+              <a:t>products </a:t>
+            </a:r>
+            <a:r>
+              <a:rPr sz="1400"/>
+              <a:t>are </a:t>
+            </a:r>
+            <a:r>
+              <a:rPr sz="1400"/>
+              <a:t>due </a:t>
+            </a:r>
+            <a:r>
+              <a:rPr sz="1400"/>
               <a:t>to </a:t>
             </a:r>
             <a:r>
-              <a:rPr b="1" sz="1400"/>
-              <a:t>demonstrate </a:t>
-            </a:r>
-            <a:r>
-              <a:rPr b="1" sz="1400"/>
+              <a:rPr sz="1400"/>
               <a:t>independent </a:t>
             </a:r>
             <a:r>
-              <a:rPr b="1" sz="1400"/>
-              <a:t>creation. </a:t>
+              <a:rPr sz="1400"/>
+              <a:t>creation </a:t>
+            </a:r>
+            <a:r>
+              <a:rPr sz="1400"/>
+              <a:t>rather </a:t>
+            </a:r>
+            <a:r>
+              <a:rPr sz="1400"/>
+              <a:t>than </a:t>
+            </a:r>
+            <a:r>
+              <a:rPr sz="1400"/>
+              <a:t>direct </a:t>
+            </a:r>
+            <a:r>
+              <a:rPr sz="1400"/>
+              <a:t>copying. </a:t>
             </a:r>
           </a:p>
         </p:txBody>

--- a/output.pptx
+++ b/output.pptx
@@ -3090,14 +3090,35 @@
       <p:grpSpPr/>
       <p:sp>
         <p:nvSpPr>
-          <p:cNvPr id="2" name="TextBox 1"/>
+          <p:cNvPr id="2" name="Title 1"/>
+          <p:cNvSpPr>
+            <a:spLocks noGrp="1"/>
+          </p:cNvSpPr>
+          <p:nvPr>
+            <p:ph type="title"/>
+          </p:nvPr>
+        </p:nvSpPr>
+        <p:spPr/>
+        <p:txBody>
+          <a:bodyPr/>
+          <a:lstStyle/>
+          <a:p>
+            <a:r>
+              <a:t>Introduction to Android Reverse Engineering </a:t>
+            </a:r>
+          </a:p>
+        </p:txBody>
+      </p:sp>
+      <p:sp>
+        <p:nvSpPr>
+          <p:cNvPr id="3" name="TextBox 2"/>
           <p:cNvSpPr txBox="1"/>
           <p:nvPr/>
         </p:nvSpPr>
         <p:spPr>
           <a:xfrm>
-            <a:off x="228600" y="228600"/>
-            <a:ext cx="8229600" cy="457200"/>
+            <a:off x="914400" y="1371600"/>
+            <a:ext cx="7315200" cy="3657600"/>
           </a:xfrm>
           <a:prstGeom prst="rect">
             <a:avLst/>
@@ -3109,35 +3130,6 @@
             <a:spAutoFit/>
           </a:bodyPr>
           <a:lstStyle/>
-          <a:p>
-            <a:r>
-              <a:rPr sz="1400"/>
-              <a:t>Software Reverse engineering</a:t>
-            </a:r>
-          </a:p>
-        </p:txBody>
-      </p:sp>
-      <p:sp>
-        <p:nvSpPr>
-          <p:cNvPr id="3" name="TextBox 2"/>
-          <p:cNvSpPr txBox="1"/>
-          <p:nvPr/>
-        </p:nvSpPr>
-        <p:spPr>
-          <a:xfrm>
-            <a:off x="228600" y="685800"/>
-            <a:ext cx="8229600" cy="3657600"/>
-          </a:xfrm>
-          <a:prstGeom prst="rect">
-            <a:avLst/>
-          </a:prstGeom>
-          <a:noFill/>
-        </p:spPr>
-        <p:txBody>
-          <a:bodyPr wrap="square">
-            <a:spAutoFit/>
-          </a:bodyPr>
-          <a:lstStyle/>
           <a:p/>
           <a:p>
             <a:r>
@@ -3146,19 +3138,313 @@
             </a:r>
             <a:r>
               <a:rPr b="1" sz="1400"/>
-              <a:t>Real-World </a:t>
+              <a:t>Understanding </a:t>
+            </a:r>
+            <a:r>
+              <a:rPr sz="1400"/>
+              <a:t>the </a:t>
+            </a:r>
+            <a:r>
+              <a:rPr sz="1400"/>
+              <a:t>Inner </a:t>
             </a:r>
             <a:r>
               <a:rPr b="1" sz="1400"/>
+              <a:t>Workings: </a:t>
+            </a:r>
+            <a:r>
+              <a:rPr sz="1400"/>
               <a:t>Reverse </a:t>
             </a:r>
             <a:r>
+              <a:rPr sz="1400"/>
+              <a:t>engineering </a:t>
+            </a:r>
+            <a:r>
+              <a:rPr sz="1400"/>
+              <a:t>delves </a:t>
+            </a:r>
+            <a:r>
+              <a:rPr sz="1400"/>
+              <a:t>into </a:t>
+            </a:r>
+            <a:r>
+              <a:rPr sz="1400"/>
+              <a:t>the </a:t>
+            </a:r>
+            <a:r>
+              <a:rPr sz="1400"/>
+              <a:t>core </a:t>
+            </a:r>
+            <a:r>
+              <a:rPr sz="1400"/>
+              <a:t>of </a:t>
+            </a:r>
+            <a:r>
+              <a:rPr sz="1400"/>
+              <a:t>Android </a:t>
+            </a:r>
+            <a:r>
+              <a:rPr sz="1400"/>
+              <a:t>applications, </a:t>
+            </a:r>
+            <a:r>
+              <a:rPr sz="1400"/>
+              <a:t>dissecting </a:t>
+            </a:r>
+            <a:r>
+              <a:rPr sz="1400"/>
+              <a:t>their </a:t>
+            </a:r>
+            <a:r>
+              <a:rPr sz="1400"/>
+              <a:t>functionality, </a:t>
+            </a:r>
+            <a:r>
+              <a:rPr sz="1400"/>
+              <a:t>architecture, </a:t>
+            </a:r>
+            <a:r>
+              <a:rPr sz="1400"/>
+              <a:t>and </a:t>
+            </a:r>
+            <a:r>
+              <a:rPr sz="1400"/>
+              <a:t>underlying </a:t>
+            </a:r>
+            <a:r>
+              <a:rPr sz="1400"/>
+              <a:t>code. </a:t>
+            </a:r>
+            <a:r>
+              <a:rPr sz="1400"/>
+              <a:t>It's </a:t>
+            </a:r>
+            <a:r>
+              <a:rPr sz="1400"/>
+              <a:t>like </a:t>
+            </a:r>
+            <a:r>
+              <a:rPr sz="1400"/>
+              <a:t>peeling </a:t>
+            </a:r>
+            <a:r>
+              <a:rPr sz="1400"/>
+              <a:t>back </a:t>
+            </a:r>
+            <a:r>
+              <a:rPr sz="1400"/>
+              <a:t>the </a:t>
+            </a:r>
+            <a:r>
+              <a:rPr sz="1400"/>
+              <a:t>layers </a:t>
+            </a:r>
+            <a:r>
+              <a:rPr sz="1400"/>
+              <a:t>of </a:t>
+            </a:r>
+            <a:r>
+              <a:rPr sz="1400"/>
+              <a:t>an </a:t>
+            </a:r>
+            <a:r>
+              <a:rPr sz="1400"/>
+              <a:t>onion </a:t>
+            </a:r>
+            <a:r>
+              <a:rPr sz="1400"/>
+              <a:t>to </a:t>
+            </a:r>
+            <a:r>
+              <a:rPr sz="1400"/>
+              <a:t>see </a:t>
+            </a:r>
+            <a:r>
+              <a:rPr sz="1400"/>
+              <a:t>how </a:t>
+            </a:r>
+            <a:r>
+              <a:rPr sz="1400"/>
+              <a:t>each </a:t>
+            </a:r>
+            <a:r>
+              <a:rPr sz="1400"/>
+              <a:t>component </a:t>
+            </a:r>
+            <a:r>
+              <a:rPr sz="1400"/>
+              <a:t>contributes </a:t>
+            </a:r>
+            <a:r>
+              <a:rPr sz="1400"/>
+              <a:t>to </a:t>
+            </a:r>
+            <a:r>
+              <a:rPr sz="1400"/>
+              <a:t>the </a:t>
+            </a:r>
+            <a:r>
+              <a:rPr sz="1400"/>
+              <a:t>overall </a:t>
+            </a:r>
+            <a:r>
+              <a:rPr sz="1400"/>
+              <a:t>behavior. </a:t>
+            </a:r>
+          </a:p>
+          <a:p>
+            <a:r>
+              <a:rPr sz="1400"/>
+              <a:t>- </a:t>
+            </a:r>
+            <a:r>
               <a:rPr b="1" sz="1400"/>
-              <a:t>Engineering </a:t>
+              <a:t>Unveiling </a:t>
+            </a:r>
+            <a:r>
+              <a:rPr sz="1400"/>
+              <a:t>Hidden </a:t>
             </a:r>
             <a:r>
               <a:rPr b="1" sz="1400"/>
-              <a:t>Cases:** </a:t>
+              <a:t>Secrets: </a:t>
+            </a:r>
+            <a:r>
+              <a:rPr sz="1400"/>
+              <a:t>By </a:t>
+            </a:r>
+            <a:r>
+              <a:rPr sz="1400"/>
+              <a:t>reverse </a:t>
+            </a:r>
+            <a:r>
+              <a:rPr sz="1400"/>
+              <a:t>engineering, </a:t>
+            </a:r>
+            <a:r>
+              <a:rPr sz="1400"/>
+              <a:t>we </a:t>
+            </a:r>
+            <a:r>
+              <a:rPr sz="1400"/>
+              <a:t>can </a:t>
+            </a:r>
+            <a:r>
+              <a:rPr sz="1400"/>
+              <a:t>uncover </a:t>
+            </a:r>
+            <a:r>
+              <a:rPr sz="1400"/>
+              <a:t>hidden </a:t>
+            </a:r>
+            <a:r>
+              <a:rPr sz="1400"/>
+              <a:t>features, </a:t>
+            </a:r>
+            <a:r>
+              <a:rPr sz="1400"/>
+              <a:t>secret </a:t>
+            </a:r>
+            <a:r>
+              <a:rPr sz="1400"/>
+              <a:t>APIs, </a:t>
+            </a:r>
+            <a:r>
+              <a:rPr sz="1400"/>
+              <a:t>and </a:t>
+            </a:r>
+            <a:r>
+              <a:rPr sz="1400"/>
+              <a:t>undocumented </a:t>
+            </a:r>
+            <a:r>
+              <a:rPr sz="1400"/>
+              <a:t>behaviors </a:t>
+            </a:r>
+            <a:r>
+              <a:rPr sz="1400"/>
+              <a:t>that </a:t>
+            </a:r>
+            <a:r>
+              <a:rPr sz="1400"/>
+              <a:t>are </a:t>
+            </a:r>
+            <a:r>
+              <a:rPr sz="1400"/>
+              <a:t>not </a:t>
+            </a:r>
+            <a:r>
+              <a:rPr sz="1400"/>
+              <a:t>readily </a:t>
+            </a:r>
+            <a:r>
+              <a:rPr sz="1400"/>
+              <a:t>apparent </a:t>
+            </a:r>
+            <a:r>
+              <a:rPr sz="1400"/>
+              <a:t>from </a:t>
+            </a:r>
+            <a:r>
+              <a:rPr sz="1400"/>
+              <a:t>the </a:t>
+            </a:r>
+            <a:r>
+              <a:rPr sz="1400"/>
+              <a:t>app's </a:t>
+            </a:r>
+            <a:r>
+              <a:rPr sz="1400"/>
+              <a:t>surface. </a:t>
+            </a:r>
+            <a:r>
+              <a:rPr sz="1400"/>
+              <a:t>This </a:t>
+            </a:r>
+            <a:r>
+              <a:rPr sz="1400"/>
+              <a:t>knowledge </a:t>
+            </a:r>
+            <a:r>
+              <a:rPr sz="1400"/>
+              <a:t>can </a:t>
+            </a:r>
+            <a:r>
+              <a:rPr sz="1400"/>
+              <a:t>be </a:t>
+            </a:r>
+            <a:r>
+              <a:rPr sz="1400"/>
+              <a:t>invaluable </a:t>
+            </a:r>
+            <a:r>
+              <a:rPr sz="1400"/>
+              <a:t>for </a:t>
+            </a:r>
+            <a:r>
+              <a:rPr sz="1400"/>
+              <a:t>developers, </a:t>
+            </a:r>
+            <a:r>
+              <a:rPr sz="1400"/>
+              <a:t>security </a:t>
+            </a:r>
+            <a:r>
+              <a:rPr sz="1400"/>
+              <a:t>researchers, </a:t>
+            </a:r>
+            <a:r>
+              <a:rPr sz="1400"/>
+              <a:t>and </a:t>
+            </a:r>
+            <a:r>
+              <a:rPr sz="1400"/>
+              <a:t>enthusiasts </a:t>
+            </a:r>
+            <a:r>
+              <a:rPr sz="1400"/>
+              <a:t>alike. </a:t>
             </a:r>
           </a:p>
           <a:p>
@@ -3167,16 +3453,262 @@
               <a:t>- </a:t>
             </a:r>
             <a:r>
-              <a:rPr sz="1400"/>
-              <a:t>Atari </a:t>
-            </a:r>
-            <a:r>
-              <a:rPr sz="1400"/>
-              <a:t>v. </a:t>
-            </a:r>
-            <a:r>
-              <a:rPr sz="1400"/>
-              <a:t>Nintendo: </a:t>
+              <a:rPr b="1" sz="1400"/>
+              <a:t>Security </a:t>
+            </a:r>
+            <a:r>
+              <a:rPr sz="1400"/>
+              <a:t>Vulnerability </a:t>
+            </a:r>
+            <a:r>
+              <a:rPr b="1" sz="1400"/>
+              <a:t>Analysis: </a:t>
+            </a:r>
+            <a:r>
+              <a:rPr sz="1400"/>
+              <a:t>Reverse </a:t>
+            </a:r>
+            <a:r>
+              <a:rPr sz="1400"/>
+              <a:t>engineering </a:t>
+            </a:r>
+            <a:r>
+              <a:rPr sz="1400"/>
+              <a:t>plays </a:t>
+            </a:r>
+            <a:r>
+              <a:rPr sz="1400"/>
+              <a:t>a </a:t>
+            </a:r>
+            <a:r>
+              <a:rPr sz="1400"/>
+              <a:t>crucial </a:t>
+            </a:r>
+            <a:r>
+              <a:rPr sz="1400"/>
+              <a:t>role </a:t>
+            </a:r>
+            <a:r>
+              <a:rPr sz="1400"/>
+              <a:t>in </a:t>
+            </a:r>
+            <a:r>
+              <a:rPr sz="1400"/>
+              <a:t>identifying </a:t>
+            </a:r>
+            <a:r>
+              <a:rPr sz="1400"/>
+              <a:t>security </a:t>
+            </a:r>
+            <a:r>
+              <a:rPr sz="1400"/>
+              <a:t>loopholes </a:t>
+            </a:r>
+            <a:r>
+              <a:rPr sz="1400"/>
+              <a:t>and </a:t>
+            </a:r>
+            <a:r>
+              <a:rPr sz="1400"/>
+              <a:t>potential </a:t>
+            </a:r>
+            <a:r>
+              <a:rPr sz="1400"/>
+              <a:t>exploits </a:t>
+            </a:r>
+            <a:r>
+              <a:rPr sz="1400"/>
+              <a:t>within </a:t>
+            </a:r>
+            <a:r>
+              <a:rPr sz="1400"/>
+              <a:t>Android </a:t>
+            </a:r>
+            <a:r>
+              <a:rPr sz="1400"/>
+              <a:t>applications. </a:t>
+            </a:r>
+            <a:r>
+              <a:rPr sz="1400"/>
+              <a:t>By </a:t>
+            </a:r>
+            <a:r>
+              <a:rPr sz="1400"/>
+              <a:t>understanding </a:t>
+            </a:r>
+            <a:r>
+              <a:rPr sz="1400"/>
+              <a:t>how </a:t>
+            </a:r>
+            <a:r>
+              <a:rPr sz="1400"/>
+              <a:t>an </a:t>
+            </a:r>
+            <a:r>
+              <a:rPr sz="1400"/>
+              <a:t>app </a:t>
+            </a:r>
+            <a:r>
+              <a:rPr sz="1400"/>
+              <a:t>works, </a:t>
+            </a:r>
+            <a:r>
+              <a:rPr sz="1400"/>
+              <a:t>we </a:t>
+            </a:r>
+            <a:r>
+              <a:rPr sz="1400"/>
+              <a:t>can </a:t>
+            </a:r>
+            <a:r>
+              <a:rPr sz="1400"/>
+              <a:t>pinpoint </a:t>
+            </a:r>
+            <a:r>
+              <a:rPr sz="1400"/>
+              <a:t>weaknesses </a:t>
+            </a:r>
+            <a:r>
+              <a:rPr sz="1400"/>
+              <a:t>in </a:t>
+            </a:r>
+            <a:r>
+              <a:rPr sz="1400"/>
+              <a:t>its </a:t>
+            </a:r>
+            <a:r>
+              <a:rPr sz="1400"/>
+              <a:t>design </a:t>
+            </a:r>
+            <a:r>
+              <a:rPr sz="1400"/>
+              <a:t>and </a:t>
+            </a:r>
+            <a:r>
+              <a:rPr sz="1400"/>
+              <a:t>implementation, </a:t>
+            </a:r>
+            <a:r>
+              <a:rPr sz="1400"/>
+              <a:t>leading </a:t>
+            </a:r>
+            <a:r>
+              <a:rPr sz="1400"/>
+              <a:t>to </a:t>
+            </a:r>
+            <a:r>
+              <a:rPr sz="1400"/>
+              <a:t>more </a:t>
+            </a:r>
+            <a:r>
+              <a:rPr sz="1400"/>
+              <a:t>secure </a:t>
+            </a:r>
+            <a:r>
+              <a:rPr sz="1400"/>
+              <a:t>and </a:t>
+            </a:r>
+            <a:r>
+              <a:rPr sz="1400"/>
+              <a:t>robust </a:t>
+            </a:r>
+            <a:r>
+              <a:rPr sz="1400"/>
+              <a:t>software. </a:t>
+            </a:r>
+          </a:p>
+          <a:p>
+            <a:r>
+              <a:rPr sz="1400"/>
+              <a:t>- </a:t>
+            </a:r>
+            <a:r>
+              <a:rPr b="1" sz="1400"/>
+              <a:t>Customization </a:t>
+            </a:r>
+            <a:r>
+              <a:rPr sz="1400"/>
+              <a:t>and </a:t>
+            </a:r>
+            <a:r>
+              <a:rPr b="1" sz="1400"/>
+              <a:t>Modification: </a:t>
+            </a:r>
+            <a:r>
+              <a:rPr sz="1400"/>
+              <a:t>Through </a:t>
+            </a:r>
+            <a:r>
+              <a:rPr sz="1400"/>
+              <a:t>reverse </a:t>
+            </a:r>
+            <a:r>
+              <a:rPr sz="1400"/>
+              <a:t>engineering, </a:t>
+            </a:r>
+            <a:r>
+              <a:rPr sz="1400"/>
+              <a:t>we </a:t>
+            </a:r>
+            <a:r>
+              <a:rPr sz="1400"/>
+              <a:t>gain </a:t>
+            </a:r>
+            <a:r>
+              <a:rPr sz="1400"/>
+              <a:t>the </a:t>
+            </a:r>
+            <a:r>
+              <a:rPr sz="1400"/>
+              <a:t>ability </a:t>
+            </a:r>
+            <a:r>
+              <a:rPr sz="1400"/>
+              <a:t>to </a:t>
+            </a:r>
+            <a:r>
+              <a:rPr sz="1400"/>
+              <a:t>modify </a:t>
+            </a:r>
+            <a:r>
+              <a:rPr sz="1400"/>
+              <a:t>existing </a:t>
+            </a:r>
+            <a:r>
+              <a:rPr sz="1400"/>
+              <a:t>applications, </a:t>
+            </a:r>
+            <a:r>
+              <a:rPr sz="1400"/>
+              <a:t>tailoring </a:t>
+            </a:r>
+            <a:r>
+              <a:rPr sz="1400"/>
+              <a:t>them </a:t>
+            </a:r>
+            <a:r>
+              <a:rPr sz="1400"/>
+              <a:t>to </a:t>
+            </a:r>
+            <a:r>
+              <a:rPr sz="1400"/>
+              <a:t>our </a:t>
+            </a:r>
+            <a:r>
+              <a:rPr sz="1400"/>
+              <a:t>specific </a:t>
+            </a:r>
+            <a:r>
+              <a:rPr sz="1400"/>
+              <a:t>needs </a:t>
+            </a:r>
+            <a:r>
+              <a:rPr sz="1400"/>
+              <a:t>or </a:t>
+            </a:r>
+            <a:r>
+              <a:rPr sz="1400"/>
+              <a:t>preferences. </a:t>
             </a:r>
             <a:r>
               <a:rPr sz="1400"/>
@@ -3184,169 +3716,67 @@
             </a:r>
             <a:r>
               <a:rPr sz="1400"/>
-              <a:t>landmark </a:t>
-            </a:r>
-            <a:r>
-              <a:rPr sz="1400"/>
-              <a:t>case </a:t>
-            </a:r>
-            <a:r>
-              <a:rPr sz="1400"/>
-              <a:t>set </a:t>
-            </a:r>
-            <a:r>
-              <a:rPr sz="1400"/>
-              <a:t>a </a:t>
-            </a:r>
-            <a:r>
-              <a:rPr sz="1400"/>
-              <a:t>precedent </a:t>
-            </a:r>
-            <a:r>
-              <a:rPr sz="1400"/>
-              <a:t>for </a:t>
-            </a:r>
-            <a:r>
-              <a:rPr sz="1400"/>
-              <a:t>fair </a:t>
-            </a:r>
-            <a:r>
-              <a:rPr sz="1400"/>
-              <a:t>use </a:t>
-            </a:r>
-            <a:r>
-              <a:rPr sz="1400"/>
-              <a:t>in </a:t>
-            </a:r>
-            <a:r>
-              <a:rPr sz="1400"/>
-              <a:t>reverse </a:t>
-            </a:r>
-            <a:r>
-              <a:rPr sz="1400"/>
-              <a:t>engineering. </a:t>
-            </a:r>
-            <a:r>
-              <a:rPr sz="1400"/>
-              <a:t>Atari </a:t>
-            </a:r>
-            <a:r>
-              <a:rPr sz="1400"/>
-              <a:t>successfully </a:t>
-            </a:r>
-            <a:r>
-              <a:rPr sz="1400"/>
-              <a:t>argued </a:t>
-            </a:r>
-            <a:r>
-              <a:rPr sz="1400"/>
-              <a:t>that </a:t>
-            </a:r>
-            <a:r>
-              <a:rPr sz="1400"/>
-              <a:t>they </a:t>
-            </a:r>
-            <a:r>
-              <a:rPr sz="1400"/>
-              <a:t>needed </a:t>
-            </a:r>
-            <a:r>
-              <a:rPr sz="1400"/>
-              <a:t>to </a:t>
-            </a:r>
-            <a:r>
-              <a:rPr sz="1400"/>
-              <a:t>reverse </a:t>
-            </a:r>
-            <a:r>
-              <a:rPr sz="1400"/>
-              <a:t>engineer </a:t>
-            </a:r>
-            <a:r>
-              <a:rPr sz="1400"/>
-              <a:t>Nintendo's </a:t>
-            </a:r>
-            <a:r>
-              <a:rPr sz="1400"/>
-              <a:t>lockout </a:t>
-            </a:r>
-            <a:r>
-              <a:rPr sz="1400"/>
-              <a:t>chip </a:t>
-            </a:r>
-            <a:r>
-              <a:rPr sz="1400"/>
-              <a:t>to </a:t>
-            </a:r>
-            <a:r>
-              <a:rPr sz="1400"/>
-              <a:t>create </a:t>
-            </a:r>
-            <a:r>
-              <a:rPr sz="1400"/>
-              <a:t>compatible </a:t>
-            </a:r>
-            <a:r>
-              <a:rPr sz="1400"/>
-              <a:t>games, </a:t>
-            </a:r>
-            <a:r>
-              <a:rPr sz="1400"/>
-              <a:t>and </a:t>
-            </a:r>
-            <a:r>
-              <a:rPr sz="1400"/>
-              <a:t>this </a:t>
-            </a:r>
-            <a:r>
-              <a:rPr sz="1400"/>
-              <a:t>was </a:t>
-            </a:r>
-            <a:r>
-              <a:rPr sz="1400"/>
-              <a:t>deemed </a:t>
-            </a:r>
-            <a:r>
-              <a:rPr sz="1400"/>
-              <a:t>permissible </a:t>
-            </a:r>
-            <a:r>
-              <a:rPr sz="1400"/>
-              <a:t>under </a:t>
-            </a:r>
-            <a:r>
-              <a:rPr sz="1400"/>
-              <a:t>copyright </a:t>
-            </a:r>
-            <a:r>
-              <a:rPr sz="1400"/>
-              <a:t>law. </a:t>
-            </a:r>
-          </a:p>
-          <a:p>
-            <a:r>
-              <a:rPr sz="1400"/>
-              <a:t>- </a:t>
-            </a:r>
-            <a:r>
-              <a:rPr sz="1400"/>
-              <a:t>Accolade </a:t>
-            </a:r>
-            <a:r>
-              <a:rPr sz="1400"/>
-              <a:t>v. </a:t>
-            </a:r>
-            <a:r>
-              <a:rPr sz="1400"/>
-              <a:t>Sega: </a:t>
-            </a:r>
-            <a:r>
-              <a:rPr sz="1400"/>
-              <a:t>Similar </a:t>
-            </a:r>
-            <a:r>
-              <a:rPr sz="1400"/>
-              <a:t>to </a:t>
+              <a:t>could </a:t>
+            </a:r>
+            <a:r>
+              <a:rPr sz="1400"/>
+              <a:t>involve </a:t>
+            </a:r>
+            <a:r>
+              <a:rPr sz="1400"/>
+              <a:t>adding </a:t>
+            </a:r>
+            <a:r>
+              <a:rPr sz="1400"/>
+              <a:t>new </a:t>
+            </a:r>
+            <a:r>
+              <a:rPr sz="1400"/>
+              <a:t>features, </a:t>
+            </a:r>
+            <a:r>
+              <a:rPr sz="1400"/>
+              <a:t>removing </a:t>
+            </a:r>
+            <a:r>
+              <a:rPr sz="1400"/>
+              <a:t>unwanted </a:t>
+            </a:r>
+            <a:r>
+              <a:rPr sz="1400"/>
+              <a:t>elements, </a:t>
+            </a:r>
+            <a:r>
+              <a:rPr sz="1400"/>
+              <a:t>or </a:t>
+            </a:r>
+            <a:r>
+              <a:rPr sz="1400"/>
+              <a:t>even </a:t>
+            </a:r>
+            <a:r>
+              <a:rPr sz="1400"/>
+              <a:t>creating </a:t>
+            </a:r>
+            <a:r>
+              <a:rPr sz="1400"/>
+              <a:t>entirely </a:t>
+            </a:r>
+            <a:r>
+              <a:rPr sz="1400"/>
+              <a:t>new </a:t>
+            </a:r>
+            <a:r>
+              <a:rPr sz="1400"/>
+              <a:t>apps </a:t>
+            </a:r>
+            <a:r>
+              <a:rPr sz="1400"/>
+              <a:t>based </a:t>
+            </a:r>
+            <a:r>
+              <a:rPr sz="1400"/>
+              <a:t>on </a:t>
             </a:r>
             <a:r>
               <a:rPr sz="1400"/>
@@ -3354,19 +3784,15 @@
             </a:r>
             <a:r>
               <a:rPr sz="1400"/>
-              <a:t>Atari </a:t>
-            </a:r>
-            <a:r>
-              <a:rPr sz="1400"/>
-              <a:t>case, </a:t>
-            </a:r>
-            <a:r>
-              <a:rPr sz="1400"/>
-              <a:t>Accolade </a:t>
-            </a:r>
-            <a:r>
-              <a:rPr sz="1400"/>
-              <a:t>demonstrated </a:t>
+              <a:t>insights </a:t>
+            </a:r>
+            <a:r>
+              <a:rPr sz="1400"/>
+              <a:t>gained </a:t>
+            </a:r>
+            <a:r>
+              <a:rPr sz="1400"/>
+              <a:t>from </a:t>
             </a:r>
             <a:r>
               <a:rPr sz="1400"/>
@@ -3374,845 +3800,60 @@
             </a:r>
             <a:r>
               <a:rPr sz="1400"/>
-              <a:t>need </a:t>
-            </a:r>
-            <a:r>
-              <a:rPr sz="1400"/>
-              <a:t>to </a:t>
-            </a:r>
-            <a:r>
-              <a:rPr sz="1400"/>
-              <a:t>reverse </a:t>
-            </a:r>
-            <a:r>
-              <a:rPr sz="1400"/>
-              <a:t>engineer </a:t>
-            </a:r>
-            <a:r>
-              <a:rPr sz="1400"/>
-              <a:t>Sega's </a:t>
-            </a:r>
-            <a:r>
-              <a:rPr sz="1400"/>
-              <a:t>console </a:t>
-            </a:r>
-            <a:r>
-              <a:rPr sz="1400"/>
-              <a:t>to </a:t>
-            </a:r>
-            <a:r>
-              <a:rPr sz="1400"/>
-              <a:t>create </a:t>
-            </a:r>
-            <a:r>
-              <a:rPr sz="1400"/>
-              <a:t>compatible </a:t>
-            </a:r>
-            <a:r>
-              <a:rPr sz="1400"/>
-              <a:t>games. </a:t>
-            </a:r>
-            <a:r>
-              <a:rPr sz="1400"/>
-              <a:t>This </a:t>
-            </a:r>
-            <a:r>
-              <a:rPr sz="1400"/>
-              <a:t>further </a:t>
-            </a:r>
-            <a:r>
-              <a:rPr sz="1400"/>
-              <a:t>solidified </a:t>
-            </a:r>
-            <a:r>
-              <a:rPr sz="1400"/>
-              <a:t>the </a:t>
-            </a:r>
-            <a:r>
-              <a:rPr sz="1400"/>
-              <a:t>concept </a:t>
-            </a:r>
-            <a:r>
-              <a:rPr sz="1400"/>
-              <a:t>of </a:t>
-            </a:r>
-            <a:r>
-              <a:rPr sz="1400"/>
-              <a:t>fair </a:t>
-            </a:r>
-            <a:r>
-              <a:rPr sz="1400"/>
-              <a:t>use </a:t>
-            </a:r>
-            <a:r>
-              <a:rPr sz="1400"/>
-              <a:t>in </a:t>
-            </a:r>
-            <a:r>
-              <a:rPr sz="1400"/>
-              <a:t>the </a:t>
-            </a:r>
-            <a:r>
-              <a:rPr sz="1400"/>
-              <a:t>context </a:t>
-            </a:r>
-            <a:r>
-              <a:rPr sz="1400"/>
-              <a:t>of </a:t>
-            </a:r>
-            <a:r>
-              <a:rPr sz="1400"/>
-              <a:t>interoperability. </a:t>
-            </a:r>
-          </a:p>
-          <a:p>
-            <a:r>
-              <a:rPr sz="1400"/>
-              <a:t>- </a:t>
-            </a:r>
-            <a:r>
-              <a:rPr sz="1400"/>
-              <a:t>Phoenix </a:t>
-            </a:r>
-            <a:r>
-              <a:rPr sz="1400"/>
-              <a:t>v. </a:t>
-            </a:r>
-            <a:r>
-              <a:rPr sz="1400"/>
-              <a:t>IBM </a:t>
-            </a:r>
-            <a:r>
-              <a:rPr sz="1400"/>
-              <a:t>(BIOS): </a:t>
-            </a:r>
-            <a:r>
-              <a:rPr sz="1400"/>
-              <a:t>This </a:t>
-            </a:r>
-            <a:r>
-              <a:rPr sz="1400"/>
-              <a:t>case </a:t>
-            </a:r>
-            <a:r>
-              <a:rPr sz="1400"/>
-              <a:t>delved </a:t>
-            </a:r>
-            <a:r>
-              <a:rPr sz="1400"/>
-              <a:t>into </a:t>
-            </a:r>
-            <a:r>
-              <a:rPr sz="1400"/>
-              <a:t>the </a:t>
-            </a:r>
-            <a:r>
-              <a:rPr sz="1400"/>
-              <a:t>complexities </a:t>
-            </a:r>
-            <a:r>
-              <a:rPr sz="1400"/>
-              <a:t>of </a:t>
-            </a:r>
-            <a:r>
-              <a:rPr sz="1400"/>
-              <a:t>intellectual </a:t>
-            </a:r>
-            <a:r>
-              <a:rPr sz="1400"/>
-              <a:t>property </a:t>
-            </a:r>
-            <a:r>
-              <a:rPr sz="1400"/>
-              <a:t>protection </a:t>
-            </a:r>
-            <a:r>
-              <a:rPr sz="1400"/>
-              <a:t>for </a:t>
-            </a:r>
-            <a:r>
-              <a:rPr sz="1400"/>
-              <a:t>BIOS </a:t>
-            </a:r>
-            <a:r>
-              <a:rPr sz="1400"/>
-              <a:t>software. </a:t>
-            </a:r>
-            <a:r>
-              <a:rPr sz="1400"/>
-              <a:t>The </a:t>
-            </a:r>
-            <a:r>
-              <a:rPr sz="1400"/>
-              <a:t>court </a:t>
-            </a:r>
-            <a:r>
-              <a:rPr sz="1400"/>
-              <a:t>ruled </a:t>
-            </a:r>
-            <a:r>
-              <a:rPr sz="1400"/>
-              <a:t>that </a:t>
-            </a:r>
-            <a:r>
-              <a:rPr sz="1400"/>
-              <a:t>while </a:t>
-            </a:r>
-            <a:r>
-              <a:rPr sz="1400"/>
-              <a:t>some </a:t>
-            </a:r>
-            <a:r>
-              <a:rPr sz="1400"/>
-              <a:t>aspects </a:t>
-            </a:r>
-            <a:r>
-              <a:rPr sz="1400"/>
-              <a:t>of </a:t>
-            </a:r>
-            <a:r>
-              <a:rPr sz="1400"/>
-              <a:t>BIOS </a:t>
-            </a:r>
-            <a:r>
-              <a:rPr sz="1400"/>
-              <a:t>were </a:t>
-            </a:r>
-            <a:r>
-              <a:rPr sz="1400"/>
-              <a:t>copyrightable, </a:t>
-            </a:r>
-            <a:r>
-              <a:rPr sz="1400"/>
-              <a:t>functional </a:t>
-            </a:r>
-            <a:r>
-              <a:rPr sz="1400"/>
-              <a:t>elements </a:t>
-            </a:r>
-            <a:r>
-              <a:rPr sz="1400"/>
-              <a:t>necessary </a:t>
-            </a:r>
-            <a:r>
-              <a:rPr sz="1400"/>
-              <a:t>for </a:t>
-            </a:r>
-            <a:r>
-              <a:rPr sz="1400"/>
-              <a:t>compatibility </a:t>
-            </a:r>
-            <a:r>
-              <a:rPr sz="1400"/>
-              <a:t>were </a:t>
-            </a:r>
-            <a:r>
-              <a:rPr sz="1400"/>
-              <a:t>not, </a:t>
-            </a:r>
-            <a:r>
-              <a:rPr sz="1400"/>
-              <a:t>allowing </a:t>
-            </a:r>
-            <a:r>
-              <a:rPr sz="1400"/>
-              <a:t>for </a:t>
-            </a:r>
-            <a:r>
-              <a:rPr sz="1400"/>
-              <a:t>limited </a:t>
-            </a:r>
-            <a:r>
-              <a:rPr sz="1400"/>
-              <a:t>reverse </a:t>
-            </a:r>
-            <a:r>
-              <a:rPr sz="1400"/>
-              <a:t>engineering. </a:t>
-            </a:r>
-          </a:p>
-          <a:p>
-            <a:r>
-              <a:rPr sz="1400"/>
-              <a:t>- </a:t>
-            </a:r>
-            <a:r>
-              <a:rPr sz="1400"/>
-              <a:t>Connectix </a:t>
-            </a:r>
-            <a:r>
-              <a:rPr sz="1400"/>
-              <a:t>v. </a:t>
-            </a:r>
-            <a:r>
-              <a:rPr sz="1400"/>
-              <a:t>Sony: </a:t>
-            </a:r>
-            <a:r>
-              <a:rPr sz="1400"/>
-              <a:t>This </a:t>
-            </a:r>
-            <a:r>
-              <a:rPr sz="1400"/>
-              <a:t>case </a:t>
-            </a:r>
-            <a:r>
-              <a:rPr sz="1400"/>
-              <a:t>explored </a:t>
-            </a:r>
-            <a:r>
-              <a:rPr sz="1400"/>
-              <a:t>the </a:t>
-            </a:r>
-            <a:r>
-              <a:rPr sz="1400"/>
-              <a:t>boundaries </a:t>
-            </a:r>
-            <a:r>
-              <a:rPr sz="1400"/>
-              <a:t>of </a:t>
-            </a:r>
-            <a:r>
-              <a:rPr sz="1400"/>
-              <a:t>reverse </a:t>
-            </a:r>
-            <a:r>
-              <a:rPr sz="1400"/>
-              <a:t>engineering </a:t>
-            </a:r>
-            <a:r>
-              <a:rPr sz="1400"/>
-              <a:t>in </a:t>
-            </a:r>
-            <a:r>
-              <a:rPr sz="1400"/>
-              <a:t>the </a:t>
-            </a:r>
-            <a:r>
-              <a:rPr sz="1400"/>
-              <a:t>context </a:t>
-            </a:r>
-            <a:r>
-              <a:rPr sz="1400"/>
-              <a:t>of </a:t>
-            </a:r>
-            <a:r>
-              <a:rPr sz="1400"/>
-              <a:t>creating </a:t>
-            </a:r>
-            <a:r>
-              <a:rPr sz="1400"/>
-              <a:t>emulation </a:t>
-            </a:r>
-            <a:r>
-              <a:rPr sz="1400"/>
-              <a:t>software. </a:t>
-            </a:r>
-            <a:r>
-              <a:rPr sz="1400"/>
-              <a:t>Connectix </a:t>
-            </a:r>
-            <a:r>
-              <a:rPr sz="1400"/>
-              <a:t>successfully </a:t>
-            </a:r>
-            <a:r>
-              <a:rPr sz="1400"/>
-              <a:t>argued </a:t>
-            </a:r>
-            <a:r>
-              <a:rPr sz="1400"/>
-              <a:t>that </a:t>
-            </a:r>
-            <a:r>
-              <a:rPr sz="1400"/>
-              <a:t>their </a:t>
-            </a:r>
-            <a:r>
-              <a:rPr sz="1400"/>
-              <a:t>reverse </a:t>
-            </a:r>
-            <a:r>
-              <a:rPr sz="1400"/>
-              <a:t>engineering </a:t>
-            </a:r>
-            <a:r>
-              <a:rPr sz="1400"/>
-              <a:t>of </a:t>
-            </a:r>
-            <a:r>
-              <a:rPr sz="1400"/>
-              <a:t>Sony's </a:t>
-            </a:r>
-            <a:r>
-              <a:rPr sz="1400"/>
-              <a:t>PlayStation </a:t>
-            </a:r>
-            <a:r>
-              <a:rPr sz="1400"/>
-              <a:t>BIOS </a:t>
-            </a:r>
-            <a:r>
-              <a:rPr sz="1400"/>
-              <a:t>was </a:t>
-            </a:r>
-            <a:r>
-              <a:rPr sz="1400"/>
-              <a:t>essential </a:t>
-            </a:r>
-            <a:r>
-              <a:rPr sz="1400"/>
-              <a:t>for </a:t>
-            </a:r>
-            <a:r>
-              <a:rPr sz="1400"/>
-              <a:t>creating </a:t>
-            </a:r>
-            <a:r>
-              <a:rPr sz="1400"/>
-              <a:t>a </a:t>
-            </a:r>
-            <a:r>
-              <a:rPr sz="1400"/>
-              <a:t>compatible </a:t>
-            </a:r>
-            <a:r>
-              <a:rPr sz="1400"/>
-              <a:t>emulator, </a:t>
-            </a:r>
-            <a:r>
-              <a:rPr sz="1400"/>
-              <a:t>falling </a:t>
-            </a:r>
-            <a:r>
-              <a:rPr sz="1400"/>
-              <a:t>under </a:t>
-            </a:r>
-            <a:r>
-              <a:rPr sz="1400"/>
-              <a:t>fair </a:t>
-            </a:r>
-            <a:r>
-              <a:rPr sz="1400"/>
-              <a:t>use. </a:t>
+              <a:t>analysis. </a:t>
             </a:r>
           </a:p>
           <a:p/>
           <a:p>
             <a:r>
-              <a:rPr sz="1400"/>
-              <a:t>- </a:t>
-            </a:r>
-            <a:r>
-              <a:rPr b="1" sz="1400"/>
-              <a:t>Legal </a:t>
-            </a:r>
-            <a:r>
-              <a:rPr b="1" sz="1400"/>
-              <a:t>Landscape:** </a:t>
-            </a:r>
-          </a:p>
-          <a:p>
-            <a:r>
-              <a:rPr sz="1400"/>
-              <a:t>- </a:t>
-            </a:r>
-            <a:r>
-              <a:rPr sz="1400"/>
-              <a:t>The </a:t>
-            </a:r>
-            <a:r>
-              <a:rPr sz="1400"/>
-              <a:t>legal </a:t>
-            </a:r>
-            <a:r>
-              <a:rPr sz="1400"/>
-              <a:t>landscape </a:t>
-            </a:r>
-            <a:r>
-              <a:rPr sz="1400"/>
-              <a:t>surrounding </a:t>
-            </a:r>
-            <a:r>
-              <a:rPr sz="1400"/>
-              <a:t>reverse </a:t>
-            </a:r>
-            <a:r>
-              <a:rPr sz="1400"/>
-              <a:t>engineering </a:t>
-            </a:r>
-            <a:r>
-              <a:rPr sz="1400"/>
-              <a:t>is </a:t>
-            </a:r>
-            <a:r>
-              <a:rPr sz="1400"/>
-              <a:t>complex </a:t>
-            </a:r>
-            <a:r>
-              <a:rPr sz="1400"/>
-              <a:t>and </a:t>
-            </a:r>
-            <a:r>
-              <a:rPr sz="1400"/>
-              <a:t>often </a:t>
-            </a:r>
-            <a:r>
-              <a:rPr sz="1400"/>
-              <a:t>favors </a:t>
-            </a:r>
-            <a:r>
-              <a:rPr sz="1400"/>
-              <a:t>the </a:t>
-            </a:r>
-            <a:r>
-              <a:rPr sz="1400"/>
-              <a:t>practice, </a:t>
-            </a:r>
-            <a:r>
-              <a:rPr sz="1400"/>
-              <a:t>especially </a:t>
-            </a:r>
-            <a:r>
-              <a:rPr sz="1400"/>
-              <a:t>when </a:t>
-            </a:r>
-            <a:r>
-              <a:rPr sz="1400"/>
-              <a:t>it's </a:t>
-            </a:r>
-            <a:r>
-              <a:rPr sz="1400"/>
-              <a:t>essential </a:t>
-            </a:r>
-            <a:r>
-              <a:rPr sz="1400"/>
-              <a:t>for </a:t>
-            </a:r>
-            <a:r>
-              <a:rPr sz="1400"/>
-              <a:t>achieving </a:t>
-            </a:r>
-            <a:r>
-              <a:rPr sz="1400"/>
-              <a:t>interoperability </a:t>
-            </a:r>
-            <a:r>
-              <a:rPr sz="1400"/>
-              <a:t>or </a:t>
-            </a:r>
-            <a:r>
-              <a:rPr sz="1400"/>
-              <a:t>compatibility. </a:t>
-            </a:r>
-            <a:r>
-              <a:rPr sz="1400"/>
-              <a:t>Proving </a:t>
-            </a:r>
-            <a:r>
-              <a:rPr sz="1400"/>
-              <a:t>infringement </a:t>
-            </a:r>
-            <a:r>
-              <a:rPr sz="1400"/>
-              <a:t>can </a:t>
-            </a:r>
-            <a:r>
-              <a:rPr sz="1400"/>
-              <a:t>be </a:t>
-            </a:r>
-            <a:r>
-              <a:rPr sz="1400"/>
-              <a:t>challenging, </a:t>
-            </a:r>
-            <a:r>
-              <a:rPr sz="1400"/>
-              <a:t>as </a:t>
-            </a:r>
-            <a:r>
-              <a:rPr sz="1400"/>
-              <a:t>companies </a:t>
-            </a:r>
-            <a:r>
-              <a:rPr sz="1400"/>
-              <a:t>need </a:t>
-            </a:r>
-            <a:r>
-              <a:rPr sz="1400"/>
-              <a:t>to </a:t>
-            </a:r>
-            <a:r>
-              <a:rPr sz="1400"/>
-              <a:t>demonstrate </a:t>
-            </a:r>
-            <a:r>
-              <a:rPr sz="1400"/>
-              <a:t>that </a:t>
-            </a:r>
-            <a:r>
-              <a:rPr sz="1400"/>
-              <a:t>the </a:t>
-            </a:r>
-            <a:r>
-              <a:rPr sz="1400"/>
-              <a:t>reverse </a:t>
-            </a:r>
-            <a:r>
-              <a:rPr sz="1400"/>
-              <a:t>engineering </a:t>
-            </a:r>
-            <a:r>
-              <a:rPr sz="1400"/>
-              <a:t>went </a:t>
-            </a:r>
-            <a:r>
-              <a:rPr sz="1400"/>
-              <a:t>beyond </a:t>
-            </a:r>
-            <a:r>
-              <a:rPr sz="1400"/>
-              <a:t>what </a:t>
-            </a:r>
-            <a:r>
-              <a:rPr sz="1400"/>
-              <a:t>was </a:t>
-            </a:r>
-            <a:r>
-              <a:rPr sz="1400"/>
-              <a:t>necessary </a:t>
-            </a:r>
-            <a:r>
-              <a:rPr sz="1400"/>
-              <a:t>for </a:t>
-            </a:r>
-            <a:r>
-              <a:rPr sz="1400"/>
-              <a:t>achieving </a:t>
-            </a:r>
-            <a:r>
-              <a:rPr sz="1400"/>
-              <a:t>a </a:t>
-            </a:r>
-            <a:r>
-              <a:rPr sz="1400"/>
-              <a:t>legitimate </a:t>
-            </a:r>
-            <a:r>
-              <a:rPr sz="1400"/>
-              <a:t>purpose. </a:t>
-            </a:r>
-          </a:p>
-          <a:p/>
-          <a:p>
-            <a:r>
-              <a:rPr sz="1400"/>
-              <a:t>- </a:t>
-            </a:r>
-            <a:r>
-              <a:rPr b="1" sz="1400"/>
-              <a:t>Chinese </a:t>
-            </a:r>
-            <a:r>
-              <a:rPr b="1" sz="1400"/>
-              <a:t>Wall </a:t>
-            </a:r>
-            <a:r>
-              <a:rPr b="1" sz="1400"/>
-              <a:t>Method:** </a:t>
-            </a:r>
-          </a:p>
-          <a:p>
-            <a:r>
-              <a:rPr sz="1400"/>
-              <a:t>- </a:t>
-            </a:r>
-            <a:r>
-              <a:rPr sz="1400"/>
-              <a:t>To </a:t>
-            </a:r>
-            <a:r>
-              <a:rPr sz="1400"/>
-              <a:t>mitigate </a:t>
-            </a:r>
-            <a:r>
-              <a:rPr sz="1400"/>
-              <a:t>legal </a:t>
-            </a:r>
-            <a:r>
-              <a:rPr sz="1400"/>
-              <a:t>risks, </a:t>
-            </a:r>
-            <a:r>
-              <a:rPr sz="1400"/>
-              <a:t>companies </a:t>
-            </a:r>
-            <a:r>
-              <a:rPr sz="1400"/>
-              <a:t>often </a:t>
-            </a:r>
-            <a:r>
-              <a:rPr sz="1400"/>
-              <a:t>employ </a:t>
-            </a:r>
-            <a:r>
-              <a:rPr sz="1400"/>
-              <a:t>the </a:t>
-            </a:r>
-            <a:r>
-              <a:rPr sz="1400"/>
-              <a:t>"Chinese </a:t>
-            </a:r>
-            <a:r>
-              <a:rPr sz="1400"/>
-              <a:t>Wall" </a:t>
-            </a:r>
-            <a:r>
-              <a:rPr sz="1400"/>
-              <a:t>method. </a:t>
-            </a:r>
-            <a:r>
-              <a:rPr sz="1400"/>
-              <a:t>This </a:t>
-            </a:r>
-            <a:r>
-              <a:rPr sz="1400"/>
-              <a:t>involves </a:t>
-            </a:r>
-            <a:r>
-              <a:rPr sz="1400"/>
-              <a:t>separating </a:t>
-            </a:r>
-            <a:r>
-              <a:rPr sz="1400"/>
-              <a:t>the </a:t>
-            </a:r>
-            <a:r>
-              <a:rPr sz="1400"/>
-              <a:t>team </a:t>
-            </a:r>
-            <a:r>
-              <a:rPr sz="1400"/>
-              <a:t>that </a:t>
-            </a:r>
-            <a:r>
-              <a:rPr sz="1400"/>
-              <a:t>performs </a:t>
-            </a:r>
-            <a:r>
-              <a:rPr sz="1400"/>
-              <a:t>reverse </a:t>
-            </a:r>
-            <a:r>
-              <a:rPr sz="1400"/>
-              <a:t>engineering </a:t>
-            </a:r>
-            <a:r>
-              <a:rPr sz="1400"/>
-              <a:t>from </a:t>
-            </a:r>
-            <a:r>
-              <a:rPr sz="1400"/>
-              <a:t>the </a:t>
-            </a:r>
-            <a:r>
-              <a:rPr sz="1400"/>
-              <a:t>team </a:t>
-            </a:r>
-            <a:r>
-              <a:rPr sz="1400"/>
-              <a:t>that </a:t>
-            </a:r>
-            <a:r>
-              <a:rPr sz="1400"/>
-              <a:t>develops </a:t>
-            </a:r>
-            <a:r>
-              <a:rPr sz="1400"/>
-              <a:t>the </a:t>
-            </a:r>
-            <a:r>
-              <a:rPr sz="1400"/>
-              <a:t>new </a:t>
-            </a:r>
-            <a:r>
-              <a:rPr sz="1400"/>
-              <a:t>product. </a:t>
-            </a:r>
-            <a:r>
-              <a:rPr sz="1400"/>
-              <a:t>This </a:t>
-            </a:r>
-            <a:r>
-              <a:rPr sz="1400"/>
-              <a:t>helps </a:t>
-            </a:r>
-            <a:r>
-              <a:rPr sz="1400"/>
-              <a:t>to </a:t>
-            </a:r>
-            <a:r>
-              <a:rPr sz="1400"/>
-              <a:t>ensure </a:t>
-            </a:r>
-            <a:r>
-              <a:rPr sz="1400"/>
-              <a:t>that </a:t>
-            </a:r>
-            <a:r>
-              <a:rPr sz="1400"/>
-              <a:t>any </a:t>
-            </a:r>
-            <a:r>
-              <a:rPr sz="1400"/>
-              <a:t>similarities </a:t>
-            </a:r>
-            <a:r>
-              <a:rPr sz="1400"/>
-              <a:t>between </a:t>
-            </a:r>
-            <a:r>
-              <a:rPr sz="1400"/>
-              <a:t>the </a:t>
-            </a:r>
-            <a:r>
-              <a:rPr sz="1400"/>
-              <a:t>products </a:t>
-            </a:r>
-            <a:r>
-              <a:rPr sz="1400"/>
-              <a:t>are </a:t>
-            </a:r>
-            <a:r>
-              <a:rPr sz="1400"/>
-              <a:t>due </a:t>
-            </a:r>
-            <a:r>
-              <a:rPr sz="1400"/>
-              <a:t>to </a:t>
-            </a:r>
-            <a:r>
-              <a:rPr sz="1400"/>
-              <a:t>independent </a:t>
-            </a:r>
-            <a:r>
-              <a:rPr sz="1400"/>
-              <a:t>creation </a:t>
-            </a:r>
-            <a:r>
-              <a:rPr sz="1400"/>
-              <a:t>rather </a:t>
-            </a:r>
-            <a:r>
-              <a:rPr sz="1400"/>
-              <a:t>than </a:t>
-            </a:r>
-            <a:r>
-              <a:rPr sz="1400"/>
-              <a:t>direct </a:t>
-            </a:r>
-            <a:r>
-              <a:rPr sz="1400"/>
-              <a:t>copying. </a:t>
+              <a:rPr b="1" sz="1200"/>
+              <a:t>Citation:</a:t>
+            </a:r>
+          </a:p>
+          <a:p>
+            <a:r>
+              <a:rPr sz="1200"/>
+              <a:t>* </a:t>
+            </a:r>
+            <a:r>
+              <a:rPr sz="1200"/>
+              <a:t>Zimmermann, </a:t>
+            </a:r>
+            <a:r>
+              <a:rPr sz="1200"/>
+              <a:t>D. </a:t>
+            </a:r>
+            <a:r>
+              <a:rPr sz="1200"/>
+              <a:t>(2015). </a:t>
+            </a:r>
+            <a:r>
+              <a:rPr sz="1200"/>
+              <a:t>Android </a:t>
+            </a:r>
+            <a:r>
+              <a:rPr sz="1200"/>
+              <a:t>Hacker's </a:t>
+            </a:r>
+            <a:r>
+              <a:rPr sz="1200"/>
+              <a:t>Handbook. </a:t>
+            </a:r>
+            <a:r>
+              <a:rPr sz="1200"/>
+              <a:t>John </a:t>
+            </a:r>
+            <a:r>
+              <a:rPr sz="1200"/>
+              <a:t>Wiley </a:t>
+            </a:r>
+            <a:r>
+              <a:rPr sz="1200"/>
+              <a:t>&amp; </a:t>
+            </a:r>
+            <a:r>
+              <a:rPr sz="1200"/>
+              <a:t>Sons. </a:t>
             </a:r>
           </a:p>
         </p:txBody>

--- a/output.pptx
+++ b/output.pptx
@@ -6,6 +6,20 @@
   </p:sldMasterIdLst>
   <p:sldIdLst>
     <p:sldId id="256" r:id="rId7"/>
+    <p:sldId id="257" r:id="rId8"/>
+    <p:sldId id="258" r:id="rId9"/>
+    <p:sldId id="259" r:id="rId10"/>
+    <p:sldId id="260" r:id="rId11"/>
+    <p:sldId id="261" r:id="rId12"/>
+    <p:sldId id="262" r:id="rId13"/>
+    <p:sldId id="263" r:id="rId14"/>
+    <p:sldId id="264" r:id="rId15"/>
+    <p:sldId id="265" r:id="rId16"/>
+    <p:sldId id="266" r:id="rId17"/>
+    <p:sldId id="267" r:id="rId18"/>
+    <p:sldId id="268" r:id="rId19"/>
+    <p:sldId id="269" r:id="rId20"/>
+    <p:sldId id="270" r:id="rId21"/>
   </p:sldIdLst>
   <p:sldSz cx="9144000" cy="5143500" type="screen4x3"/>
   <p:notesSz cx="6858000" cy="9144000"/>
@@ -3104,7 +3118,7 @@
           <a:lstStyle/>
           <a:p>
             <a:r>
-              <a:t>Introduction to Android Reverse Engineering </a:t>
+              <a:t>Android Reverse Engineering</a:t>
             </a:r>
           </a:p>
         </p:txBody>
@@ -3134,35 +3148,4271 @@
           <a:p>
             <a:r>
               <a:rPr sz="1400"/>
-              <a:t>- </a:t>
-            </a:r>
-            <a:r>
-              <a:rPr b="1" sz="1400"/>
+              <a:t>This </a:t>
+            </a:r>
+            <a:r>
+              <a:rPr sz="1400"/>
+              <a:t>slide </a:t>
+            </a:r>
+            <a:r>
+              <a:rPr sz="1400"/>
+              <a:t>appears </a:t>
+            </a:r>
+            <a:r>
+              <a:rPr sz="1400"/>
+              <a:t>to </a:t>
+            </a:r>
+            <a:r>
+              <a:rPr sz="1400"/>
+              <a:t>be </a:t>
+            </a:r>
+            <a:r>
+              <a:rPr sz="1400"/>
+              <a:t>a </a:t>
+            </a:r>
+            <a:r>
+              <a:rPr sz="1400"/>
+              <a:t>title </a:t>
+            </a:r>
+            <a:r>
+              <a:rPr sz="1400"/>
+              <a:t>slide </a:t>
+            </a:r>
+            <a:r>
+              <a:rPr sz="1400"/>
+              <a:t>for </a:t>
+            </a:r>
+            <a:r>
+              <a:rPr sz="1400"/>
+              <a:t>a </a:t>
+            </a:r>
+            <a:r>
+              <a:rPr sz="1400"/>
+              <a:t>course </a:t>
+            </a:r>
+            <a:r>
+              <a:rPr sz="1400"/>
+              <a:t>on </a:t>
+            </a:r>
+            <a:r>
+              <a:rPr sz="1400"/>
+              <a:t>Mobile </a:t>
+            </a:r>
+            <a:r>
+              <a:rPr sz="1400"/>
+              <a:t>Security, </a:t>
+            </a:r>
+            <a:r>
+              <a:rPr sz="1400"/>
+              <a:t>specifically </a:t>
+            </a:r>
+            <a:r>
+              <a:rPr sz="1400"/>
+              <a:t>focusing </a:t>
+            </a:r>
+            <a:r>
+              <a:rPr sz="1400"/>
+              <a:t>on </a:t>
+            </a:r>
+            <a:r>
+              <a:rPr sz="1400"/>
+              <a:t>Android </a:t>
+            </a:r>
+            <a:r>
+              <a:rPr sz="1400"/>
+              <a:t>Reverse </a:t>
+            </a:r>
+            <a:r>
+              <a:rPr sz="1400"/>
+              <a:t>Engineering. </a:t>
+            </a:r>
+            <a:r>
+              <a:rPr sz="1400"/>
+              <a:t>It </a:t>
+            </a:r>
+            <a:r>
+              <a:rPr sz="1400"/>
+              <a:t>provides </a:t>
+            </a:r>
+            <a:r>
+              <a:rPr sz="1400"/>
+              <a:t>the </a:t>
+            </a:r>
+            <a:r>
+              <a:rPr sz="1400"/>
+              <a:t>course </a:t>
+            </a:r>
+            <a:r>
+              <a:rPr sz="1400"/>
+              <a:t>code </a:t>
+            </a:r>
+            <a:r>
+              <a:rPr sz="1400"/>
+              <a:t>(ICT </a:t>
+            </a:r>
+            <a:r>
+              <a:rPr sz="1400"/>
+              <a:t>2215), </a:t>
+            </a:r>
+            <a:r>
+              <a:rPr sz="1400"/>
+              <a:t>the </a:t>
+            </a:r>
+            <a:r>
+              <a:rPr sz="1400"/>
+              <a:t>instructor's </a:t>
+            </a:r>
+            <a:r>
+              <a:rPr sz="1400"/>
+              <a:t>name </a:t>
+            </a:r>
+            <a:r>
+              <a:rPr sz="1400"/>
+              <a:t>and </a:t>
+            </a:r>
+            <a:r>
+              <a:rPr sz="1400"/>
+              <a:t>contact </a:t>
+            </a:r>
+            <a:r>
+              <a:rPr sz="1400"/>
+              <a:t>information, </a:t>
+            </a:r>
+            <a:r>
+              <a:rPr sz="1400"/>
+              <a:t>indicating </a:t>
+            </a:r>
+            <a:r>
+              <a:rPr sz="1400"/>
+              <a:t>the </a:t>
+            </a:r>
+            <a:r>
+              <a:rPr sz="1400"/>
+              <a:t>context </a:t>
+            </a:r>
+            <a:r>
+              <a:rPr sz="1400"/>
+              <a:t>of </a:t>
+            </a:r>
+            <a:r>
+              <a:rPr sz="1400"/>
+              <a:t>the </a:t>
+            </a:r>
+            <a:r>
+              <a:rPr sz="1400"/>
+              <a:t>subsequent </a:t>
+            </a:r>
+            <a:r>
+              <a:rPr sz="1400"/>
+              <a:t>slides. </a:t>
+            </a:r>
+          </a:p>
+        </p:txBody>
+      </p:sp>
+    </p:spTree>
+  </p:cSld>
+  <p:clrMapOvr>
+    <a:masterClrMapping/>
+  </p:clrMapOvr>
+</p:sld>
+</file>
+
+<file path=ppt/slides/slide10.xml><?xml version="1.0" encoding="utf-8"?>
+<p:sld xmlns:a="http://schemas.openxmlformats.org/drawingml/2006/main" xmlns:p="http://schemas.openxmlformats.org/presentationml/2006/main" xmlns:r="http://schemas.openxmlformats.org/officeDocument/2006/relationships">
+  <p:cSld>
+    <p:spTree>
+      <p:nvGrpSpPr>
+        <p:cNvPr id="1" name=""/>
+        <p:cNvGrpSpPr/>
+        <p:nvPr/>
+      </p:nvGrpSpPr>
+      <p:grpSpPr/>
+      <p:sp>
+        <p:nvSpPr>
+          <p:cNvPr id="2" name="Title 1"/>
+          <p:cNvSpPr>
+            <a:spLocks noGrp="1"/>
+          </p:cNvSpPr>
+          <p:nvPr>
+            <p:ph type="title"/>
+          </p:nvPr>
+        </p:nvSpPr>
+        <p:spPr/>
+        <p:txBody>
+          <a:bodyPr/>
+          <a:lstStyle/>
+          <a:p>
+            <a:r>
+              <a:t>What to look for?</a:t>
+            </a:r>
+          </a:p>
+        </p:txBody>
+      </p:sp>
+      <p:sp>
+        <p:nvSpPr>
+          <p:cNvPr id="3" name="TextBox 2"/>
+          <p:cNvSpPr txBox="1"/>
+          <p:nvPr/>
+        </p:nvSpPr>
+        <p:spPr>
+          <a:xfrm>
+            <a:off x="914400" y="1371600"/>
+            <a:ext cx="7315200" cy="3657600"/>
+          </a:xfrm>
+          <a:prstGeom prst="rect">
+            <a:avLst/>
+          </a:prstGeom>
+          <a:noFill/>
+        </p:spPr>
+        <p:txBody>
+          <a:bodyPr wrap="square">
+            <a:spAutoFit/>
+          </a:bodyPr>
+          <a:lstStyle/>
+          <a:p/>
+          <a:p>
+            <a:r>
+              <a:rPr sz="1400"/>
+              <a:t>This </a:t>
+            </a:r>
+            <a:r>
+              <a:rPr sz="1400"/>
+              <a:t>slide </a:t>
+            </a:r>
+            <a:r>
+              <a:rPr sz="1400"/>
+              <a:t>highlights </a:t>
+            </a:r>
+            <a:r>
+              <a:rPr sz="1400"/>
+              <a:t>the </a:t>
+            </a:r>
+            <a:r>
+              <a:rPr sz="1400"/>
+              <a:t>importance </a:t>
+            </a:r>
+            <a:r>
+              <a:rPr sz="1400"/>
+              <a:t>of </a:t>
+            </a:r>
+            <a:r>
+              <a:rPr sz="1400"/>
+              <a:t>the </a:t>
+            </a:r>
+            <a:r>
+              <a:rPr sz="1400"/>
+              <a:t>`exported` </a:t>
+            </a:r>
+            <a:r>
+              <a:rPr sz="1400"/>
+              <a:t>attribute </a:t>
+            </a:r>
+            <a:r>
+              <a:rPr sz="1400"/>
+              <a:t>within </a:t>
+            </a:r>
+            <a:r>
+              <a:rPr sz="1400"/>
+              <a:t>an </a:t>
+            </a:r>
+            <a:r>
+              <a:rPr sz="1400"/>
+              <a:t>activity </a:t>
+            </a:r>
+            <a:r>
+              <a:rPr sz="1400"/>
+              <a:t>declaration. </a:t>
+            </a:r>
+            <a:r>
+              <a:rPr sz="1400"/>
+              <a:t>When </a:t>
+            </a:r>
+            <a:r>
+              <a:rPr sz="1400"/>
+              <a:t>set </a:t>
+            </a:r>
+            <a:r>
+              <a:rPr sz="1400"/>
+              <a:t>to </a:t>
+            </a:r>
+            <a:r>
+              <a:rPr sz="1400"/>
+              <a:t>`true`, </a:t>
+            </a:r>
+            <a:r>
+              <a:rPr sz="1400"/>
+              <a:t>it </a:t>
+            </a:r>
+            <a:r>
+              <a:rPr sz="1400"/>
+              <a:t>means </a:t>
+            </a:r>
+            <a:r>
+              <a:rPr sz="1400"/>
+              <a:t>the </a:t>
+            </a:r>
+            <a:r>
+              <a:rPr sz="1400"/>
+              <a:t>activity </a:t>
+            </a:r>
+            <a:r>
+              <a:rPr sz="1400"/>
+              <a:t>can </a:t>
+            </a:r>
+            <a:r>
+              <a:rPr sz="1400"/>
+              <a:t>be </a:t>
+            </a:r>
+            <a:r>
+              <a:rPr sz="1400"/>
+              <a:t>accessed </a:t>
+            </a:r>
+            <a:r>
+              <a:rPr sz="1400"/>
+              <a:t>and </a:t>
+            </a:r>
+            <a:r>
+              <a:rPr sz="1400"/>
+              <a:t>initiated </a:t>
+            </a:r>
+            <a:r>
+              <a:rPr sz="1400"/>
+              <a:t>from </a:t>
+            </a:r>
+            <a:r>
+              <a:rPr sz="1400"/>
+              <a:t>outside </a:t>
+            </a:r>
+            <a:r>
+              <a:rPr sz="1400"/>
+              <a:t>the </a:t>
+            </a:r>
+            <a:r>
+              <a:rPr sz="1400"/>
+              <a:t>app, </a:t>
+            </a:r>
+            <a:r>
+              <a:rPr sz="1400"/>
+              <a:t>potentially </a:t>
+            </a:r>
+            <a:r>
+              <a:rPr sz="1400"/>
+              <a:t>posing </a:t>
+            </a:r>
+            <a:r>
+              <a:rPr sz="1400"/>
+              <a:t>a </a:t>
+            </a:r>
+            <a:r>
+              <a:rPr sz="1400"/>
+              <a:t>security </a:t>
+            </a:r>
+            <a:r>
+              <a:rPr sz="1400"/>
+              <a:t>risk. </a:t>
+            </a:r>
+            <a:r>
+              <a:rPr sz="1400"/>
+              <a:t>Reverse </a:t>
+            </a:r>
+            <a:r>
+              <a:rPr sz="1400"/>
+              <a:t>engineers </a:t>
+            </a:r>
+            <a:r>
+              <a:rPr sz="1400"/>
+              <a:t>often </a:t>
+            </a:r>
+            <a:r>
+              <a:rPr sz="1400"/>
+              <a:t>look </a:t>
+            </a:r>
+            <a:r>
+              <a:rPr sz="1400"/>
+              <a:t>for </a:t>
+            </a:r>
+            <a:r>
+              <a:rPr sz="1400"/>
+              <a:t>such </a:t>
+            </a:r>
+            <a:r>
+              <a:rPr sz="1400"/>
+              <a:t>exported </a:t>
+            </a:r>
+            <a:r>
+              <a:rPr sz="1400"/>
+              <a:t>activities </a:t>
+            </a:r>
+            <a:r>
+              <a:rPr sz="1400"/>
+              <a:t>as </a:t>
+            </a:r>
+            <a:r>
+              <a:rPr sz="1400"/>
+              <a:t>entry </a:t>
+            </a:r>
+            <a:r>
+              <a:rPr sz="1400"/>
+              <a:t>points </a:t>
+            </a:r>
+            <a:r>
+              <a:rPr sz="1400"/>
+              <a:t>to </a:t>
+            </a:r>
+            <a:r>
+              <a:rPr sz="1400"/>
+              <a:t>understand </a:t>
+            </a:r>
+            <a:r>
+              <a:rPr sz="1400"/>
+              <a:t>or </a:t>
+            </a:r>
+            <a:r>
+              <a:rPr sz="1400"/>
+              <a:t>manipulate </a:t>
+            </a:r>
+            <a:r>
+              <a:rPr sz="1400"/>
+              <a:t>the </a:t>
+            </a:r>
+            <a:r>
+              <a:rPr sz="1400"/>
+              <a:t>app's </a:t>
+            </a:r>
+            <a:r>
+              <a:rPr sz="1400"/>
+              <a:t>behavior. </a:t>
+            </a:r>
+            <a:r>
+              <a:rPr sz="1400"/>
+              <a:t>The </a:t>
+            </a:r>
+            <a:r>
+              <a:rPr sz="1400"/>
+              <a:t>slide </a:t>
+            </a:r>
+            <a:r>
+              <a:rPr sz="1400"/>
+              <a:t>also </a:t>
+            </a:r>
+            <a:r>
+              <a:rPr sz="1400"/>
+              <a:t>provides </a:t>
+            </a:r>
+            <a:r>
+              <a:rPr sz="1400"/>
+              <a:t>an </a:t>
+            </a:r>
+            <a:r>
+              <a:rPr sz="1400"/>
+              <a:t>example </a:t>
+            </a:r>
+            <a:r>
+              <a:rPr sz="1400"/>
+              <a:t>of </a:t>
+            </a:r>
+            <a:r>
+              <a:rPr sz="1400"/>
+              <a:t>using </a:t>
+            </a:r>
+            <a:r>
+              <a:rPr sz="1400"/>
+              <a:t>the </a:t>
+            </a:r>
+            <a:r>
+              <a:rPr sz="1400"/>
+              <a:t>`adb </a:t>
+            </a:r>
+            <a:r>
+              <a:rPr sz="1400"/>
+              <a:t>shell` </a:t>
+            </a:r>
+            <a:r>
+              <a:rPr sz="1400"/>
+              <a:t>command </a:t>
+            </a:r>
+            <a:r>
+              <a:rPr sz="1400"/>
+              <a:t>to </a:t>
+            </a:r>
+            <a:r>
+              <a:rPr sz="1400"/>
+              <a:t>launch </a:t>
+            </a:r>
+            <a:r>
+              <a:rPr sz="1400"/>
+              <a:t>an </a:t>
+            </a:r>
+            <a:r>
+              <a:rPr sz="1400"/>
+              <a:t>exported </a:t>
+            </a:r>
+            <a:r>
+              <a:rPr sz="1400"/>
+              <a:t>activity </a:t>
+            </a:r>
+            <a:r>
+              <a:rPr sz="1400"/>
+              <a:t>from </a:t>
+            </a:r>
+            <a:r>
+              <a:rPr sz="1400"/>
+              <a:t>the </a:t>
+            </a:r>
+            <a:r>
+              <a:rPr sz="1400"/>
+              <a:t>command </a:t>
+            </a:r>
+            <a:r>
+              <a:rPr sz="1400"/>
+              <a:t>line. </a:t>
+            </a:r>
+          </a:p>
+        </p:txBody>
+      </p:sp>
+    </p:spTree>
+  </p:cSld>
+  <p:clrMapOvr>
+    <a:masterClrMapping/>
+  </p:clrMapOvr>
+</p:sld>
+</file>
+
+<file path=ppt/slides/slide11.xml><?xml version="1.0" encoding="utf-8"?>
+<p:sld xmlns:a="http://schemas.openxmlformats.org/drawingml/2006/main" xmlns:p="http://schemas.openxmlformats.org/presentationml/2006/main" xmlns:r="http://schemas.openxmlformats.org/officeDocument/2006/relationships">
+  <p:cSld>
+    <p:spTree>
+      <p:nvGrpSpPr>
+        <p:cNvPr id="1" name=""/>
+        <p:cNvGrpSpPr/>
+        <p:nvPr/>
+      </p:nvGrpSpPr>
+      <p:grpSpPr/>
+      <p:sp>
+        <p:nvSpPr>
+          <p:cNvPr id="2" name="Title 1"/>
+          <p:cNvSpPr>
+            <a:spLocks noGrp="1"/>
+          </p:cNvSpPr>
+          <p:nvPr>
+            <p:ph type="title"/>
+          </p:nvPr>
+        </p:nvSpPr>
+        <p:spPr/>
+        <p:txBody>
+          <a:bodyPr/>
+          <a:lstStyle/>
+          <a:p>
+            <a:r>
+              <a:t>Reverse Engineering </a:t>
+            </a:r>
+          </a:p>
+        </p:txBody>
+      </p:sp>
+      <p:sp>
+        <p:nvSpPr>
+          <p:cNvPr id="3" name="TextBox 2"/>
+          <p:cNvSpPr txBox="1"/>
+          <p:nvPr/>
+        </p:nvSpPr>
+        <p:spPr>
+          <a:xfrm>
+            <a:off x="914400" y="1371600"/>
+            <a:ext cx="7315200" cy="3657600"/>
+          </a:xfrm>
+          <a:prstGeom prst="rect">
+            <a:avLst/>
+          </a:prstGeom>
+          <a:noFill/>
+        </p:spPr>
+        <p:txBody>
+          <a:bodyPr wrap="square">
+            <a:spAutoFit/>
+          </a:bodyPr>
+          <a:lstStyle/>
+          <a:p/>
+          <a:p>
+            <a:r>
+              <a:rPr sz="1400"/>
+              <a:t>This </a:t>
+            </a:r>
+            <a:r>
+              <a:rPr sz="1400"/>
+              <a:t>slide </a:t>
+            </a:r>
+            <a:r>
+              <a:rPr sz="1400"/>
+              <a:t>provides </a:t>
+            </a:r>
+            <a:r>
+              <a:rPr sz="1400"/>
+              <a:t>an </a:t>
+            </a:r>
+            <a:r>
+              <a:rPr sz="1400"/>
+              <a:t>overview </a:t>
+            </a:r>
+            <a:r>
+              <a:rPr sz="1400"/>
+              <a:t>of </a:t>
+            </a:r>
+            <a:r>
+              <a:rPr sz="1400"/>
+              <a:t>the </a:t>
+            </a:r>
+            <a:r>
+              <a:rPr sz="1400"/>
+              <a:t>reverse </a:t>
+            </a:r>
+            <a:r>
+              <a:rPr sz="1400"/>
+              <a:t>engineering </a:t>
+            </a:r>
+            <a:r>
+              <a:rPr sz="1400"/>
+              <a:t>process </a:t>
+            </a:r>
+            <a:r>
+              <a:rPr sz="1400"/>
+              <a:t>for </a:t>
+            </a:r>
+            <a:r>
+              <a:rPr sz="1400"/>
+              <a:t>Android </a:t>
+            </a:r>
+            <a:r>
+              <a:rPr sz="1400"/>
+              <a:t>apps. </a:t>
+            </a:r>
+            <a:r>
+              <a:rPr sz="1400"/>
+              <a:t>It </a:t>
+            </a:r>
+            <a:r>
+              <a:rPr sz="1400"/>
+              <a:t>explains </a:t>
+            </a:r>
+            <a:r>
+              <a:rPr sz="1400"/>
+              <a:t>that </a:t>
+            </a:r>
+            <a:r>
+              <a:rPr sz="1400"/>
+              <a:t>code </a:t>
+            </a:r>
+            <a:r>
+              <a:rPr sz="1400"/>
+              <a:t>written </a:t>
+            </a:r>
+            <a:r>
+              <a:rPr sz="1400"/>
+              <a:t>in </a:t>
+            </a:r>
+            <a:r>
+              <a:rPr sz="1400"/>
+              <a:t>Java </a:t>
+            </a:r>
+            <a:r>
+              <a:rPr sz="1400"/>
+              <a:t>or </a:t>
+            </a:r>
+            <a:r>
+              <a:rPr sz="1400"/>
+              <a:t>Kotlin </a:t>
+            </a:r>
+            <a:r>
+              <a:rPr sz="1400"/>
+              <a:t>is </a:t>
+            </a:r>
+            <a:r>
+              <a:rPr sz="1400"/>
+              <a:t>compiled </a:t>
+            </a:r>
+            <a:r>
+              <a:rPr sz="1400"/>
+              <a:t>into </a:t>
+            </a:r>
+            <a:r>
+              <a:rPr sz="1400"/>
+              <a:t>bytecode </a:t>
+            </a:r>
+            <a:r>
+              <a:rPr sz="1400"/>
+              <a:t>and </a:t>
+            </a:r>
+            <a:r>
+              <a:rPr sz="1400"/>
+              <a:t>then </a:t>
+            </a:r>
+            <a:r>
+              <a:rPr sz="1400"/>
+              <a:t>converted </a:t>
+            </a:r>
+            <a:r>
+              <a:rPr sz="1400"/>
+              <a:t>into </a:t>
+            </a:r>
+            <a:r>
+              <a:rPr sz="1400"/>
+              <a:t>DEX </a:t>
+            </a:r>
+            <a:r>
+              <a:rPr sz="1400"/>
+              <a:t>(Dalvik </a:t>
+            </a:r>
+            <a:r>
+              <a:rPr sz="1400"/>
+              <a:t>Executable) </a:t>
+            </a:r>
+            <a:r>
+              <a:rPr sz="1400"/>
+              <a:t>format. </a:t>
+            </a:r>
+            <a:r>
+              <a:rPr sz="1400"/>
+              <a:t>Tools </a:t>
+            </a:r>
+            <a:r>
+              <a:rPr sz="1400"/>
+              <a:t>like </a:t>
+            </a:r>
+            <a:r>
+              <a:rPr sz="1400"/>
+              <a:t>`apktool` </a:t>
+            </a:r>
+            <a:r>
+              <a:rPr sz="1400"/>
+              <a:t>can </a:t>
+            </a:r>
+            <a:r>
+              <a:rPr sz="1400"/>
+              <a:t>be </a:t>
+            </a:r>
+            <a:r>
+              <a:rPr sz="1400"/>
+              <a:t>used </a:t>
+            </a:r>
+            <a:r>
+              <a:rPr sz="1400"/>
+              <a:t>to </a:t>
+            </a:r>
+            <a:r>
+              <a:rPr sz="1400"/>
+              <a:t>disassemble </a:t>
+            </a:r>
+            <a:r>
+              <a:rPr sz="1400"/>
+              <a:t>DEX </a:t>
+            </a:r>
+            <a:r>
+              <a:rPr sz="1400"/>
+              <a:t>code </a:t>
+            </a:r>
+            <a:r>
+              <a:rPr sz="1400"/>
+              <a:t>into </a:t>
+            </a:r>
+            <a:r>
+              <a:rPr sz="1400"/>
+              <a:t>Smali, </a:t>
+            </a:r>
+            <a:r>
+              <a:rPr sz="1400"/>
+              <a:t>a </a:t>
+            </a:r>
+            <a:r>
+              <a:rPr sz="1400"/>
+              <a:t>human-readable </a:t>
+            </a:r>
+            <a:r>
+              <a:rPr sz="1400"/>
+              <a:t>intermediate </a:t>
+            </a:r>
+            <a:r>
+              <a:rPr sz="1400"/>
+              <a:t>representation. </a:t>
+            </a:r>
+            <a:r>
+              <a:rPr sz="1400"/>
+              <a:t>This </a:t>
+            </a:r>
+            <a:r>
+              <a:rPr sz="1400"/>
+              <a:t>allows </a:t>
+            </a:r>
+            <a:r>
+              <a:rPr sz="1400"/>
+              <a:t>for </a:t>
+            </a:r>
+            <a:r>
+              <a:rPr sz="1400"/>
+              <a:t>analysis </a:t>
+            </a:r>
+            <a:r>
+              <a:rPr sz="1400"/>
+              <a:t>of </a:t>
+            </a:r>
+            <a:r>
+              <a:rPr sz="1400"/>
+              <a:t>the </a:t>
+            </a:r>
+            <a:r>
+              <a:rPr sz="1400"/>
+              <a:t>app's </a:t>
+            </a:r>
+            <a:r>
+              <a:rPr sz="1400"/>
+              <a:t>logic </a:t>
+            </a:r>
+            <a:r>
+              <a:rPr sz="1400"/>
+              <a:t>and </a:t>
+            </a:r>
+            <a:r>
+              <a:rPr sz="1400"/>
+              <a:t>functionality. </a:t>
+            </a:r>
+            <a:r>
+              <a:rPr sz="1400"/>
+              <a:t>The </a:t>
+            </a:r>
+            <a:r>
+              <a:rPr sz="1400"/>
+              <a:t>slide </a:t>
+            </a:r>
+            <a:r>
+              <a:rPr sz="1400"/>
+              <a:t>also </a:t>
+            </a:r>
+            <a:r>
+              <a:rPr sz="1400"/>
+              <a:t>mentions </a:t>
+            </a:r>
+            <a:r>
+              <a:rPr sz="1400"/>
+              <a:t>native </a:t>
+            </a:r>
+            <a:r>
+              <a:rPr sz="1400"/>
+              <a:t>code </a:t>
+            </a:r>
+            <a:r>
+              <a:rPr sz="1400"/>
+              <a:t>(written </a:t>
+            </a:r>
+            <a:r>
+              <a:rPr sz="1400"/>
+              <a:t>in </a:t>
+            </a:r>
+            <a:r>
+              <a:rPr sz="1400"/>
+              <a:t>languages </a:t>
+            </a:r>
+            <a:r>
+              <a:rPr sz="1400"/>
+              <a:t>like </a:t>
+            </a:r>
+            <a:r>
+              <a:rPr sz="1400"/>
+              <a:t>C/C++), </a:t>
+            </a:r>
+            <a:r>
+              <a:rPr sz="1400"/>
+              <a:t>which </a:t>
+            </a:r>
+            <a:r>
+              <a:rPr sz="1400"/>
+              <a:t>requires </a:t>
+            </a:r>
+            <a:r>
+              <a:rPr sz="1400"/>
+              <a:t>different </a:t>
+            </a:r>
+            <a:r>
+              <a:rPr sz="1400"/>
+              <a:t>techniques </a:t>
+            </a:r>
+            <a:r>
+              <a:rPr sz="1400"/>
+              <a:t>for </a:t>
+            </a:r>
+            <a:r>
+              <a:rPr sz="1400"/>
+              <a:t>analysis, </a:t>
+            </a:r>
+            <a:r>
+              <a:rPr sz="1400"/>
+              <a:t>typically </a:t>
+            </a:r>
+            <a:r>
+              <a:rPr sz="1400"/>
+              <a:t>involving </a:t>
+            </a:r>
+            <a:r>
+              <a:rPr sz="1400"/>
+              <a:t>disassembly </a:t>
+            </a:r>
+            <a:r>
+              <a:rPr sz="1400"/>
+              <a:t>into </a:t>
+            </a:r>
+            <a:r>
+              <a:rPr sz="1400"/>
+              <a:t>assembly </a:t>
+            </a:r>
+            <a:r>
+              <a:rPr sz="1400"/>
+              <a:t>language. </a:t>
+            </a:r>
+          </a:p>
+        </p:txBody>
+      </p:sp>
+    </p:spTree>
+  </p:cSld>
+  <p:clrMapOvr>
+    <a:masterClrMapping/>
+  </p:clrMapOvr>
+</p:sld>
+</file>
+
+<file path=ppt/slides/slide12.xml><?xml version="1.0" encoding="utf-8"?>
+<p:sld xmlns:a="http://schemas.openxmlformats.org/drawingml/2006/main" xmlns:p="http://schemas.openxmlformats.org/presentationml/2006/main" xmlns:r="http://schemas.openxmlformats.org/officeDocument/2006/relationships">
+  <p:cSld>
+    <p:spTree>
+      <p:nvGrpSpPr>
+        <p:cNvPr id="1" name=""/>
+        <p:cNvGrpSpPr/>
+        <p:nvPr/>
+      </p:nvGrpSpPr>
+      <p:grpSpPr/>
+      <p:sp>
+        <p:nvSpPr>
+          <p:cNvPr id="2" name="Title 1"/>
+          <p:cNvSpPr>
+            <a:spLocks noGrp="1"/>
+          </p:cNvSpPr>
+          <p:nvPr>
+            <p:ph type="title"/>
+          </p:nvPr>
+        </p:nvSpPr>
+        <p:spPr/>
+        <p:txBody>
+          <a:bodyPr/>
+          <a:lstStyle/>
+          <a:p>
+            <a:r>
+              <a:t>Native Code Analysis</a:t>
+            </a:r>
+          </a:p>
+        </p:txBody>
+      </p:sp>
+      <p:sp>
+        <p:nvSpPr>
+          <p:cNvPr id="3" name="TextBox 2"/>
+          <p:cNvSpPr txBox="1"/>
+          <p:nvPr/>
+        </p:nvSpPr>
+        <p:spPr>
+          <a:xfrm>
+            <a:off x="914400" y="1371600"/>
+            <a:ext cx="7315200" cy="3657600"/>
+          </a:xfrm>
+          <a:prstGeom prst="rect">
+            <a:avLst/>
+          </a:prstGeom>
+          <a:noFill/>
+        </p:spPr>
+        <p:txBody>
+          <a:bodyPr wrap="square">
+            <a:spAutoFit/>
+          </a:bodyPr>
+          <a:lstStyle/>
+          <a:p/>
+          <a:p>
+            <a:r>
+              <a:rPr sz="1400"/>
+              <a:t>This </a:t>
+            </a:r>
+            <a:r>
+              <a:rPr sz="1400"/>
+              <a:t>slide </a:t>
+            </a:r>
+            <a:r>
+              <a:rPr sz="1400"/>
+              <a:t>focuses </a:t>
+            </a:r>
+            <a:r>
+              <a:rPr sz="1400"/>
+              <a:t>on </a:t>
+            </a:r>
+            <a:r>
+              <a:rPr sz="1400"/>
+              <a:t>analyzing </a:t>
+            </a:r>
+            <a:r>
+              <a:rPr sz="1400"/>
+              <a:t>native </a:t>
+            </a:r>
+            <a:r>
+              <a:rPr sz="1400"/>
+              <a:t>code </a:t>
+            </a:r>
+            <a:r>
+              <a:rPr sz="1400"/>
+              <a:t>within </a:t>
+            </a:r>
+            <a:r>
+              <a:rPr sz="1400"/>
+              <a:t>Android </a:t>
+            </a:r>
+            <a:r>
+              <a:rPr sz="1400"/>
+              <a:t>apps. </a:t>
+            </a:r>
+            <a:r>
+              <a:rPr sz="1400"/>
+              <a:t>Native </a:t>
+            </a:r>
+            <a:r>
+              <a:rPr sz="1400"/>
+              <a:t>code </a:t>
+            </a:r>
+            <a:r>
+              <a:rPr sz="1400"/>
+              <a:t>libraries </a:t>
+            </a:r>
+            <a:r>
+              <a:rPr sz="1400"/>
+              <a:t>are </a:t>
+            </a:r>
+            <a:r>
+              <a:rPr sz="1400"/>
+              <a:t>often </a:t>
+            </a:r>
+            <a:r>
+              <a:rPr sz="1400"/>
+              <a:t>found </a:t>
+            </a:r>
+            <a:r>
+              <a:rPr sz="1400"/>
+              <a:t>in </a:t>
+            </a:r>
+            <a:r>
+              <a:rPr sz="1400"/>
+              <a:t>the </a:t>
+            </a:r>
+            <a:r>
+              <a:rPr sz="1400"/>
+              <a:t>`/lib` </a:t>
+            </a:r>
+            <a:r>
+              <a:rPr sz="1400"/>
+              <a:t>folder </a:t>
+            </a:r>
+            <a:r>
+              <a:rPr sz="1400"/>
+              <a:t>within </a:t>
+            </a:r>
+            <a:r>
+              <a:rPr sz="1400"/>
+              <a:t>the </a:t>
+            </a:r>
+            <a:r>
+              <a:rPr sz="1400"/>
+              <a:t>APK. </a:t>
+            </a:r>
+            <a:r>
+              <a:rPr sz="1400"/>
+              <a:t>To </a:t>
+            </a:r>
+            <a:r>
+              <a:rPr sz="1400"/>
+              <a:t>understand </a:t>
+            </a:r>
+            <a:r>
+              <a:rPr sz="1400"/>
+              <a:t>how </a:t>
+            </a:r>
+            <a:r>
+              <a:rPr sz="1400"/>
+              <a:t>the </a:t>
+            </a:r>
+            <a:r>
+              <a:rPr sz="1400"/>
+              <a:t>Java/Kotlin </a:t>
+            </a:r>
+            <a:r>
+              <a:rPr sz="1400"/>
+              <a:t>code </a:t>
+            </a:r>
+            <a:r>
+              <a:rPr sz="1400"/>
+              <a:t>interacts </a:t>
+            </a:r>
+            <a:r>
+              <a:rPr sz="1400"/>
+              <a:t>with </a:t>
+            </a:r>
+            <a:r>
+              <a:rPr sz="1400"/>
+              <a:t>the </a:t>
+            </a:r>
+            <a:r>
+              <a:rPr sz="1400"/>
+              <a:t>native </a:t>
+            </a:r>
+            <a:r>
+              <a:rPr sz="1400"/>
+              <a:t>code, </a:t>
+            </a:r>
+            <a:r>
+              <a:rPr sz="1400"/>
+              <a:t>reverse </a:t>
+            </a:r>
+            <a:r>
+              <a:rPr sz="1400"/>
+              <a:t>engineers </a:t>
+            </a:r>
+            <a:r>
+              <a:rPr sz="1400"/>
+              <a:t>look </a:t>
+            </a:r>
+            <a:r>
+              <a:rPr sz="1400"/>
+              <a:t>for </a:t>
+            </a:r>
+            <a:r>
+              <a:rPr sz="1400"/>
+              <a:t>API </a:t>
+            </a:r>
+            <a:r>
+              <a:rPr sz="1400"/>
+              <a:t>calls </a:t>
+            </a:r>
+            <a:r>
+              <a:rPr sz="1400"/>
+              <a:t>like </a:t>
+            </a:r>
+            <a:r>
+              <a:rPr sz="1400"/>
+              <a:t>`loadLibrary` </a:t>
+            </a:r>
+            <a:r>
+              <a:rPr sz="1400"/>
+              <a:t>or </a:t>
+            </a:r>
+            <a:r>
+              <a:rPr sz="1400"/>
+              <a:t>`load` </a:t>
+            </a:r>
+            <a:r>
+              <a:rPr sz="1400"/>
+              <a:t>in </a:t>
+            </a:r>
+            <a:r>
+              <a:rPr sz="1400"/>
+              <a:t>the </a:t>
+            </a:r>
+            <a:r>
+              <a:rPr sz="1400"/>
+              <a:t>decompiled </a:t>
+            </a:r>
+            <a:r>
+              <a:rPr sz="1400"/>
+              <a:t>Java </a:t>
+            </a:r>
+            <a:r>
+              <a:rPr sz="1400"/>
+              <a:t>code. </a:t>
+            </a:r>
+            <a:r>
+              <a:rPr sz="1400"/>
+              <a:t>Since </a:t>
+            </a:r>
+            <a:r>
+              <a:rPr sz="1400"/>
+              <a:t>native </a:t>
+            </a:r>
+            <a:r>
+              <a:rPr sz="1400"/>
+              <a:t>functions </a:t>
+            </a:r>
+            <a:r>
+              <a:rPr sz="1400"/>
+              <a:t>are </a:t>
+            </a:r>
+            <a:r>
+              <a:rPr sz="1400"/>
+              <a:t>not </a:t>
+            </a:r>
+            <a:r>
+              <a:rPr sz="1400"/>
+              <a:t>implemented </a:t>
+            </a:r>
+            <a:r>
+              <a:rPr sz="1400"/>
+              <a:t>in </a:t>
+            </a:r>
+            <a:r>
+              <a:rPr sz="1400"/>
+              <a:t>Java/Kotlin, </a:t>
+            </a:r>
+            <a:r>
+              <a:rPr sz="1400"/>
+              <a:t>they </a:t>
+            </a:r>
+            <a:r>
+              <a:rPr sz="1400"/>
+              <a:t>will </a:t>
+            </a:r>
+            <a:r>
+              <a:rPr sz="1400"/>
+              <a:t>appear </a:t>
+            </a:r>
+            <a:r>
+              <a:rPr sz="1400"/>
+              <a:t>with </a:t>
+            </a:r>
+            <a:r>
+              <a:rPr sz="1400"/>
+              <a:t>the </a:t>
+            </a:r>
+            <a:r>
+              <a:rPr sz="1400"/>
+              <a:t>`native` </a:t>
+            </a:r>
+            <a:r>
+              <a:rPr sz="1400"/>
+              <a:t>keyword, </a:t>
+            </a:r>
+            <a:r>
+              <a:rPr sz="1400"/>
+              <a:t>indicating </a:t>
+            </a:r>
+            <a:r>
+              <a:rPr sz="1400"/>
+              <a:t>the </a:t>
+            </a:r>
+            <a:r>
+              <a:rPr sz="1400"/>
+              <a:t>need </a:t>
+            </a:r>
+            <a:r>
+              <a:rPr sz="1400"/>
+              <a:t>for </a:t>
+            </a:r>
+            <a:r>
+              <a:rPr sz="1400"/>
+              <a:t>further </a:t>
+            </a:r>
+            <a:r>
+              <a:rPr sz="1400"/>
+              <a:t>analysis </a:t>
+            </a:r>
+            <a:r>
+              <a:rPr sz="1400"/>
+              <a:t>at </a:t>
+            </a:r>
+            <a:r>
+              <a:rPr sz="1400"/>
+              <a:t>the </a:t>
+            </a:r>
+            <a:r>
+              <a:rPr sz="1400"/>
+              <a:t>native </a:t>
+            </a:r>
+            <a:r>
+              <a:rPr sz="1400"/>
+              <a:t>level </a:t>
+            </a:r>
+            <a:r>
+              <a:rPr sz="1400"/>
+              <a:t>(typically </a:t>
+            </a:r>
+            <a:r>
+              <a:rPr sz="1400"/>
+              <a:t>using </a:t>
+            </a:r>
+            <a:r>
+              <a:rPr sz="1400"/>
+              <a:t>disassemblers </a:t>
+            </a:r>
+            <a:r>
+              <a:rPr sz="1400"/>
+              <a:t>and </a:t>
+            </a:r>
+            <a:r>
+              <a:rPr sz="1400"/>
+              <a:t>debuggers). </a:t>
+            </a:r>
+          </a:p>
+        </p:txBody>
+      </p:sp>
+    </p:spTree>
+  </p:cSld>
+  <p:clrMapOvr>
+    <a:masterClrMapping/>
+  </p:clrMapOvr>
+</p:sld>
+</file>
+
+<file path=ppt/slides/slide13.xml><?xml version="1.0" encoding="utf-8"?>
+<p:sld xmlns:a="http://schemas.openxmlformats.org/drawingml/2006/main" xmlns:p="http://schemas.openxmlformats.org/presentationml/2006/main" xmlns:r="http://schemas.openxmlformats.org/officeDocument/2006/relationships">
+  <p:cSld>
+    <p:spTree>
+      <p:nvGrpSpPr>
+        <p:cNvPr id="1" name=""/>
+        <p:cNvGrpSpPr/>
+        <p:nvPr/>
+      </p:nvGrpSpPr>
+      <p:grpSpPr/>
+      <p:sp>
+        <p:nvSpPr>
+          <p:cNvPr id="2" name="Title 1"/>
+          <p:cNvSpPr>
+            <a:spLocks noGrp="1"/>
+          </p:cNvSpPr>
+          <p:nvPr>
+            <p:ph type="title"/>
+          </p:nvPr>
+        </p:nvSpPr>
+        <p:spPr/>
+        <p:txBody>
+          <a:bodyPr/>
+          <a:lstStyle/>
+          <a:p>
+            <a:r>
+              <a:t>Understanding code logic (Dex to Java)</a:t>
+            </a:r>
+          </a:p>
+        </p:txBody>
+      </p:sp>
+      <p:sp>
+        <p:nvSpPr>
+          <p:cNvPr id="3" name="TextBox 2"/>
+          <p:cNvSpPr txBox="1"/>
+          <p:nvPr/>
+        </p:nvSpPr>
+        <p:spPr>
+          <a:xfrm>
+            <a:off x="914400" y="1371600"/>
+            <a:ext cx="7315200" cy="3657600"/>
+          </a:xfrm>
+          <a:prstGeom prst="rect">
+            <a:avLst/>
+          </a:prstGeom>
+          <a:noFill/>
+        </p:spPr>
+        <p:txBody>
+          <a:bodyPr wrap="square">
+            <a:spAutoFit/>
+          </a:bodyPr>
+          <a:lstStyle/>
+          <a:p/>
+          <a:p>
+            <a:r>
+              <a:rPr sz="1400"/>
+              <a:t>This </a:t>
+            </a:r>
+            <a:r>
+              <a:rPr sz="1400"/>
+              <a:t>slide </a:t>
+            </a:r>
+            <a:r>
+              <a:rPr sz="1400"/>
+              <a:t>delves </a:t>
+            </a:r>
+            <a:r>
+              <a:rPr sz="1400"/>
+              <a:t>into </a:t>
+            </a:r>
+            <a:r>
+              <a:rPr sz="1400"/>
+              <a:t>techniques </a:t>
+            </a:r>
+            <a:r>
+              <a:rPr sz="1400"/>
+              <a:t>for </a:t>
+            </a:r>
+            <a:r>
+              <a:rPr sz="1400"/>
+              <a:t>converting </a:t>
+            </a:r>
+            <a:r>
+              <a:rPr sz="1400"/>
+              <a:t>DEX </a:t>
+            </a:r>
+            <a:r>
+              <a:rPr sz="1400"/>
+              <a:t>bytecode </a:t>
+            </a:r>
+            <a:r>
+              <a:rPr sz="1400"/>
+              <a:t>back </a:t>
+            </a:r>
+            <a:r>
+              <a:rPr sz="1400"/>
+              <a:t>into </a:t>
+            </a:r>
+            <a:r>
+              <a:rPr sz="1400"/>
+              <a:t>more </a:t>
+            </a:r>
+            <a:r>
+              <a:rPr sz="1400"/>
+              <a:t>understandable </a:t>
+            </a:r>
+            <a:r>
+              <a:rPr sz="1400"/>
+              <a:t>source </a:t>
+            </a:r>
+            <a:r>
+              <a:rPr sz="1400"/>
+              <a:t>code, </a:t>
+            </a:r>
+            <a:r>
+              <a:rPr sz="1400"/>
+              <a:t>such </a:t>
+            </a:r>
+            <a:r>
+              <a:rPr sz="1400"/>
+              <a:t>as </a:t>
+            </a:r>
+            <a:r>
+              <a:rPr sz="1400"/>
+              <a:t>Java. </a:t>
+            </a:r>
+            <a:r>
+              <a:rPr sz="1400"/>
+              <a:t>Tools </a:t>
+            </a:r>
+            <a:r>
+              <a:rPr sz="1400"/>
+              <a:t>like </a:t>
+            </a:r>
+            <a:r>
+              <a:rPr sz="1400"/>
+              <a:t>JADX </a:t>
+            </a:r>
+            <a:r>
+              <a:rPr sz="1400"/>
+              <a:t>and </a:t>
+            </a:r>
+            <a:r>
+              <a:rPr sz="1400"/>
+              <a:t>dex2jar </a:t>
+            </a:r>
+            <a:r>
+              <a:rPr sz="1400"/>
+              <a:t>can </a:t>
+            </a:r>
+            <a:r>
+              <a:rPr sz="1400"/>
+              <a:t>facilitate </a:t>
+            </a:r>
+            <a:r>
+              <a:rPr sz="1400"/>
+              <a:t>this </a:t>
+            </a:r>
+            <a:r>
+              <a:rPr sz="1400"/>
+              <a:t>process, </a:t>
+            </a:r>
+            <a:r>
+              <a:rPr sz="1400"/>
+              <a:t>and </a:t>
+            </a:r>
+            <a:r>
+              <a:rPr sz="1400"/>
+              <a:t>online </a:t>
+            </a:r>
+            <a:r>
+              <a:rPr sz="1400"/>
+              <a:t>platforms </a:t>
+            </a:r>
+            <a:r>
+              <a:rPr sz="1400"/>
+              <a:t>like </a:t>
+            </a:r>
+            <a:r>
+              <a:rPr sz="1400"/>
+              <a:t>https://decompiler.com </a:t>
+            </a:r>
+            <a:r>
+              <a:rPr sz="1400"/>
+              <a:t>also </a:t>
+            </a:r>
+            <a:r>
+              <a:rPr sz="1400"/>
+              <a:t>offer </a:t>
+            </a:r>
+            <a:r>
+              <a:rPr sz="1400"/>
+              <a:t>decompilation </a:t>
+            </a:r>
+            <a:r>
+              <a:rPr sz="1400"/>
+              <a:t>services. </a:t>
+            </a:r>
+            <a:r>
+              <a:rPr sz="1400"/>
+              <a:t>However, </a:t>
+            </a:r>
+            <a:r>
+              <a:rPr sz="1400"/>
+              <a:t>it's </a:t>
+            </a:r>
+            <a:r>
+              <a:rPr sz="1400"/>
+              <a:t>important </a:t>
+            </a:r>
+            <a:r>
+              <a:rPr sz="1400"/>
+              <a:t>to </a:t>
+            </a:r>
+            <a:r>
+              <a:rPr sz="1400"/>
+              <a:t>note </a:t>
+            </a:r>
+            <a:r>
+              <a:rPr sz="1400"/>
+              <a:t>that </a:t>
+            </a:r>
+            <a:r>
+              <a:rPr sz="1400"/>
+              <a:t>the </a:t>
+            </a:r>
+            <a:r>
+              <a:rPr sz="1400"/>
+              <a:t>decompiled </a:t>
+            </a:r>
+            <a:r>
+              <a:rPr sz="1400"/>
+              <a:t>code </a:t>
+            </a:r>
+            <a:r>
+              <a:rPr sz="1400"/>
+              <a:t>may </a:t>
+            </a:r>
+            <a:r>
+              <a:rPr sz="1400"/>
+              <a:t>not </a:t>
+            </a:r>
+            <a:r>
+              <a:rPr sz="1400"/>
+              <a:t>be </a:t>
+            </a:r>
+            <a:r>
+              <a:rPr sz="1400"/>
+              <a:t>perfect </a:t>
+            </a:r>
+            <a:r>
+              <a:rPr sz="1400"/>
+              <a:t>and </a:t>
+            </a:r>
+            <a:r>
+              <a:rPr sz="1400"/>
+              <a:t>might </a:t>
+            </a:r>
+            <a:r>
+              <a:rPr sz="1400"/>
+              <a:t>not </a:t>
+            </a:r>
+            <a:r>
+              <a:rPr sz="1400"/>
+              <a:t>be </a:t>
+            </a:r>
+            <a:r>
+              <a:rPr sz="1400"/>
+              <a:t>directly </a:t>
+            </a:r>
+            <a:r>
+              <a:rPr sz="1400"/>
+              <a:t>recompilable. </a:t>
+            </a:r>
+            <a:r>
+              <a:rPr sz="1400"/>
+              <a:t>Despite </a:t>
+            </a:r>
+            <a:r>
+              <a:rPr sz="1400"/>
+              <a:t>these </a:t>
+            </a:r>
+            <a:r>
+              <a:rPr sz="1400"/>
+              <a:t>limitations, </a:t>
+            </a:r>
+            <a:r>
+              <a:rPr sz="1400"/>
+              <a:t>decompilation </a:t>
+            </a:r>
+            <a:r>
+              <a:rPr sz="1400"/>
+              <a:t>can </a:t>
+            </a:r>
+            <a:r>
+              <a:rPr sz="1400"/>
+              <a:t>be </a:t>
+            </a:r>
+            <a:r>
+              <a:rPr sz="1400"/>
+              <a:t>valuable </a:t>
+            </a:r>
+            <a:r>
+              <a:rPr sz="1400"/>
+              <a:t>for </a:t>
+            </a:r>
+            <a:r>
+              <a:rPr sz="1400"/>
+              <a:t>understanding </a:t>
+            </a:r>
+            <a:r>
+              <a:rPr sz="1400"/>
+              <a:t>the </a:t>
+            </a:r>
+            <a:r>
+              <a:rPr sz="1400"/>
+              <a:t>app's </a:t>
+            </a:r>
+            <a:r>
+              <a:rPr sz="1400"/>
+              <a:t>logic </a:t>
+            </a:r>
+            <a:r>
+              <a:rPr sz="1400"/>
+              <a:t>and </a:t>
+            </a:r>
+            <a:r>
+              <a:rPr sz="1400"/>
+              <a:t>algorithms. </a:t>
+            </a:r>
+            <a:r>
+              <a:rPr sz="1400"/>
+              <a:t>The </a:t>
+            </a:r>
+            <a:r>
+              <a:rPr sz="1400"/>
+              <a:t>slide </a:t>
+            </a:r>
+            <a:r>
+              <a:rPr sz="1400"/>
+              <a:t>also </a:t>
+            </a:r>
+            <a:r>
+              <a:rPr sz="1400"/>
+              <a:t>mentions </a:t>
+            </a:r>
+            <a:r>
+              <a:rPr sz="1400"/>
+              <a:t>Fernflower, </a:t>
+            </a:r>
+            <a:r>
+              <a:rPr sz="1400"/>
+              <a:t>a </a:t>
+            </a:r>
+            <a:r>
+              <a:rPr sz="1400"/>
+              <a:t>tool </a:t>
+            </a:r>
+            <a:r>
+              <a:rPr sz="1400"/>
+              <a:t>specifically </a:t>
+            </a:r>
+            <a:r>
+              <a:rPr sz="1400"/>
+              <a:t>designed </a:t>
+            </a:r>
+            <a:r>
+              <a:rPr sz="1400"/>
+              <a:t>for </a:t>
+            </a:r>
+            <a:r>
+              <a:rPr sz="1400"/>
+              <a:t>decompiling </a:t>
+            </a:r>
+            <a:r>
+              <a:rPr sz="1400"/>
+              <a:t>Kotlin </a:t>
+            </a:r>
+            <a:r>
+              <a:rPr sz="1400"/>
+              <a:t>code. </a:t>
+            </a:r>
+          </a:p>
+        </p:txBody>
+      </p:sp>
+    </p:spTree>
+  </p:cSld>
+  <p:clrMapOvr>
+    <a:masterClrMapping/>
+  </p:clrMapOvr>
+</p:sld>
+</file>
+
+<file path=ppt/slides/slide14.xml><?xml version="1.0" encoding="utf-8"?>
+<p:sld xmlns:a="http://schemas.openxmlformats.org/drawingml/2006/main" xmlns:p="http://schemas.openxmlformats.org/presentationml/2006/main" xmlns:r="http://schemas.openxmlformats.org/officeDocument/2006/relationships">
+  <p:cSld>
+    <p:spTree>
+      <p:nvGrpSpPr>
+        <p:cNvPr id="1" name=""/>
+        <p:cNvGrpSpPr/>
+        <p:nvPr/>
+      </p:nvGrpSpPr>
+      <p:grpSpPr/>
+      <p:sp>
+        <p:nvSpPr>
+          <p:cNvPr id="2" name="Title 1"/>
+          <p:cNvSpPr>
+            <a:spLocks noGrp="1"/>
+          </p:cNvSpPr>
+          <p:nvPr>
+            <p:ph type="title"/>
+          </p:nvPr>
+        </p:nvSpPr>
+        <p:spPr/>
+        <p:txBody>
+          <a:bodyPr/>
+          <a:lstStyle/>
+          <a:p>
+            <a:r>
+              <a:t>Modifying and Patching App</a:t>
+            </a:r>
+          </a:p>
+        </p:txBody>
+      </p:sp>
+      <p:sp>
+        <p:nvSpPr>
+          <p:cNvPr id="3" name="TextBox 2"/>
+          <p:cNvSpPr txBox="1"/>
+          <p:nvPr/>
+        </p:nvSpPr>
+        <p:spPr>
+          <a:xfrm>
+            <a:off x="914400" y="1371600"/>
+            <a:ext cx="7315200" cy="3657600"/>
+          </a:xfrm>
+          <a:prstGeom prst="rect">
+            <a:avLst/>
+          </a:prstGeom>
+          <a:noFill/>
+        </p:spPr>
+        <p:txBody>
+          <a:bodyPr wrap="square">
+            <a:spAutoFit/>
+          </a:bodyPr>
+          <a:lstStyle/>
+          <a:p/>
+          <a:p>
+            <a:r>
+              <a:rPr sz="1400"/>
+              <a:t>This </a:t>
+            </a:r>
+            <a:r>
+              <a:rPr sz="1400"/>
+              <a:t>slide </a:t>
+            </a:r>
+            <a:r>
+              <a:rPr sz="1400"/>
+              <a:t>explores </a:t>
+            </a:r>
+            <a:r>
+              <a:rPr sz="1400"/>
+              <a:t>the </a:t>
+            </a:r>
+            <a:r>
+              <a:rPr sz="1400"/>
+              <a:t>process </a:t>
+            </a:r>
+            <a:r>
+              <a:rPr sz="1400"/>
+              <a:t>of </a:t>
+            </a:r>
+            <a:r>
+              <a:rPr sz="1400"/>
+              <a:t>modifying </a:t>
+            </a:r>
+            <a:r>
+              <a:rPr sz="1400"/>
+              <a:t>and </a:t>
+            </a:r>
+            <a:r>
+              <a:rPr sz="1400"/>
+              <a:t>patching </a:t>
+            </a:r>
+            <a:r>
+              <a:rPr sz="1400"/>
+              <a:t>Android </a:t>
+            </a:r>
+            <a:r>
+              <a:rPr sz="1400"/>
+              <a:t>apps </a:t>
+            </a:r>
+            <a:r>
+              <a:rPr sz="1400"/>
+              <a:t>after </a:t>
+            </a:r>
+            <a:r>
+              <a:rPr sz="1400"/>
+              <a:t>reverse </a:t>
+            </a:r>
+            <a:r>
+              <a:rPr sz="1400"/>
+              <a:t>engineering. </a:t>
+            </a:r>
+            <a:r>
+              <a:rPr sz="1400"/>
+              <a:t>One </a:t>
+            </a:r>
+            <a:r>
+              <a:rPr sz="1400"/>
+              <a:t>approach </a:t>
+            </a:r>
+            <a:r>
+              <a:rPr sz="1400"/>
+              <a:t>involves </a:t>
+            </a:r>
+            <a:r>
+              <a:rPr sz="1400"/>
+              <a:t>converting </a:t>
+            </a:r>
+            <a:r>
+              <a:rPr sz="1400"/>
+              <a:t>the </a:t>
+            </a:r>
+            <a:r>
+              <a:rPr sz="1400"/>
+              <a:t>DEX </a:t>
+            </a:r>
+            <a:r>
+              <a:rPr sz="1400"/>
+              <a:t>code </a:t>
+            </a:r>
+            <a:r>
+              <a:rPr sz="1400"/>
+              <a:t>to </a:t>
+            </a:r>
+            <a:r>
+              <a:rPr sz="1400"/>
+              <a:t>Smali, </a:t>
+            </a:r>
+            <a:r>
+              <a:rPr sz="1400"/>
+              <a:t>making </a:t>
+            </a:r>
+            <a:r>
+              <a:rPr sz="1400"/>
+              <a:t>changes </a:t>
+            </a:r>
+            <a:r>
+              <a:rPr sz="1400"/>
+              <a:t>directly </a:t>
+            </a:r>
+            <a:r>
+              <a:rPr sz="1400"/>
+              <a:t>to </a:t>
+            </a:r>
+            <a:r>
+              <a:rPr sz="1400"/>
+              <a:t>the </a:t>
+            </a:r>
+            <a:r>
+              <a:rPr sz="1400"/>
+              <a:t>Smali </a:t>
+            </a:r>
+            <a:r>
+              <a:rPr sz="1400"/>
+              <a:t>code, </a:t>
+            </a:r>
+            <a:r>
+              <a:rPr sz="1400"/>
+              <a:t>and </a:t>
+            </a:r>
+            <a:r>
+              <a:rPr sz="1400"/>
+              <a:t>then </a:t>
+            </a:r>
+            <a:r>
+              <a:rPr sz="1400"/>
+              <a:t>recompiling </a:t>
+            </a:r>
+            <a:r>
+              <a:rPr sz="1400"/>
+              <a:t>and </a:t>
+            </a:r>
+            <a:r>
+              <a:rPr sz="1400"/>
+              <a:t>re-signing </a:t>
+            </a:r>
+            <a:r>
+              <a:rPr sz="1400"/>
+              <a:t>the </a:t>
+            </a:r>
+            <a:r>
+              <a:rPr sz="1400"/>
+              <a:t>APK. </a:t>
+            </a:r>
+            <a:r>
+              <a:rPr sz="1400"/>
+              <a:t>Smali </a:t>
+            </a:r>
+            <a:r>
+              <a:rPr sz="1400"/>
+              <a:t>provides </a:t>
+            </a:r>
+            <a:r>
+              <a:rPr sz="1400"/>
+              <a:t>a </a:t>
+            </a:r>
+            <a:r>
+              <a:rPr sz="1400"/>
+              <a:t>more </a:t>
+            </a:r>
+            <a:r>
+              <a:rPr sz="1400"/>
+              <a:t>human-readable </a:t>
+            </a:r>
+            <a:r>
+              <a:rPr sz="1400"/>
+              <a:t>representation </a:t>
+            </a:r>
+            <a:r>
+              <a:rPr sz="1400"/>
+              <a:t>compared </a:t>
+            </a:r>
+            <a:r>
+              <a:rPr sz="1400"/>
+              <a:t>to </a:t>
+            </a:r>
+            <a:r>
+              <a:rPr sz="1400"/>
+              <a:t>bytecode, </a:t>
+            </a:r>
+            <a:r>
+              <a:rPr sz="1400"/>
+              <a:t>making </a:t>
+            </a:r>
+            <a:r>
+              <a:rPr sz="1400"/>
+              <a:t>it </a:t>
+            </a:r>
+            <a:r>
+              <a:rPr sz="1400"/>
+              <a:t>easier </a:t>
+            </a:r>
+            <a:r>
+              <a:rPr sz="1400"/>
+              <a:t>to </a:t>
+            </a:r>
+            <a:r>
+              <a:rPr sz="1400"/>
+              <a:t>modify </a:t>
+            </a:r>
+            <a:r>
+              <a:rPr sz="1400"/>
+              <a:t>specific </a:t>
+            </a:r>
+            <a:r>
+              <a:rPr sz="1400"/>
+              <a:t>behaviors. </a:t>
+            </a:r>
+            <a:r>
+              <a:rPr sz="1400"/>
+              <a:t>However, </a:t>
+            </a:r>
+            <a:r>
+              <a:rPr sz="1400"/>
+              <a:t>it's </a:t>
+            </a:r>
+            <a:r>
+              <a:rPr sz="1400"/>
+              <a:t>crucial </a:t>
+            </a:r>
+            <a:r>
+              <a:rPr sz="1400"/>
+              <a:t>to </a:t>
+            </a:r>
+            <a:r>
+              <a:rPr sz="1400"/>
+              <a:t>consider </a:t>
+            </a:r>
+            <a:r>
+              <a:rPr sz="1400"/>
+              <a:t>the </a:t>
+            </a:r>
+            <a:r>
+              <a:rPr sz="1400"/>
+              <a:t>legal </a:t>
+            </a:r>
+            <a:r>
+              <a:rPr sz="1400"/>
+              <a:t>implications </a:t>
+            </a:r>
+            <a:r>
+              <a:rPr sz="1400"/>
+              <a:t>of </a:t>
+            </a:r>
+            <a:r>
+              <a:rPr sz="1400"/>
+              <a:t>modifying </a:t>
+            </a:r>
+            <a:r>
+              <a:rPr sz="1400"/>
+              <a:t>and </a:t>
+            </a:r>
+            <a:r>
+              <a:rPr sz="1400"/>
+              <a:t>distributing </a:t>
+            </a:r>
+            <a:r>
+              <a:rPr sz="1400"/>
+              <a:t>patched </a:t>
+            </a:r>
+            <a:r>
+              <a:rPr sz="1400"/>
+              <a:t>apps, </a:t>
+            </a:r>
+            <a:r>
+              <a:rPr sz="1400"/>
+              <a:t>as </a:t>
+            </a:r>
+            <a:r>
+              <a:rPr sz="1400"/>
+              <a:t>it </a:t>
+            </a:r>
+            <a:r>
+              <a:rPr sz="1400"/>
+              <a:t>might </a:t>
+            </a:r>
+            <a:r>
+              <a:rPr sz="1400"/>
+              <a:t>violate </a:t>
+            </a:r>
+            <a:r>
+              <a:rPr sz="1400"/>
+              <a:t>the </a:t>
+            </a:r>
+            <a:r>
+              <a:rPr sz="1400"/>
+              <a:t>app's </a:t>
+            </a:r>
+            <a:r>
+              <a:rPr sz="1400"/>
+              <a:t>terms </a:t>
+            </a:r>
+            <a:r>
+              <a:rPr sz="1400"/>
+              <a:t>of </a:t>
+            </a:r>
+            <a:r>
+              <a:rPr sz="1400"/>
+              <a:t>service </a:t>
+            </a:r>
+            <a:r>
+              <a:rPr sz="1400"/>
+              <a:t>or </a:t>
+            </a:r>
+            <a:r>
+              <a:rPr sz="1400"/>
+              <a:t>copyright </a:t>
+            </a:r>
+            <a:r>
+              <a:rPr sz="1400"/>
+              <a:t>laws. </a:t>
+            </a:r>
+            <a:r>
+              <a:rPr sz="1400"/>
+              <a:t>Always </a:t>
+            </a:r>
+            <a:r>
+              <a:rPr sz="1400"/>
+              <a:t>review </a:t>
+            </a:r>
+            <a:r>
+              <a:rPr sz="1400"/>
+              <a:t>the </a:t>
+            </a:r>
+            <a:r>
+              <a:rPr sz="1400"/>
+              <a:t>End </a:t>
+            </a:r>
+            <a:r>
+              <a:rPr sz="1400"/>
+              <a:t>User </a:t>
+            </a:r>
+            <a:r>
+              <a:rPr sz="1400"/>
+              <a:t>License </a:t>
+            </a:r>
+            <a:r>
+              <a:rPr sz="1400"/>
+              <a:t>Agreement </a:t>
+            </a:r>
+            <a:r>
+              <a:rPr sz="1400"/>
+              <a:t>(EULA) </a:t>
+            </a:r>
+            <a:r>
+              <a:rPr sz="1400"/>
+              <a:t>and </a:t>
+            </a:r>
+            <a:r>
+              <a:rPr sz="1400"/>
+              <a:t>ensure </a:t>
+            </a:r>
+            <a:r>
+              <a:rPr sz="1400"/>
+              <a:t>you </a:t>
+            </a:r>
+            <a:r>
+              <a:rPr sz="1400"/>
+              <a:t>have </a:t>
+            </a:r>
+            <a:r>
+              <a:rPr sz="1400"/>
+              <a:t>the </a:t>
+            </a:r>
+            <a:r>
+              <a:rPr sz="1400"/>
+              <a:t>necessary </a:t>
+            </a:r>
+            <a:r>
+              <a:rPr sz="1400"/>
+              <a:t>permissions </a:t>
+            </a:r>
+            <a:r>
+              <a:rPr sz="1400"/>
+              <a:t>before </a:t>
+            </a:r>
+            <a:r>
+              <a:rPr sz="1400"/>
+              <a:t>attempting </a:t>
+            </a:r>
+            <a:r>
+              <a:rPr sz="1400"/>
+              <a:t>any </a:t>
+            </a:r>
+            <a:r>
+              <a:rPr sz="1400"/>
+              <a:t>modifications. </a:t>
+            </a:r>
+          </a:p>
+        </p:txBody>
+      </p:sp>
+    </p:spTree>
+  </p:cSld>
+  <p:clrMapOvr>
+    <a:masterClrMapping/>
+  </p:clrMapOvr>
+</p:sld>
+</file>
+
+<file path=ppt/slides/slide15.xml><?xml version="1.0" encoding="utf-8"?>
+<p:sld xmlns:a="http://schemas.openxmlformats.org/drawingml/2006/main" xmlns:p="http://schemas.openxmlformats.org/presentationml/2006/main" xmlns:r="http://schemas.openxmlformats.org/officeDocument/2006/relationships">
+  <p:cSld>
+    <p:spTree>
+      <p:nvGrpSpPr>
+        <p:cNvPr id="1" name=""/>
+        <p:cNvGrpSpPr/>
+        <p:nvPr/>
+      </p:nvGrpSpPr>
+      <p:grpSpPr/>
+      <p:sp>
+        <p:nvSpPr>
+          <p:cNvPr id="2" name="Title 1"/>
+          <p:cNvSpPr>
+            <a:spLocks noGrp="1"/>
+          </p:cNvSpPr>
+          <p:nvPr>
+            <p:ph type="title"/>
+          </p:nvPr>
+        </p:nvSpPr>
+        <p:spPr/>
+        <p:txBody>
+          <a:bodyPr/>
+          <a:lstStyle/>
+          <a:p>
+            <a:r>
+              <a:t>Crash Course on Programming Language </a:t>
+            </a:r>
+          </a:p>
+        </p:txBody>
+      </p:sp>
+      <p:sp>
+        <p:nvSpPr>
+          <p:cNvPr id="3" name="TextBox 2"/>
+          <p:cNvSpPr txBox="1"/>
+          <p:nvPr/>
+        </p:nvSpPr>
+        <p:spPr>
+          <a:xfrm>
+            <a:off x="914400" y="1371600"/>
+            <a:ext cx="7315200" cy="3657600"/>
+          </a:xfrm>
+          <a:prstGeom prst="rect">
+            <a:avLst/>
+          </a:prstGeom>
+          <a:noFill/>
+        </p:spPr>
+        <p:txBody>
+          <a:bodyPr wrap="square">
+            <a:spAutoFit/>
+          </a:bodyPr>
+          <a:lstStyle/>
+          <a:p/>
+          <a:p>
+            <a:r>
+              <a:rPr sz="1400"/>
+              <a:t>This </a:t>
+            </a:r>
+            <a:r>
+              <a:rPr sz="1400"/>
+              <a:t>slide </a:t>
+            </a:r>
+            <a:r>
+              <a:rPr sz="1400"/>
+              <a:t>introduces </a:t>
+            </a:r>
+            <a:r>
+              <a:rPr sz="1400"/>
+              <a:t>an </a:t>
+            </a:r>
+            <a:r>
+              <a:rPr sz="1400"/>
+              <a:t>additional </a:t>
+            </a:r>
+            <a:r>
+              <a:rPr sz="1400"/>
+              <a:t>topic </a:t>
+            </a:r>
+            <a:r>
+              <a:rPr sz="1400"/>
+              <a:t>for </a:t>
+            </a:r>
+            <a:r>
+              <a:rPr sz="1400"/>
+              <a:t>the </a:t>
+            </a:r>
+            <a:r>
+              <a:rPr sz="1400"/>
+              <a:t>course </a:t>
+            </a:r>
+            <a:r>
+              <a:rPr sz="1400"/>
+              <a:t>or </a:t>
+            </a:r>
+            <a:r>
+              <a:rPr sz="1400"/>
+              <a:t>presentation: </a:t>
+            </a:r>
+            <a:r>
+              <a:rPr sz="1400"/>
+              <a:t>creating </a:t>
+            </a:r>
+            <a:r>
+              <a:rPr sz="1400"/>
+              <a:t>a </a:t>
+            </a:r>
+            <a:r>
+              <a:rPr sz="1400"/>
+              <a:t>simplified </a:t>
+            </a:r>
+            <a:r>
+              <a:rPr sz="1400"/>
+              <a:t>assembly </a:t>
+            </a:r>
+            <a:r>
+              <a:rPr sz="1400"/>
+              <a:t>language </a:t>
+            </a:r>
+            <a:r>
+              <a:rPr sz="1400"/>
+              <a:t>and </a:t>
+            </a:r>
+            <a:r>
+              <a:rPr sz="1400"/>
+              <a:t>its </a:t>
+            </a:r>
+            <a:r>
+              <a:rPr sz="1400"/>
+              <a:t>corresponding </a:t>
+            </a:r>
+            <a:r>
+              <a:rPr sz="1400"/>
+              <a:t>binary </a:t>
+            </a:r>
+            <a:r>
+              <a:rPr sz="1400"/>
+              <a:t>code. </a:t>
+            </a:r>
+            <a:r>
+              <a:rPr sz="1400"/>
+              <a:t>This </a:t>
+            </a:r>
+            <a:r>
+              <a:rPr sz="1400"/>
+              <a:t>exercise </a:t>
+            </a:r>
+            <a:r>
+              <a:rPr sz="1400"/>
+              <a:t>aims </a:t>
+            </a:r>
+            <a:r>
+              <a:rPr sz="1400"/>
+              <a:t>to </a:t>
+            </a:r>
+            <a:r>
+              <a:rPr sz="1400"/>
+              <a:t>provide </a:t>
+            </a:r>
+            <a:r>
+              <a:rPr sz="1400"/>
+              <a:t>a </a:t>
+            </a:r>
+            <a:r>
+              <a:rPr sz="1400"/>
+              <a:t>deeper </a:t>
+            </a:r>
+            <a:r>
+              <a:rPr sz="1400"/>
+              <a:t>understanding </a:t>
+            </a:r>
+            <a:r>
+              <a:rPr sz="1400"/>
+              <a:t>of </a:t>
+            </a:r>
+            <a:r>
+              <a:rPr sz="1400"/>
+              <a:t>how </a:t>
+            </a:r>
+            <a:r>
+              <a:rPr sz="1400"/>
+              <a:t>programming </a:t>
+            </a:r>
+            <a:r>
+              <a:rPr sz="1400"/>
+              <a:t>languages </a:t>
+            </a:r>
+            <a:r>
+              <a:rPr sz="1400"/>
+              <a:t>work </a:t>
+            </a:r>
+            <a:r>
+              <a:rPr sz="1400"/>
+              <a:t>at </a:t>
+            </a:r>
+            <a:r>
+              <a:rPr sz="1400"/>
+              <a:t>a </a:t>
+            </a:r>
+            <a:r>
+              <a:rPr sz="1400"/>
+              <a:t>low </a:t>
+            </a:r>
+            <a:r>
+              <a:rPr sz="1400"/>
+              <a:t>level </a:t>
+            </a:r>
+            <a:r>
+              <a:rPr sz="1400"/>
+              <a:t>and </a:t>
+            </a:r>
+            <a:r>
+              <a:rPr sz="1400"/>
+              <a:t>how </a:t>
+            </a:r>
+            <a:r>
+              <a:rPr sz="1400"/>
+              <a:t>instructions </a:t>
+            </a:r>
+            <a:r>
+              <a:rPr sz="1400"/>
+              <a:t>are </a:t>
+            </a:r>
+            <a:r>
+              <a:rPr sz="1400"/>
+              <a:t>translated </a:t>
+            </a:r>
+            <a:r>
+              <a:rPr sz="1400"/>
+              <a:t>into </a:t>
+            </a:r>
+            <a:r>
+              <a:rPr sz="1400"/>
+              <a:t>machine-readable </a:t>
+            </a:r>
+            <a:r>
+              <a:rPr sz="1400"/>
+              <a:t>code. </a:t>
+            </a:r>
+            <a:r>
+              <a:rPr sz="1400"/>
+              <a:t>By </a:t>
+            </a:r>
+            <a:r>
+              <a:rPr sz="1400"/>
+              <a:t>designing </a:t>
+            </a:r>
+            <a:r>
+              <a:rPr sz="1400"/>
+              <a:t>and </a:t>
+            </a:r>
+            <a:r>
+              <a:rPr sz="1400"/>
+              <a:t>implementing </a:t>
+            </a:r>
+            <a:r>
+              <a:rPr sz="1400"/>
+              <a:t>a </a:t>
+            </a:r>
+            <a:r>
+              <a:rPr sz="1400"/>
+              <a:t>basic </a:t>
+            </a:r>
+            <a:r>
+              <a:rPr sz="1400"/>
+              <a:t>assembly </a:t>
+            </a:r>
+            <a:r>
+              <a:rPr sz="1400"/>
+              <a:t>language, </a:t>
+            </a:r>
+            <a:r>
+              <a:rPr sz="1400"/>
+              <a:t>students </a:t>
+            </a:r>
+            <a:r>
+              <a:rPr sz="1400"/>
+              <a:t>can </a:t>
+            </a:r>
+            <a:r>
+              <a:rPr sz="1400"/>
+              <a:t>gain </a:t>
+            </a:r>
+            <a:r>
+              <a:rPr sz="1400"/>
+              <a:t>insights </a:t>
+            </a:r>
+            <a:r>
+              <a:rPr sz="1400"/>
+              <a:t>into </a:t>
+            </a:r>
+            <a:r>
+              <a:rPr sz="1400"/>
+              <a:t>fundamental </a:t>
+            </a:r>
+            <a:r>
+              <a:rPr sz="1400"/>
+              <a:t>concepts </a:t>
+            </a:r>
+            <a:r>
+              <a:rPr sz="1400"/>
+              <a:t>such </a:t>
+            </a:r>
+            <a:r>
+              <a:rPr sz="1400"/>
+              <a:t>as </a:t>
+            </a:r>
+            <a:r>
+              <a:rPr sz="1400"/>
+              <a:t>instruction </a:t>
+            </a:r>
+            <a:r>
+              <a:rPr sz="1400"/>
+              <a:t>sets, </a:t>
+            </a:r>
+            <a:r>
+              <a:rPr sz="1400"/>
+              <a:t>registers, </a:t>
+            </a:r>
+            <a:r>
+              <a:rPr sz="1400"/>
+              <a:t>memory </a:t>
+            </a:r>
+            <a:r>
+              <a:rPr sz="1400"/>
+              <a:t>management, </a:t>
+            </a:r>
+            <a:r>
+              <a:rPr sz="1400"/>
+              <a:t>and </a:t>
+            </a:r>
+            <a:r>
+              <a:rPr sz="1400"/>
+              <a:t>the </a:t>
+            </a:r>
+            <a:r>
+              <a:rPr sz="1400"/>
+              <a:t>relationship </a:t>
+            </a:r>
+            <a:r>
+              <a:rPr sz="1400"/>
+              <a:t>between </a:t>
+            </a:r>
+            <a:r>
+              <a:rPr sz="1400"/>
+              <a:t>assembly </a:t>
+            </a:r>
+            <a:r>
+              <a:rPr sz="1400"/>
+              <a:t>code </a:t>
+            </a:r>
+            <a:r>
+              <a:rPr sz="1400"/>
+              <a:t>and </a:t>
+            </a:r>
+            <a:r>
+              <a:rPr sz="1400"/>
+              <a:t>binary </a:t>
+            </a:r>
+            <a:r>
+              <a:rPr sz="1400"/>
+              <a:t>representation. </a:t>
+            </a:r>
+          </a:p>
+        </p:txBody>
+      </p:sp>
+    </p:spTree>
+  </p:cSld>
+  <p:clrMapOvr>
+    <a:masterClrMapping/>
+  </p:clrMapOvr>
+</p:sld>
+</file>
+
+<file path=ppt/slides/slide2.xml><?xml version="1.0" encoding="utf-8"?>
+<p:sld xmlns:a="http://schemas.openxmlformats.org/drawingml/2006/main" xmlns:p="http://schemas.openxmlformats.org/presentationml/2006/main" xmlns:r="http://schemas.openxmlformats.org/officeDocument/2006/relationships">
+  <p:cSld>
+    <p:spTree>
+      <p:nvGrpSpPr>
+        <p:cNvPr id="1" name=""/>
+        <p:cNvGrpSpPr/>
+        <p:nvPr/>
+      </p:nvGrpSpPr>
+      <p:grpSpPr/>
+      <p:sp>
+        <p:nvSpPr>
+          <p:cNvPr id="2" name="Title 1"/>
+          <p:cNvSpPr>
+            <a:spLocks noGrp="1"/>
+          </p:cNvSpPr>
+          <p:nvPr>
+            <p:ph type="title"/>
+          </p:nvPr>
+        </p:nvSpPr>
+        <p:spPr/>
+        <p:txBody>
+          <a:bodyPr/>
+          <a:lstStyle/>
+          <a:p>
+            <a:r>
+              <a:t>Overview</a:t>
+            </a:r>
+          </a:p>
+        </p:txBody>
+      </p:sp>
+      <p:sp>
+        <p:nvSpPr>
+          <p:cNvPr id="3" name="TextBox 2"/>
+          <p:cNvSpPr txBox="1"/>
+          <p:nvPr/>
+        </p:nvSpPr>
+        <p:spPr>
+          <a:xfrm>
+            <a:off x="914400" y="1371600"/>
+            <a:ext cx="7315200" cy="3657600"/>
+          </a:xfrm>
+          <a:prstGeom prst="rect">
+            <a:avLst/>
+          </a:prstGeom>
+          <a:noFill/>
+        </p:spPr>
+        <p:txBody>
+          <a:bodyPr wrap="square">
+            <a:spAutoFit/>
+          </a:bodyPr>
+          <a:lstStyle/>
+          <a:p/>
+          <a:p>
+            <a:r>
+              <a:rPr sz="1400"/>
+              <a:t>This </a:t>
+            </a:r>
+            <a:r>
+              <a:rPr sz="1400"/>
+              <a:t>slide </a:t>
+            </a:r>
+            <a:r>
+              <a:rPr sz="1400"/>
+              <a:t>outlines </a:t>
+            </a:r>
+            <a:r>
+              <a:rPr sz="1400"/>
+              <a:t>the </a:t>
+            </a:r>
+            <a:r>
+              <a:rPr sz="1400"/>
+              <a:t>topics </a:t>
+            </a:r>
+            <a:r>
+              <a:rPr sz="1400"/>
+              <a:t>that </a:t>
+            </a:r>
+            <a:r>
+              <a:rPr sz="1400"/>
+              <a:t>will </a:t>
+            </a:r>
+            <a:r>
+              <a:rPr sz="1400"/>
+              <a:t>be </a:t>
+            </a:r>
+            <a:r>
+              <a:rPr sz="1400"/>
+              <a:t>covered </a:t>
+            </a:r>
+            <a:r>
+              <a:rPr sz="1400"/>
+              <a:t>in </a:t>
+            </a:r>
+            <a:r>
+              <a:rPr sz="1400"/>
+              <a:t>the </a:t>
+            </a:r>
+            <a:r>
+              <a:rPr sz="1400"/>
+              <a:t>course </a:t>
+            </a:r>
+            <a:r>
+              <a:rPr sz="1400"/>
+              <a:t>or </a:t>
+            </a:r>
+            <a:r>
+              <a:rPr sz="1400"/>
+              <a:t>presentation. </a:t>
+            </a:r>
+            <a:r>
+              <a:rPr sz="1400"/>
+              <a:t>These </a:t>
+            </a:r>
+            <a:r>
+              <a:rPr sz="1400"/>
+              <a:t>topics </a:t>
+            </a:r>
+            <a:r>
+              <a:rPr sz="1400"/>
+              <a:t>include </a:t>
+            </a:r>
+            <a:r>
+              <a:rPr sz="1400"/>
+              <a:t>understanding </a:t>
+            </a:r>
+            <a:r>
+              <a:rPr sz="1400"/>
+              <a:t>Android </a:t>
+            </a:r>
+            <a:r>
+              <a:rPr sz="1400"/>
+              <a:t>code </a:t>
+            </a:r>
+            <a:r>
+              <a:rPr sz="1400"/>
+              <a:t>structure, </a:t>
+            </a:r>
+            <a:r>
+              <a:rPr sz="1400"/>
+              <a:t>analyzing </a:t>
+            </a:r>
+            <a:r>
+              <a:rPr sz="1400"/>
+              <a:t>components </a:t>
+            </a:r>
+            <a:r>
+              <a:rPr sz="1400"/>
+              <a:t>within </a:t>
+            </a:r>
+            <a:r>
+              <a:rPr sz="1400"/>
+              <a:t>the </a:t>
+            </a:r>
+            <a:r>
+              <a:rPr sz="1400"/>
+              <a:t>manifest </a:t>
+            </a:r>
+            <a:r>
+              <a:rPr sz="1400"/>
+              <a:t>file, </a:t>
+            </a:r>
+            <a:r>
+              <a:rPr sz="1400"/>
+              <a:t>converting </a:t>
+            </a:r>
+            <a:r>
+              <a:rPr sz="1400"/>
+              <a:t>dex </a:t>
+            </a:r>
+            <a:r>
+              <a:rPr sz="1400"/>
+              <a:t>code </a:t>
+            </a:r>
+            <a:r>
+              <a:rPr sz="1400"/>
+              <a:t>to </a:t>
+            </a:r>
+            <a:r>
+              <a:rPr sz="1400"/>
+              <a:t>smali </a:t>
+            </a:r>
+            <a:r>
+              <a:rPr sz="1400"/>
+              <a:t>and </a:t>
+            </a:r>
+            <a:r>
+              <a:rPr sz="1400"/>
+              <a:t>source </a:t>
+            </a:r>
+            <a:r>
+              <a:rPr sz="1400"/>
+              <a:t>code, </a:t>
+            </a:r>
+            <a:r>
+              <a:rPr sz="1400"/>
+              <a:t>exploring </a:t>
+            </a:r>
+            <a:r>
+              <a:rPr sz="1400"/>
+              <a:t>native </a:t>
+            </a:r>
+            <a:r>
+              <a:rPr sz="1400"/>
+              <a:t>code </a:t>
+            </a:r>
+            <a:r>
+              <a:rPr sz="1400"/>
+              <a:t>analysis, </a:t>
+            </a:r>
+            <a:r>
+              <a:rPr sz="1400"/>
+              <a:t>and </a:t>
+            </a:r>
+            <a:r>
+              <a:rPr sz="1400"/>
+              <a:t>even </a:t>
+            </a:r>
+            <a:r>
+              <a:rPr sz="1400"/>
+              <a:t>designing </a:t>
+            </a:r>
+            <a:r>
+              <a:rPr sz="1400"/>
+              <a:t>a </a:t>
+            </a:r>
+            <a:r>
+              <a:rPr sz="1400"/>
+              <a:t>basic </a:t>
+            </a:r>
+            <a:r>
+              <a:rPr sz="1400"/>
+              <a:t>machine </a:t>
+            </a:r>
+            <a:r>
+              <a:rPr sz="1400"/>
+              <a:t>language. </a:t>
+            </a:r>
+          </a:p>
+        </p:txBody>
+      </p:sp>
+    </p:spTree>
+  </p:cSld>
+  <p:clrMapOvr>
+    <a:masterClrMapping/>
+  </p:clrMapOvr>
+</p:sld>
+</file>
+
+<file path=ppt/slides/slide3.xml><?xml version="1.0" encoding="utf-8"?>
+<p:sld xmlns:a="http://schemas.openxmlformats.org/drawingml/2006/main" xmlns:p="http://schemas.openxmlformats.org/presentationml/2006/main" xmlns:r="http://schemas.openxmlformats.org/officeDocument/2006/relationships">
+  <p:cSld>
+    <p:spTree>
+      <p:nvGrpSpPr>
+        <p:cNvPr id="1" name=""/>
+        <p:cNvGrpSpPr/>
+        <p:nvPr/>
+      </p:nvGrpSpPr>
+      <p:grpSpPr/>
+      <p:sp>
+        <p:nvSpPr>
+          <p:cNvPr id="2" name="Title 1"/>
+          <p:cNvSpPr>
+            <a:spLocks noGrp="1"/>
+          </p:cNvSpPr>
+          <p:nvPr>
+            <p:ph type="title"/>
+          </p:nvPr>
+        </p:nvSpPr>
+        <p:spPr/>
+        <p:txBody>
+          <a:bodyPr/>
+          <a:lstStyle/>
+          <a:p>
+            <a:r>
+              <a:t>Administrative Matters</a:t>
+            </a:r>
+          </a:p>
+        </p:txBody>
+      </p:sp>
+      <p:sp>
+        <p:nvSpPr>
+          <p:cNvPr id="3" name="TextBox 2"/>
+          <p:cNvSpPr txBox="1"/>
+          <p:nvPr/>
+        </p:nvSpPr>
+        <p:spPr>
+          <a:xfrm>
+            <a:off x="914400" y="1371600"/>
+            <a:ext cx="7315200" cy="3657600"/>
+          </a:xfrm>
+          <a:prstGeom prst="rect">
+            <a:avLst/>
+          </a:prstGeom>
+          <a:noFill/>
+        </p:spPr>
+        <p:txBody>
+          <a:bodyPr wrap="square">
+            <a:spAutoFit/>
+          </a:bodyPr>
+          <a:lstStyle/>
+          <a:p/>
+          <a:p>
+            <a:r>
+              <a:rPr sz="1400"/>
+              <a:t>This </a:t>
+            </a:r>
+            <a:r>
+              <a:rPr sz="1400"/>
+              <a:t>slide </a:t>
+            </a:r>
+            <a:r>
+              <a:rPr sz="1400"/>
+              <a:t>provides </a:t>
+            </a:r>
+            <a:r>
+              <a:rPr sz="1400"/>
+              <a:t>logistical </a:t>
+            </a:r>
+            <a:r>
+              <a:rPr sz="1400"/>
+              <a:t>details </a:t>
+            </a:r>
+            <a:r>
+              <a:rPr sz="1400"/>
+              <a:t>about </a:t>
+            </a:r>
+            <a:r>
+              <a:rPr sz="1400"/>
+              <a:t>a </a:t>
+            </a:r>
+            <a:r>
+              <a:rPr sz="1400"/>
+              <a:t>guest </a:t>
+            </a:r>
+            <a:r>
+              <a:rPr sz="1400"/>
+              <a:t>lecture. </a:t>
+            </a:r>
+            <a:r>
+              <a:rPr sz="1400"/>
+              <a:t>It </a:t>
+            </a:r>
+            <a:r>
+              <a:rPr sz="1400"/>
+              <a:t>specifies </a:t>
+            </a:r>
+            <a:r>
+              <a:rPr sz="1400"/>
+              <a:t>the </a:t>
+            </a:r>
+            <a:r>
+              <a:rPr sz="1400"/>
+              <a:t>date, </a:t>
+            </a:r>
+            <a:r>
+              <a:rPr sz="1400"/>
+              <a:t>time, </a:t>
+            </a:r>
+            <a:r>
+              <a:rPr sz="1400"/>
+              <a:t>format </a:t>
+            </a:r>
+            <a:r>
+              <a:rPr sz="1400"/>
+              <a:t>(hybrid), </a:t>
+            </a:r>
+            <a:r>
+              <a:rPr sz="1400"/>
+              <a:t>and </a:t>
+            </a:r>
+            <a:r>
+              <a:rPr sz="1400"/>
+              <a:t>the </a:t>
+            </a:r>
+            <a:r>
+              <a:rPr sz="1400"/>
+              <a:t>speaker </a:t>
+            </a:r>
+            <a:r>
+              <a:rPr sz="1400"/>
+              <a:t>(DarkNavy </a:t>
+            </a:r>
+            <a:r>
+              <a:rPr sz="1400"/>
+              <a:t>from </a:t>
+            </a:r>
+            <a:r>
+              <a:rPr sz="1400"/>
+              <a:t>China). </a:t>
+            </a:r>
+            <a:r>
+              <a:rPr sz="1400"/>
+              <a:t>Additionally, </a:t>
+            </a:r>
+            <a:r>
+              <a:rPr sz="1400"/>
+              <a:t>it </a:t>
+            </a:r>
+            <a:r>
+              <a:rPr sz="1400"/>
+              <a:t>mentions </a:t>
+            </a:r>
+            <a:r>
+              <a:rPr sz="1400"/>
+              <a:t>a </a:t>
+            </a:r>
+            <a:r>
+              <a:rPr sz="1400"/>
+              <a:t>practice </a:t>
+            </a:r>
+            <a:r>
+              <a:rPr sz="1400"/>
+              <a:t>CTF </a:t>
+            </a:r>
+            <a:r>
+              <a:rPr sz="1400"/>
+              <a:t>(Capture </a:t>
+            </a:r>
+            <a:r>
+              <a:rPr sz="1400"/>
+              <a:t>The </a:t>
+            </a:r>
+            <a:r>
+              <a:rPr sz="1400"/>
+              <a:t>Flag) </a:t>
+            </a:r>
+            <a:r>
+              <a:rPr sz="1400"/>
+              <a:t>session </a:t>
+            </a:r>
+            <a:r>
+              <a:rPr sz="1400"/>
+              <a:t>aimed </a:t>
+            </a:r>
+            <a:r>
+              <a:rPr sz="1400"/>
+              <a:t>at </a:t>
+            </a:r>
+            <a:r>
+              <a:rPr sz="1400"/>
+              <a:t>familiarizing </a:t>
+            </a:r>
+            <a:r>
+              <a:rPr sz="1400"/>
+              <a:t>students </a:t>
+            </a:r>
+            <a:r>
+              <a:rPr sz="1400"/>
+              <a:t>with </a:t>
+            </a:r>
+            <a:r>
+              <a:rPr sz="1400"/>
+              <a:t>flag </a:t>
+            </a:r>
+            <a:r>
+              <a:rPr sz="1400"/>
+              <a:t>detection </a:t>
+            </a:r>
+            <a:r>
+              <a:rPr sz="1400"/>
+              <a:t>and </a:t>
+            </a:r>
+            <a:r>
+              <a:rPr sz="1400"/>
+              <a:t>assessing </a:t>
+            </a:r>
+            <a:r>
+              <a:rPr sz="1400"/>
+              <a:t>their </a:t>
+            </a:r>
+            <a:r>
+              <a:rPr sz="1400"/>
+              <a:t>technical </a:t>
+            </a:r>
+            <a:r>
+              <a:rPr sz="1400"/>
+              <a:t>skills. </a:t>
+            </a:r>
+          </a:p>
+        </p:txBody>
+      </p:sp>
+    </p:spTree>
+  </p:cSld>
+  <p:clrMapOvr>
+    <a:masterClrMapping/>
+  </p:clrMapOvr>
+</p:sld>
+</file>
+
+<file path=ppt/slides/slide4.xml><?xml version="1.0" encoding="utf-8"?>
+<p:sld xmlns:a="http://schemas.openxmlformats.org/drawingml/2006/main" xmlns:p="http://schemas.openxmlformats.org/presentationml/2006/main" xmlns:r="http://schemas.openxmlformats.org/officeDocument/2006/relationships">
+  <p:cSld>
+    <p:spTree>
+      <p:nvGrpSpPr>
+        <p:cNvPr id="1" name=""/>
+        <p:cNvGrpSpPr/>
+        <p:nvPr/>
+      </p:nvGrpSpPr>
+      <p:grpSpPr/>
+      <p:sp>
+        <p:nvSpPr>
+          <p:cNvPr id="2" name="Title 1"/>
+          <p:cNvSpPr>
+            <a:spLocks noGrp="1"/>
+          </p:cNvSpPr>
+          <p:nvPr>
+            <p:ph type="title"/>
+          </p:nvPr>
+        </p:nvSpPr>
+        <p:spPr/>
+        <p:txBody>
+          <a:bodyPr/>
+          <a:lstStyle/>
+          <a:p>
+            <a:r>
+              <a:t>Introduction to Android Reverse Engineering </a:t>
+            </a:r>
+          </a:p>
+        </p:txBody>
+      </p:sp>
+      <p:sp>
+        <p:nvSpPr>
+          <p:cNvPr id="3" name="TextBox 2"/>
+          <p:cNvSpPr txBox="1"/>
+          <p:nvPr/>
+        </p:nvSpPr>
+        <p:spPr>
+          <a:xfrm>
+            <a:off x="914400" y="1371600"/>
+            <a:ext cx="7315200" cy="3657600"/>
+          </a:xfrm>
+          <a:prstGeom prst="rect">
+            <a:avLst/>
+          </a:prstGeom>
+          <a:noFill/>
+        </p:spPr>
+        <p:txBody>
+          <a:bodyPr wrap="square">
+            <a:spAutoFit/>
+          </a:bodyPr>
+          <a:lstStyle/>
+          <a:p/>
+          <a:p>
+            <a:r>
+              <a:rPr sz="1400"/>
+              <a:t>This </a:t>
+            </a:r>
+            <a:r>
+              <a:rPr sz="1400"/>
+              <a:t>slide </a:t>
+            </a:r>
+            <a:r>
+              <a:rPr sz="1400"/>
+              <a:t>introduces </a:t>
+            </a:r>
+            <a:r>
+              <a:rPr sz="1400"/>
+              <a:t>the </a:t>
+            </a:r>
+            <a:r>
+              <a:rPr sz="1400"/>
+              <a:t>concept </a:t>
+            </a:r>
+            <a:r>
+              <a:rPr sz="1400"/>
+              <a:t>of </a:t>
+            </a:r>
+            <a:r>
+              <a:rPr sz="1400"/>
+              <a:t>reverse </a:t>
+            </a:r>
+            <a:r>
+              <a:rPr sz="1400"/>
+              <a:t>engineering, </a:t>
+            </a:r>
+            <a:r>
+              <a:rPr sz="1400"/>
+              <a:t>specifically </a:t>
+            </a:r>
+            <a:r>
+              <a:rPr sz="1400"/>
+              <a:t>in </a:t>
+            </a:r>
+            <a:r>
+              <a:rPr sz="1400"/>
+              <a:t>the </a:t>
+            </a:r>
+            <a:r>
+              <a:rPr sz="1400"/>
+              <a:t>context </a:t>
+            </a:r>
+            <a:r>
+              <a:rPr sz="1400"/>
+              <a:t>of </a:t>
+            </a:r>
+            <a:r>
+              <a:rPr sz="1400"/>
+              <a:t>Android </a:t>
+            </a:r>
+            <a:r>
+              <a:rPr sz="1400"/>
+              <a:t>applications. </a:t>
+            </a:r>
+            <a:r>
+              <a:rPr sz="1400"/>
+              <a:t>It </a:t>
+            </a:r>
+            <a:r>
+              <a:rPr sz="1400"/>
+              <a:t>explains </a:t>
+            </a:r>
+            <a:r>
+              <a:rPr sz="1400"/>
+              <a:t>that </a:t>
+            </a:r>
+            <a:r>
+              <a:rPr sz="1400"/>
+              <a:t>reverse </a:t>
+            </a:r>
+            <a:r>
+              <a:rPr sz="1400"/>
+              <a:t>engineering </a:t>
+            </a:r>
+            <a:r>
+              <a:rPr sz="1400"/>
+              <a:t>involves </a:t>
+            </a:r>
+            <a:r>
+              <a:rPr sz="1400"/>
+              <a:t>analyzing </a:t>
+            </a:r>
+            <a:r>
+              <a:rPr sz="1400"/>
+              <a:t>a </a:t>
+            </a:r>
+            <a:r>
+              <a:rPr sz="1400"/>
+              <a:t>system </a:t>
+            </a:r>
+            <a:r>
+              <a:rPr sz="1400"/>
+              <a:t>to </a:t>
+            </a:r>
+            <a:r>
+              <a:rPr sz="1400"/>
+              <a:t>understand </a:t>
+            </a:r>
+            <a:r>
+              <a:rPr sz="1400"/>
+              <a:t>its </a:t>
+            </a:r>
+            <a:r>
+              <a:rPr sz="1400"/>
+              <a:t>workings, </a:t>
+            </a:r>
+            <a:r>
+              <a:rPr sz="1400"/>
+              <a:t>often </a:t>
+            </a:r>
+            <a:r>
+              <a:rPr sz="1400"/>
+              <a:t>with </a:t>
+            </a:r>
+            <a:r>
+              <a:rPr sz="1400"/>
+              <a:t>the </a:t>
+            </a:r>
+            <a:r>
+              <a:rPr sz="1400"/>
+              <a:t>goal </a:t>
+            </a:r>
+            <a:r>
+              <a:rPr sz="1400"/>
+              <a:t>of </a:t>
+            </a:r>
+            <a:r>
+              <a:rPr sz="1400"/>
+              <a:t>replicating </a:t>
+            </a:r>
+            <a:r>
+              <a:rPr sz="1400"/>
+              <a:t>or </a:t>
+            </a:r>
+            <a:r>
+              <a:rPr sz="1400"/>
+              <a:t>improving </a:t>
+            </a:r>
+            <a:r>
+              <a:rPr sz="1400"/>
+              <a:t>its </a:t>
+            </a:r>
+            <a:r>
+              <a:rPr sz="1400"/>
+              <a:t>functionality. </a:t>
+            </a:r>
+            <a:r>
+              <a:rPr sz="1400"/>
+              <a:t>The </a:t>
+            </a:r>
+            <a:r>
+              <a:rPr sz="1400"/>
+              <a:t>slide </a:t>
+            </a:r>
+            <a:r>
+              <a:rPr sz="1400"/>
+              <a:t>emphasizes </a:t>
+            </a:r>
+            <a:r>
+              <a:rPr sz="1400"/>
+              <a:t>the </a:t>
+            </a:r>
+            <a:r>
+              <a:rPr sz="1400"/>
+              <a:t>importance </a:t>
+            </a:r>
+            <a:r>
+              <a:rPr sz="1400"/>
+              <a:t>of </a:t>
+            </a:r>
+            <a:r>
+              <a:rPr sz="1400"/>
+              <a:t>this </a:t>
+            </a:r>
+            <a:r>
+              <a:rPr sz="1400"/>
+              <a:t>process </a:t>
+            </a:r>
+            <a:r>
+              <a:rPr sz="1400"/>
+              <a:t>for </a:t>
+            </a:r>
+            <a:r>
+              <a:rPr sz="1400"/>
+              <a:t>understanding </a:t>
+            </a:r>
+            <a:r>
+              <a:rPr sz="1400"/>
+              <a:t>app </a:t>
+            </a:r>
+            <a:r>
+              <a:rPr sz="1400"/>
+              <a:t>behavior, </a:t>
+            </a:r>
+            <a:r>
+              <a:rPr sz="1400"/>
+              <a:t>identifying </a:t>
+            </a:r>
+            <a:r>
+              <a:rPr sz="1400"/>
+              <a:t>security </a:t>
+            </a:r>
+            <a:r>
+              <a:rPr sz="1400"/>
+              <a:t>vulnerabilities, </a:t>
+            </a:r>
+            <a:r>
+              <a:rPr sz="1400"/>
+              <a:t>and </a:t>
+            </a:r>
+            <a:r>
+              <a:rPr sz="1400"/>
+              <a:t>potentially </a:t>
+            </a:r>
+            <a:r>
+              <a:rPr sz="1400"/>
+              <a:t>making </a:t>
+            </a:r>
+            <a:r>
+              <a:rPr sz="1400"/>
+              <a:t>custom </a:t>
+            </a:r>
+            <a:r>
+              <a:rPr sz="1400"/>
+              <a:t>modifications. </a:t>
+            </a:r>
+            <a:r>
+              <a:rPr sz="1400"/>
+              <a:t>It's </a:t>
+            </a:r>
+            <a:r>
+              <a:rPr sz="1400"/>
+              <a:t>important </a:t>
+            </a:r>
+            <a:r>
+              <a:rPr sz="1400"/>
+              <a:t>to </a:t>
+            </a:r>
+            <a:r>
+              <a:rPr sz="1400"/>
+              <a:t>note </a:t>
+            </a:r>
+            <a:r>
+              <a:rPr sz="1400"/>
+              <a:t>that </a:t>
+            </a:r>
+            <a:r>
+              <a:rPr sz="1400"/>
+              <a:t>the </a:t>
+            </a:r>
+            <a:r>
+              <a:rPr sz="1400"/>
+              <a:t>ethics </a:t>
+            </a:r>
+            <a:r>
+              <a:rPr sz="1400"/>
+              <a:t>and </a:t>
+            </a:r>
+            <a:r>
+              <a:rPr sz="1400"/>
+              <a:t>legality </a:t>
+            </a:r>
+            <a:r>
+              <a:rPr sz="1400"/>
+              <a:t>of </a:t>
+            </a:r>
+            <a:r>
+              <a:rPr sz="1400"/>
+              <a:t>reverse </a:t>
+            </a:r>
+            <a:r>
+              <a:rPr sz="1400"/>
+              <a:t>engineering </a:t>
+            </a:r>
+            <a:r>
+              <a:rPr sz="1400"/>
+              <a:t>can </a:t>
+            </a:r>
+            <a:r>
+              <a:rPr sz="1400"/>
+              <a:t>be </a:t>
+            </a:r>
+            <a:r>
+              <a:rPr sz="1400"/>
+              <a:t>complex </a:t>
+            </a:r>
+            <a:r>
+              <a:rPr sz="1400"/>
+              <a:t>and </a:t>
+            </a:r>
+            <a:r>
+              <a:rPr sz="1400"/>
+              <a:t>depend </a:t>
+            </a:r>
+            <a:r>
+              <a:rPr sz="1400"/>
+              <a:t>on </a:t>
+            </a:r>
+            <a:r>
+              <a:rPr sz="1400"/>
+              <a:t>various </a:t>
+            </a:r>
+            <a:r>
+              <a:rPr sz="1400"/>
+              <a:t>factors, </a:t>
+            </a:r>
+            <a:r>
+              <a:rPr sz="1400"/>
+              <a:t>such </a:t>
+            </a:r>
+            <a:r>
+              <a:rPr sz="1400"/>
+              <a:t>as </a:t>
+            </a:r>
+            <a:r>
+              <a:rPr sz="1400"/>
+              <a:t>terms </a:t>
+            </a:r>
+            <a:r>
+              <a:rPr sz="1400"/>
+              <a:t>of </a:t>
+            </a:r>
+            <a:r>
+              <a:rPr sz="1400"/>
+              <a:t>service, </a:t>
+            </a:r>
+            <a:r>
+              <a:rPr sz="1400"/>
+              <a:t>copyright </a:t>
+            </a:r>
+            <a:r>
+              <a:rPr sz="1400"/>
+              <a:t>laws, </a:t>
+            </a:r>
+            <a:r>
+              <a:rPr sz="1400"/>
+              <a:t>and </a:t>
+            </a:r>
+            <a:r>
+              <a:rPr sz="1400"/>
+              <a:t>the </a:t>
+            </a:r>
+            <a:r>
+              <a:rPr sz="1400"/>
+              <a:t>purpose </a:t>
+            </a:r>
+            <a:r>
+              <a:rPr sz="1400"/>
+              <a:t>of </a:t>
+            </a:r>
+            <a:r>
+              <a:rPr sz="1400"/>
+              <a:t>the </a:t>
+            </a:r>
+            <a:r>
+              <a:rPr sz="1400"/>
+              <a:t>reverse </a:t>
+            </a:r>
+            <a:r>
+              <a:rPr sz="1400"/>
+              <a:t>engineering </a:t>
+            </a:r>
+            <a:r>
+              <a:rPr sz="1400"/>
+              <a:t>effort. </a:t>
+            </a:r>
+          </a:p>
+        </p:txBody>
+      </p:sp>
+    </p:spTree>
+  </p:cSld>
+  <p:clrMapOvr>
+    <a:masterClrMapping/>
+  </p:clrMapOvr>
+</p:sld>
+</file>
+
+<file path=ppt/slides/slide5.xml><?xml version="1.0" encoding="utf-8"?>
+<p:sld xmlns:a="http://schemas.openxmlformats.org/drawingml/2006/main" xmlns:p="http://schemas.openxmlformats.org/presentationml/2006/main" xmlns:r="http://schemas.openxmlformats.org/officeDocument/2006/relationships">
+  <p:cSld>
+    <p:spTree>
+      <p:nvGrpSpPr>
+        <p:cNvPr id="1" name=""/>
+        <p:cNvGrpSpPr/>
+        <p:nvPr/>
+      </p:nvGrpSpPr>
+      <p:grpSpPr/>
+      <p:sp>
+        <p:nvSpPr>
+          <p:cNvPr id="2" name="Title 1"/>
+          <p:cNvSpPr>
+            <a:spLocks noGrp="1"/>
+          </p:cNvSpPr>
+          <p:nvPr>
+            <p:ph type="title"/>
+          </p:nvPr>
+        </p:nvSpPr>
+        <p:spPr/>
+        <p:txBody>
+          <a:bodyPr/>
+          <a:lstStyle/>
+          <a:p>
+            <a:r>
+              <a:t>Android App Structure</a:t>
+            </a:r>
+          </a:p>
+        </p:txBody>
+      </p:sp>
+      <p:sp>
+        <p:nvSpPr>
+          <p:cNvPr id="3" name="TextBox 2"/>
+          <p:cNvSpPr txBox="1"/>
+          <p:nvPr/>
+        </p:nvSpPr>
+        <p:spPr>
+          <a:xfrm>
+            <a:off x="914400" y="1371600"/>
+            <a:ext cx="7315200" cy="3657600"/>
+          </a:xfrm>
+          <a:prstGeom prst="rect">
+            <a:avLst/>
+          </a:prstGeom>
+          <a:noFill/>
+        </p:spPr>
+        <p:txBody>
+          <a:bodyPr wrap="square">
+            <a:spAutoFit/>
+          </a:bodyPr>
+          <a:lstStyle/>
+          <a:p/>
+          <a:p>
+            <a:r>
+              <a:rPr sz="1400"/>
+              <a:t>This </a:t>
+            </a:r>
+            <a:r>
+              <a:rPr sz="1400"/>
+              <a:t>slide </a:t>
+            </a:r>
+            <a:r>
+              <a:rPr sz="1400"/>
+              <a:t>delves </a:t>
+            </a:r>
+            <a:r>
+              <a:rPr sz="1400"/>
+              <a:t>into </a:t>
+            </a:r>
+            <a:r>
+              <a:rPr sz="1400"/>
+              <a:t>the </a:t>
+            </a:r>
+            <a:r>
+              <a:rPr sz="1400"/>
+              <a:t>structure </a:t>
+            </a:r>
+            <a:r>
+              <a:rPr sz="1400"/>
+              <a:t>of </a:t>
+            </a:r>
+            <a:r>
+              <a:rPr sz="1400"/>
+              <a:t>Android </a:t>
+            </a:r>
+            <a:r>
+              <a:rPr sz="1400"/>
+              <a:t>applications, </a:t>
+            </a:r>
+            <a:r>
+              <a:rPr sz="1400"/>
+              <a:t>which </a:t>
+            </a:r>
+            <a:r>
+              <a:rPr sz="1400"/>
+              <a:t>are </a:t>
+            </a:r>
+            <a:r>
+              <a:rPr sz="1400"/>
+              <a:t>packaged </a:t>
+            </a:r>
+            <a:r>
+              <a:rPr sz="1400"/>
+              <a:t>as </a:t>
+            </a:r>
+            <a:r>
+              <a:rPr sz="1400"/>
+              <a:t>APK </a:t>
+            </a:r>
+            <a:r>
+              <a:rPr sz="1400"/>
+              <a:t>(Android </a:t>
+            </a:r>
+            <a:r>
+              <a:rPr sz="1400"/>
+              <a:t>Package) </a:t>
+            </a:r>
+            <a:r>
+              <a:rPr sz="1400"/>
+              <a:t>files. </a:t>
+            </a:r>
+            <a:r>
+              <a:rPr sz="1400"/>
+              <a:t>These </a:t>
+            </a:r>
+            <a:r>
+              <a:rPr sz="1400"/>
+              <a:t>files </a:t>
+            </a:r>
+            <a:r>
+              <a:rPr sz="1400"/>
+              <a:t>contain </a:t>
+            </a:r>
+            <a:r>
+              <a:rPr sz="1400"/>
+              <a:t>all </a:t>
+            </a:r>
+            <a:r>
+              <a:rPr sz="1400"/>
+              <a:t>the </a:t>
+            </a:r>
+            <a:r>
+              <a:rPr sz="1400"/>
+              <a:t>necessary </a:t>
+            </a:r>
+            <a:r>
+              <a:rPr sz="1400"/>
+              <a:t>resources </a:t>
+            </a:r>
+            <a:r>
+              <a:rPr sz="1400"/>
+              <a:t>and </a:t>
+            </a:r>
+            <a:r>
+              <a:rPr sz="1400"/>
+              <a:t>code </a:t>
+            </a:r>
+            <a:r>
+              <a:rPr sz="1400"/>
+              <a:t>for </a:t>
+            </a:r>
+            <a:r>
+              <a:rPr sz="1400"/>
+              <a:t>the </a:t>
+            </a:r>
+            <a:r>
+              <a:rPr sz="1400"/>
+              <a:t>app </a:t>
+            </a:r>
+            <a:r>
+              <a:rPr sz="1400"/>
+              <a:t>to </a:t>
+            </a:r>
+            <a:r>
+              <a:rPr sz="1400"/>
+              <a:t>run. </a:t>
+            </a:r>
+            <a:r>
+              <a:rPr sz="1400"/>
+              <a:t>The </a:t>
+            </a:r>
+            <a:r>
+              <a:rPr sz="1400"/>
+              <a:t>slide </a:t>
+            </a:r>
+            <a:r>
+              <a:rPr sz="1400"/>
+              <a:t>breaks </a:t>
+            </a:r>
+            <a:r>
+              <a:rPr sz="1400"/>
+              <a:t>down </a:t>
+            </a:r>
+            <a:r>
+              <a:rPr sz="1400"/>
+              <a:t>the </a:t>
+            </a:r>
+            <a:r>
+              <a:rPr sz="1400"/>
+              <a:t>key </a:t>
+            </a:r>
+            <a:r>
+              <a:rPr sz="1400"/>
+              <a:t>components </a:t>
+            </a:r>
+            <a:r>
+              <a:rPr sz="1400"/>
+              <a:t>of </a:t>
+            </a:r>
+            <a:r>
+              <a:rPr sz="1400"/>
+              <a:t>an </a:t>
+            </a:r>
+            <a:r>
+              <a:rPr sz="1400"/>
+              <a:t>APK </a:t>
+            </a:r>
+            <a:r>
+              <a:rPr sz="1400"/>
+              <a:t>file: </a:t>
+            </a:r>
+            <a:r>
+              <a:rPr sz="1400"/>
+              <a:t>the </a:t>
+            </a:r>
+            <a:r>
+              <a:rPr sz="1400"/>
+              <a:t>manifest </a:t>
+            </a:r>
+            <a:r>
+              <a:rPr sz="1400"/>
+              <a:t>file </a:t>
+            </a:r>
+            <a:r>
+              <a:rPr sz="1400"/>
+              <a:t>(`AndroidManifest.xml`), </a:t>
+            </a:r>
+            <a:r>
+              <a:rPr sz="1400"/>
+              <a:t>resources </a:t>
+            </a:r>
+            <a:r>
+              <a:rPr sz="1400"/>
+              <a:t>(`res/`), </a:t>
+            </a:r>
+            <a:r>
+              <a:rPr sz="1400"/>
+              <a:t>assets </a:t>
+            </a:r>
+            <a:r>
+              <a:rPr sz="1400"/>
+              <a:t>(`assets/`), </a:t>
+            </a:r>
+            <a:r>
+              <a:rPr sz="1400"/>
+              <a:t>and </a:t>
+            </a:r>
+            <a:r>
+              <a:rPr sz="1400"/>
+              <a:t>executable </a:t>
+            </a:r>
+            <a:r>
+              <a:rPr sz="1400"/>
+              <a:t>code </a:t>
+            </a:r>
+            <a:r>
+              <a:rPr sz="1400"/>
+              <a:t>(DEX </a:t>
+            </a:r>
+            <a:r>
+              <a:rPr sz="1400"/>
+              <a:t>files). </a:t>
+            </a:r>
+            <a:r>
+              <a:rPr sz="1400"/>
               <a:t>Understanding </a:t>
             </a:r>
             <a:r>
               <a:rPr sz="1400"/>
+              <a:t>this </a:t>
+            </a:r>
+            <a:r>
+              <a:rPr sz="1400"/>
+              <a:t>structure </a:t>
+            </a:r>
+            <a:r>
+              <a:rPr sz="1400"/>
+              <a:t>is </a:t>
+            </a:r>
+            <a:r>
+              <a:rPr sz="1400"/>
+              <a:t>fundamental </a:t>
+            </a:r>
+            <a:r>
+              <a:rPr sz="1400"/>
+              <a:t>for </a:t>
+            </a:r>
+            <a:r>
+              <a:rPr sz="1400"/>
+              <a:t>reverse </a:t>
+            </a:r>
+            <a:r>
+              <a:rPr sz="1400"/>
+              <a:t>engineering </a:t>
+            </a:r>
+            <a:r>
+              <a:rPr sz="1400"/>
+              <a:t>as </a:t>
+            </a:r>
+            <a:r>
+              <a:rPr sz="1400"/>
+              <a:t>it </a:t>
+            </a:r>
+            <a:r>
+              <a:rPr sz="1400"/>
+              <a:t>helps </a:t>
+            </a:r>
+            <a:r>
+              <a:rPr sz="1400"/>
+              <a:t>identify </a:t>
+            </a:r>
+            <a:r>
+              <a:rPr sz="1400"/>
+              <a:t>where </a:t>
+            </a:r>
+            <a:r>
+              <a:rPr sz="1400"/>
+              <a:t>to </a:t>
+            </a:r>
+            <a:r>
+              <a:rPr sz="1400"/>
+              <a:t>look </a:t>
+            </a:r>
+            <a:r>
+              <a:rPr sz="1400"/>
+              <a:t>for </a:t>
+            </a:r>
+            <a:r>
+              <a:rPr sz="1400"/>
+              <a:t>specific </a:t>
+            </a:r>
+            <a:r>
+              <a:rPr sz="1400"/>
+              <a:t>information </a:t>
+            </a:r>
+            <a:r>
+              <a:rPr sz="1400"/>
+              <a:t>or </a:t>
+            </a:r>
+            <a:r>
+              <a:rPr sz="1400"/>
+              <a:t>functionalities </a:t>
+            </a:r>
+            <a:r>
+              <a:rPr sz="1400"/>
+              <a:t>within </a:t>
+            </a:r>
+            <a:r>
+              <a:rPr sz="1400"/>
               <a:t>the </a:t>
             </a:r>
             <a:r>
               <a:rPr sz="1400"/>
-              <a:t>Inner </a:t>
-            </a:r>
-            <a:r>
-              <a:rPr b="1" sz="1400"/>
-              <a:t>Workings: </a:t>
-            </a:r>
-            <a:r>
-              <a:rPr sz="1400"/>
-              <a:t>Reverse </a:t>
-            </a:r>
-            <a:r>
-              <a:rPr sz="1400"/>
-              <a:t>engineering </a:t>
-            </a:r>
-            <a:r>
-              <a:rPr sz="1400"/>
-              <a:t>delves </a:t>
+              <a:t>app. </a:t>
+            </a:r>
+          </a:p>
+        </p:txBody>
+      </p:sp>
+    </p:spTree>
+  </p:cSld>
+  <p:clrMapOvr>
+    <a:masterClrMapping/>
+  </p:clrMapOvr>
+</p:sld>
+</file>
+
+<file path=ppt/slides/slide6.xml><?xml version="1.0" encoding="utf-8"?>
+<p:sld xmlns:a="http://schemas.openxmlformats.org/drawingml/2006/main" xmlns:p="http://schemas.openxmlformats.org/presentationml/2006/main" xmlns:r="http://schemas.openxmlformats.org/officeDocument/2006/relationships">
+  <p:cSld>
+    <p:spTree>
+      <p:nvGrpSpPr>
+        <p:cNvPr id="1" name=""/>
+        <p:cNvGrpSpPr/>
+        <p:nvPr/>
+      </p:nvGrpSpPr>
+      <p:grpSpPr/>
+      <p:sp>
+        <p:nvSpPr>
+          <p:cNvPr id="2" name="Title 1"/>
+          <p:cNvSpPr>
+            <a:spLocks noGrp="1"/>
+          </p:cNvSpPr>
+          <p:nvPr>
+            <p:ph type="title"/>
+          </p:nvPr>
+        </p:nvSpPr>
+        <p:spPr/>
+        <p:txBody>
+          <a:bodyPr/>
+          <a:lstStyle/>
+          <a:p>
+            <a:r>
+              <a:t>Android Manifest </a:t>
+            </a:r>
+          </a:p>
+        </p:txBody>
+      </p:sp>
+      <p:sp>
+        <p:nvSpPr>
+          <p:cNvPr id="3" name="TextBox 2"/>
+          <p:cNvSpPr txBox="1"/>
+          <p:nvPr/>
+        </p:nvSpPr>
+        <p:spPr>
+          <a:xfrm>
+            <a:off x="914400" y="1371600"/>
+            <a:ext cx="7315200" cy="3657600"/>
+          </a:xfrm>
+          <a:prstGeom prst="rect">
+            <a:avLst/>
+          </a:prstGeom>
+          <a:noFill/>
+        </p:spPr>
+        <p:txBody>
+          <a:bodyPr wrap="square">
+            <a:spAutoFit/>
+          </a:bodyPr>
+          <a:lstStyle/>
+          <a:p/>
+          <a:p>
+            <a:r>
+              <a:rPr sz="1400"/>
+              <a:t>This </a:t>
+            </a:r>
+            <a:r>
+              <a:rPr sz="1400"/>
+              <a:t>slide </a:t>
+            </a:r>
+            <a:r>
+              <a:rPr sz="1400"/>
+              <a:t>focuses </a:t>
+            </a:r>
+            <a:r>
+              <a:rPr sz="1400"/>
+              <a:t>on </a:t>
+            </a:r>
+            <a:r>
+              <a:rPr sz="1400"/>
+              <a:t>the </a:t>
+            </a:r>
+            <a:r>
+              <a:rPr sz="1400"/>
+              <a:t>`AndroidManifest.xml` </a:t>
+            </a:r>
+            <a:r>
+              <a:rPr sz="1400"/>
+              <a:t>file, </a:t>
+            </a:r>
+            <a:r>
+              <a:rPr sz="1400"/>
+              <a:t>a </a:t>
+            </a:r>
+            <a:r>
+              <a:rPr sz="1400"/>
+              <a:t>crucial </a:t>
+            </a:r>
+            <a:r>
+              <a:rPr sz="1400"/>
+              <a:t>component </a:t>
+            </a:r>
+            <a:r>
+              <a:rPr sz="1400"/>
+              <a:t>of </a:t>
+            </a:r>
+            <a:r>
+              <a:rPr sz="1400"/>
+              <a:t>any </a:t>
+            </a:r>
+            <a:r>
+              <a:rPr sz="1400"/>
+              <a:t>Android </a:t>
+            </a:r>
+            <a:r>
+              <a:rPr sz="1400"/>
+              <a:t>app. </a:t>
+            </a:r>
+            <a:r>
+              <a:rPr sz="1400"/>
+              <a:t>It </a:t>
+            </a:r>
+            <a:r>
+              <a:rPr sz="1400"/>
+              <a:t>defines </a:t>
+            </a:r>
+            <a:r>
+              <a:rPr sz="1400"/>
+              <a:t>the </a:t>
+            </a:r>
+            <a:r>
+              <a:rPr sz="1400"/>
+              <a:t>app's </a:t>
+            </a:r>
+            <a:r>
+              <a:rPr sz="1400"/>
+              <a:t>structure, </a:t>
+            </a:r>
+            <a:r>
+              <a:rPr sz="1400"/>
+              <a:t>components, </a:t>
+            </a:r>
+            <a:r>
+              <a:rPr sz="1400"/>
+              <a:t>and </a:t>
+            </a:r>
+            <a:r>
+              <a:rPr sz="1400"/>
+              <a:t>metadata. </a:t>
+            </a:r>
+            <a:r>
+              <a:rPr sz="1400"/>
+              <a:t>Key </a:t>
+            </a:r>
+            <a:r>
+              <a:rPr sz="1400"/>
+              <a:t>elements </a:t>
+            </a:r>
+            <a:r>
+              <a:rPr sz="1400"/>
+              <a:t>within </a:t>
+            </a:r>
+            <a:r>
+              <a:rPr sz="1400"/>
+              <a:t>the </a:t>
+            </a:r>
+            <a:r>
+              <a:rPr sz="1400"/>
+              <a:t>manifest </a:t>
+            </a:r>
+            <a:r>
+              <a:rPr sz="1400"/>
+              <a:t>include </a:t>
+            </a:r>
+            <a:r>
+              <a:rPr sz="1400"/>
+              <a:t>declarations </a:t>
+            </a:r>
+            <a:r>
+              <a:rPr sz="1400"/>
+              <a:t>for </a:t>
+            </a:r>
+            <a:r>
+              <a:rPr sz="1400"/>
+              <a:t>activities, </a:t>
+            </a:r>
+            <a:r>
+              <a:rPr sz="1400"/>
+              <a:t>services, </a:t>
+            </a:r>
+            <a:r>
+              <a:rPr sz="1400"/>
+              <a:t>content </a:t>
+            </a:r>
+            <a:r>
+              <a:rPr sz="1400"/>
+              <a:t>providers, </a:t>
+            </a:r>
+            <a:r>
+              <a:rPr sz="1400"/>
+              <a:t>and </a:t>
+            </a:r>
+            <a:r>
+              <a:rPr sz="1400"/>
+              <a:t>broadcast </a:t>
+            </a:r>
+            <a:r>
+              <a:rPr sz="1400"/>
+              <a:t>receivers. </a:t>
+            </a:r>
+            <a:r>
+              <a:rPr sz="1400"/>
+              <a:t>Additionally, </a:t>
+            </a:r>
+            <a:r>
+              <a:rPr sz="1400"/>
+              <a:t>the </a:t>
+            </a:r>
+            <a:r>
+              <a:rPr sz="1400"/>
+              <a:t>manifest </a:t>
+            </a:r>
+            <a:r>
+              <a:rPr sz="1400"/>
+              <a:t>specifies </a:t>
+            </a:r>
+            <a:r>
+              <a:rPr sz="1400"/>
+              <a:t>intent </a:t>
+            </a:r>
+            <a:r>
+              <a:rPr sz="1400"/>
+              <a:t>filters </a:t>
+            </a:r>
+            <a:r>
+              <a:rPr sz="1400"/>
+              <a:t>(which </a:t>
+            </a:r>
+            <a:r>
+              <a:rPr sz="1400"/>
+              <a:t>determine </a:t>
+            </a:r>
+            <a:r>
+              <a:rPr sz="1400"/>
+              <a:t>how </a:t>
+            </a:r>
+            <a:r>
+              <a:rPr sz="1400"/>
+              <a:t>activities </a:t>
+            </a:r>
+            <a:r>
+              <a:rPr sz="1400"/>
+              <a:t>respond </a:t>
+            </a:r>
+            <a:r>
+              <a:rPr sz="1400"/>
+              <a:t>to </a:t>
+            </a:r>
+            <a:r>
+              <a:rPr sz="1400"/>
+              <a:t>different </a:t>
+            </a:r>
+            <a:r>
+              <a:rPr sz="1400"/>
+              <a:t>actions) </a:t>
+            </a:r>
+            <a:r>
+              <a:rPr sz="1400"/>
+              <a:t>and </a:t>
+            </a:r>
+            <a:r>
+              <a:rPr sz="1400"/>
+              <a:t>permissions </a:t>
+            </a:r>
+            <a:r>
+              <a:rPr sz="1400"/>
+              <a:t>required </a:t>
+            </a:r>
+            <a:r>
+              <a:rPr sz="1400"/>
+              <a:t>by </a:t>
+            </a:r>
+            <a:r>
+              <a:rPr sz="1400"/>
+              <a:t>the </a:t>
+            </a:r>
+            <a:r>
+              <a:rPr sz="1400"/>
+              <a:t>app. </a:t>
+            </a:r>
+            <a:r>
+              <a:rPr sz="1400"/>
+              <a:t>Analyzing </a:t>
+            </a:r>
+            <a:r>
+              <a:rPr sz="1400"/>
+              <a:t>the </a:t>
+            </a:r>
+            <a:r>
+              <a:rPr sz="1400"/>
+              <a:t>manifest </a:t>
+            </a:r>
+            <a:r>
+              <a:rPr sz="1400"/>
+              <a:t>is </a:t>
+            </a:r>
+            <a:r>
+              <a:rPr sz="1400"/>
+              <a:t>often </a:t>
+            </a:r>
+            <a:r>
+              <a:rPr sz="1400"/>
+              <a:t>the </a:t>
+            </a:r>
+            <a:r>
+              <a:rPr sz="1400"/>
+              <a:t>first </a:t>
+            </a:r>
+            <a:r>
+              <a:rPr sz="1400"/>
+              <a:t>step </a:t>
+            </a:r>
+            <a:r>
+              <a:rPr sz="1400"/>
+              <a:t>in </a:t>
+            </a:r>
+            <a:r>
+              <a:rPr sz="1400"/>
+              <a:t>understanding </a:t>
+            </a:r>
+            <a:r>
+              <a:rPr sz="1400"/>
+              <a:t>an </a:t>
+            </a:r>
+            <a:r>
+              <a:rPr sz="1400"/>
+              <a:t>app's </a:t>
+            </a:r>
+            <a:r>
+              <a:rPr sz="1400"/>
+              <a:t>capabilities </a:t>
+            </a:r>
+            <a:r>
+              <a:rPr sz="1400"/>
+              <a:t>and </a:t>
+            </a:r>
+            <a:r>
+              <a:rPr sz="1400"/>
+              <a:t>potential </a:t>
+            </a:r>
+            <a:r>
+              <a:rPr sz="1400"/>
+              <a:t>security </a:t>
+            </a:r>
+            <a:r>
+              <a:rPr sz="1400"/>
+              <a:t>risks. </a:t>
+            </a:r>
+          </a:p>
+        </p:txBody>
+      </p:sp>
+    </p:spTree>
+  </p:cSld>
+  <p:clrMapOvr>
+    <a:masterClrMapping/>
+  </p:clrMapOvr>
+</p:sld>
+</file>
+
+<file path=ppt/slides/slide7.xml><?xml version="1.0" encoding="utf-8"?>
+<p:sld xmlns:a="http://schemas.openxmlformats.org/drawingml/2006/main" xmlns:p="http://schemas.openxmlformats.org/presentationml/2006/main" xmlns:r="http://schemas.openxmlformats.org/officeDocument/2006/relationships">
+  <p:cSld>
+    <p:spTree>
+      <p:nvGrpSpPr>
+        <p:cNvPr id="1" name=""/>
+        <p:cNvGrpSpPr/>
+        <p:nvPr/>
+      </p:nvGrpSpPr>
+      <p:grpSpPr/>
+      <p:sp>
+        <p:nvSpPr>
+          <p:cNvPr id="2" name="Title 1"/>
+          <p:cNvSpPr>
+            <a:spLocks noGrp="1"/>
+          </p:cNvSpPr>
+          <p:nvPr>
+            <p:ph type="title"/>
+          </p:nvPr>
+        </p:nvSpPr>
+        <p:spPr/>
+        <p:txBody>
+          <a:bodyPr/>
+          <a:lstStyle/>
+          <a:p>
+            <a:r>
+              <a:t>Android Manifest components </a:t>
+            </a:r>
+          </a:p>
+        </p:txBody>
+      </p:sp>
+      <p:sp>
+        <p:nvSpPr>
+          <p:cNvPr id="3" name="TextBox 2"/>
+          <p:cNvSpPr txBox="1"/>
+          <p:nvPr/>
+        </p:nvSpPr>
+        <p:spPr>
+          <a:xfrm>
+            <a:off x="914400" y="1371600"/>
+            <a:ext cx="7315200" cy="3657600"/>
+          </a:xfrm>
+          <a:prstGeom prst="rect">
+            <a:avLst/>
+          </a:prstGeom>
+          <a:noFill/>
+        </p:spPr>
+        <p:txBody>
+          <a:bodyPr wrap="square">
+            <a:spAutoFit/>
+          </a:bodyPr>
+          <a:lstStyle/>
+          <a:p/>
+          <a:p>
+            <a:r>
+              <a:rPr sz="1400"/>
+              <a:t>This </a:t>
+            </a:r>
+            <a:r>
+              <a:rPr sz="1400"/>
+              <a:t>slide </a:t>
+            </a:r>
+            <a:r>
+              <a:rPr sz="1400"/>
+              <a:t>dives </a:t>
+            </a:r>
+            <a:r>
+              <a:rPr sz="1400"/>
+              <a:t>deeper </a:t>
             </a:r>
             <a:r>
               <a:rPr sz="1400"/>
@@ -3170,11 +7420,765 @@
             </a:r>
             <a:r>
               <a:rPr sz="1400"/>
+              <a:t>specific </a:t>
+            </a:r>
+            <a:r>
+              <a:rPr sz="1400"/>
+              <a:t>elements </a:t>
+            </a:r>
+            <a:r>
+              <a:rPr sz="1400"/>
+              <a:t>within </a:t>
+            </a:r>
+            <a:r>
+              <a:rPr sz="1400"/>
               <a:t>the </a:t>
             </a:r>
             <a:r>
               <a:rPr sz="1400"/>
-              <a:t>core </a:t>
+              <a:t>`AndroidManifest.xml` </a:t>
+            </a:r>
+            <a:r>
+              <a:rPr sz="1400"/>
+              <a:t>file. </a:t>
+            </a:r>
+            <a:r>
+              <a:rPr sz="1400"/>
+              <a:t>It </a:t>
+            </a:r>
+            <a:r>
+              <a:rPr sz="1400"/>
+              <a:t>explains </a:t>
+            </a:r>
+            <a:r>
+              <a:rPr sz="1400"/>
+              <a:t>the </a:t>
+            </a:r>
+            <a:r>
+              <a:rPr sz="1400"/>
+              <a:t>`manifest` </a:t>
+            </a:r>
+            <a:r>
+              <a:rPr sz="1400"/>
+              <a:t>tag, </a:t>
+            </a:r>
+            <a:r>
+              <a:rPr sz="1400"/>
+              <a:t>which </a:t>
+            </a:r>
+            <a:r>
+              <a:rPr sz="1400"/>
+              <a:t>describes </a:t>
+            </a:r>
+            <a:r>
+              <a:rPr sz="1400"/>
+              <a:t>the </a:t>
+            </a:r>
+            <a:r>
+              <a:rPr sz="1400"/>
+              <a:t>application </a:t>
+            </a:r>
+            <a:r>
+              <a:rPr sz="1400"/>
+              <a:t>package </a:t>
+            </a:r>
+            <a:r>
+              <a:rPr sz="1400"/>
+              <a:t>and </a:t>
+            </a:r>
+            <a:r>
+              <a:rPr sz="1400"/>
+              <a:t>includes </a:t>
+            </a:r>
+            <a:r>
+              <a:rPr sz="1400"/>
+              <a:t>namespaces </a:t>
+            </a:r>
+            <a:r>
+              <a:rPr sz="1400"/>
+              <a:t>for </a:t>
+            </a:r>
+            <a:r>
+              <a:rPr sz="1400"/>
+              <a:t>Android </a:t>
+            </a:r>
+            <a:r>
+              <a:rPr sz="1400"/>
+              <a:t>and </a:t>
+            </a:r>
+            <a:r>
+              <a:rPr sz="1400"/>
+              <a:t>tools. </a:t>
+            </a:r>
+            <a:r>
+              <a:rPr sz="1400"/>
+              <a:t>The </a:t>
+            </a:r>
+            <a:r>
+              <a:rPr sz="1400"/>
+              <a:t>`uses-sdk` </a:t>
+            </a:r>
+            <a:r>
+              <a:rPr sz="1400"/>
+              <a:t>tag </a:t>
+            </a:r>
+            <a:r>
+              <a:rPr sz="1400"/>
+              <a:t>specifies </a:t>
+            </a:r>
+            <a:r>
+              <a:rPr sz="1400"/>
+              <a:t>the </a:t>
+            </a:r>
+            <a:r>
+              <a:rPr sz="1400"/>
+              <a:t>minimum </a:t>
+            </a:r>
+            <a:r>
+              <a:rPr sz="1400"/>
+              <a:t>and </a:t>
+            </a:r>
+            <a:r>
+              <a:rPr sz="1400"/>
+              <a:t>maximum </a:t>
+            </a:r>
+            <a:r>
+              <a:rPr sz="1400"/>
+              <a:t>SDK </a:t>
+            </a:r>
+            <a:r>
+              <a:rPr sz="1400"/>
+              <a:t>versions </a:t>
+            </a:r>
+            <a:r>
+              <a:rPr sz="1400"/>
+              <a:t>supported </a:t>
+            </a:r>
+            <a:r>
+              <a:rPr sz="1400"/>
+              <a:t>by </a:t>
+            </a:r>
+            <a:r>
+              <a:rPr sz="1400"/>
+              <a:t>the </a:t>
+            </a:r>
+            <a:r>
+              <a:rPr sz="1400"/>
+              <a:t>app, </a:t>
+            </a:r>
+            <a:r>
+              <a:rPr sz="1400"/>
+              <a:t>ensuring </a:t>
+            </a:r>
+            <a:r>
+              <a:rPr sz="1400"/>
+              <a:t>compatibility </a:t>
+            </a:r>
+            <a:r>
+              <a:rPr sz="1400"/>
+              <a:t>with </a:t>
+            </a:r>
+            <a:r>
+              <a:rPr sz="1400"/>
+              <a:t>different </a:t>
+            </a:r>
+            <a:r>
+              <a:rPr sz="1400"/>
+              <a:t>Android </a:t>
+            </a:r>
+            <a:r>
+              <a:rPr sz="1400"/>
+              <a:t>versions. </a:t>
+            </a:r>
+            <a:r>
+              <a:rPr sz="1400"/>
+              <a:t>Lastly, </a:t>
+            </a:r>
+            <a:r>
+              <a:rPr sz="1400"/>
+              <a:t>the </a:t>
+            </a:r>
+            <a:r>
+              <a:rPr sz="1400"/>
+              <a:t>`uses-permission` </a:t>
+            </a:r>
+            <a:r>
+              <a:rPr sz="1400"/>
+              <a:t>tag </a:t>
+            </a:r>
+            <a:r>
+              <a:rPr sz="1400"/>
+              <a:t>defines </a:t>
+            </a:r>
+            <a:r>
+              <a:rPr sz="1400"/>
+              <a:t>permissions </a:t>
+            </a:r>
+            <a:r>
+              <a:rPr sz="1400"/>
+              <a:t>the </a:t>
+            </a:r>
+            <a:r>
+              <a:rPr sz="1400"/>
+              <a:t>app </a:t>
+            </a:r>
+            <a:r>
+              <a:rPr sz="1400"/>
+              <a:t>needs </a:t>
+            </a:r>
+            <a:r>
+              <a:rPr sz="1400"/>
+              <a:t>to </a:t>
+            </a:r>
+            <a:r>
+              <a:rPr sz="1400"/>
+              <a:t>access </a:t>
+            </a:r>
+            <a:r>
+              <a:rPr sz="1400"/>
+              <a:t>certain </a:t>
+            </a:r>
+            <a:r>
+              <a:rPr sz="1400"/>
+              <a:t>functionalities </a:t>
+            </a:r>
+            <a:r>
+              <a:rPr sz="1400"/>
+              <a:t>or </a:t>
+            </a:r>
+            <a:r>
+              <a:rPr sz="1400"/>
+              <a:t>data. </a:t>
+            </a:r>
+            <a:r>
+              <a:rPr sz="1400"/>
+              <a:t>Understanding </a:t>
+            </a:r>
+            <a:r>
+              <a:rPr sz="1400"/>
+              <a:t>these </a:t>
+            </a:r>
+            <a:r>
+              <a:rPr sz="1400"/>
+              <a:t>permissions </a:t>
+            </a:r>
+            <a:r>
+              <a:rPr sz="1400"/>
+              <a:t>is </a:t>
+            </a:r>
+            <a:r>
+              <a:rPr sz="1400"/>
+              <a:t>crucial </a:t>
+            </a:r>
+            <a:r>
+              <a:rPr sz="1400"/>
+              <a:t>for </a:t>
+            </a:r>
+            <a:r>
+              <a:rPr sz="1400"/>
+              <a:t>identifying </a:t>
+            </a:r>
+            <a:r>
+              <a:rPr sz="1400"/>
+              <a:t>potential </a:t>
+            </a:r>
+            <a:r>
+              <a:rPr sz="1400"/>
+              <a:t>security </a:t>
+            </a:r>
+            <a:r>
+              <a:rPr sz="1400"/>
+              <a:t>concerns. </a:t>
+            </a:r>
+          </a:p>
+        </p:txBody>
+      </p:sp>
+    </p:spTree>
+  </p:cSld>
+  <p:clrMapOvr>
+    <a:masterClrMapping/>
+  </p:clrMapOvr>
+</p:sld>
+</file>
+
+<file path=ppt/slides/slide8.xml><?xml version="1.0" encoding="utf-8"?>
+<p:sld xmlns:a="http://schemas.openxmlformats.org/drawingml/2006/main" xmlns:p="http://schemas.openxmlformats.org/presentationml/2006/main" xmlns:r="http://schemas.openxmlformats.org/officeDocument/2006/relationships">
+  <p:cSld>
+    <p:spTree>
+      <p:nvGrpSpPr>
+        <p:cNvPr id="1" name=""/>
+        <p:cNvGrpSpPr/>
+        <p:nvPr/>
+      </p:nvGrpSpPr>
+      <p:grpSpPr/>
+      <p:sp>
+        <p:nvSpPr>
+          <p:cNvPr id="2" name="Title 1"/>
+          <p:cNvSpPr>
+            <a:spLocks noGrp="1"/>
+          </p:cNvSpPr>
+          <p:nvPr>
+            <p:ph type="title"/>
+          </p:nvPr>
+        </p:nvSpPr>
+        <p:spPr/>
+        <p:txBody>
+          <a:bodyPr/>
+          <a:lstStyle/>
+          <a:p>
+            <a:r>
+              <a:t>Android Manifest components </a:t>
+            </a:r>
+          </a:p>
+        </p:txBody>
+      </p:sp>
+      <p:sp>
+        <p:nvSpPr>
+          <p:cNvPr id="3" name="TextBox 2"/>
+          <p:cNvSpPr txBox="1"/>
+          <p:nvPr/>
+        </p:nvSpPr>
+        <p:spPr>
+          <a:xfrm>
+            <a:off x="914400" y="1371600"/>
+            <a:ext cx="7315200" cy="3657600"/>
+          </a:xfrm>
+          <a:prstGeom prst="rect">
+            <a:avLst/>
+          </a:prstGeom>
+          <a:noFill/>
+        </p:spPr>
+        <p:txBody>
+          <a:bodyPr wrap="square">
+            <a:spAutoFit/>
+          </a:bodyPr>
+          <a:lstStyle/>
+          <a:p/>
+          <a:p>
+            <a:r>
+              <a:rPr sz="1400"/>
+              <a:t>This </a:t>
+            </a:r>
+            <a:r>
+              <a:rPr sz="1400"/>
+              <a:t>slide </a:t>
+            </a:r>
+            <a:r>
+              <a:rPr sz="1400"/>
+              <a:t>continues </a:t>
+            </a:r>
+            <a:r>
+              <a:rPr sz="1400"/>
+              <a:t>exploring </a:t>
+            </a:r>
+            <a:r>
+              <a:rPr sz="1400"/>
+              <a:t>the </a:t>
+            </a:r>
+            <a:r>
+              <a:rPr sz="1400"/>
+              <a:t>`AndroidManifest.xml` </a:t>
+            </a:r>
+            <a:r>
+              <a:rPr sz="1400"/>
+              <a:t>file, </a:t>
+            </a:r>
+            <a:r>
+              <a:rPr sz="1400"/>
+              <a:t>focusing </a:t>
+            </a:r>
+            <a:r>
+              <a:rPr sz="1400"/>
+              <a:t>on </a:t>
+            </a:r>
+            <a:r>
+              <a:rPr sz="1400"/>
+              <a:t>the </a:t>
+            </a:r>
+            <a:r>
+              <a:rPr sz="1400"/>
+              <a:t>`application` </a:t>
+            </a:r>
+            <a:r>
+              <a:rPr sz="1400"/>
+              <a:t>tag. </a:t>
+            </a:r>
+            <a:r>
+              <a:rPr sz="1400"/>
+              <a:t>This </a:t>
+            </a:r>
+            <a:r>
+              <a:rPr sz="1400"/>
+              <a:t>tag </a:t>
+            </a:r>
+            <a:r>
+              <a:rPr sz="1400"/>
+              <a:t>provides </a:t>
+            </a:r>
+            <a:r>
+              <a:rPr sz="1400"/>
+              <a:t>metadata </a:t>
+            </a:r>
+            <a:r>
+              <a:rPr sz="1400"/>
+              <a:t>about </a:t>
+            </a:r>
+            <a:r>
+              <a:rPr sz="1400"/>
+              <a:t>the </a:t>
+            </a:r>
+            <a:r>
+              <a:rPr sz="1400"/>
+              <a:t>application </a:t>
+            </a:r>
+            <a:r>
+              <a:rPr sz="1400"/>
+              <a:t>itself, </a:t>
+            </a:r>
+            <a:r>
+              <a:rPr sz="1400"/>
+              <a:t>including </a:t>
+            </a:r>
+            <a:r>
+              <a:rPr sz="1400"/>
+              <a:t>its </a:t>
+            </a:r>
+            <a:r>
+              <a:rPr sz="1400"/>
+              <a:t>name, </a:t>
+            </a:r>
+            <a:r>
+              <a:rPr sz="1400"/>
+              <a:t>icon, </a:t>
+            </a:r>
+            <a:r>
+              <a:rPr sz="1400"/>
+              <a:t>theme, </a:t>
+            </a:r>
+            <a:r>
+              <a:rPr sz="1400"/>
+              <a:t>and </a:t>
+            </a:r>
+            <a:r>
+              <a:rPr sz="1400"/>
+              <a:t>backup </a:t>
+            </a:r>
+            <a:r>
+              <a:rPr sz="1400"/>
+              <a:t>settings. </a:t>
+            </a:r>
+            <a:r>
+              <a:rPr sz="1400"/>
+              <a:t>Additionally, </a:t>
+            </a:r>
+            <a:r>
+              <a:rPr sz="1400"/>
+              <a:t>it </a:t>
+            </a:r>
+            <a:r>
+              <a:rPr sz="1400"/>
+              <a:t>can </a:t>
+            </a:r>
+            <a:r>
+              <a:rPr sz="1400"/>
+              <a:t>specify </a:t>
+            </a:r>
+            <a:r>
+              <a:rPr sz="1400"/>
+              <a:t>whether </a:t>
+            </a:r>
+            <a:r>
+              <a:rPr sz="1400"/>
+              <a:t>the </a:t>
+            </a:r>
+            <a:r>
+              <a:rPr sz="1400"/>
+              <a:t>app </a:t>
+            </a:r>
+            <a:r>
+              <a:rPr sz="1400"/>
+              <a:t>is </a:t>
+            </a:r>
+            <a:r>
+              <a:rPr sz="1400"/>
+              <a:t>debuggable, </a:t>
+            </a:r>
+            <a:r>
+              <a:rPr sz="1400"/>
+              <a:t>which </a:t>
+            </a:r>
+            <a:r>
+              <a:rPr sz="1400"/>
+              <a:t>can </a:t>
+            </a:r>
+            <a:r>
+              <a:rPr sz="1400"/>
+              <a:t>be </a:t>
+            </a:r>
+            <a:r>
+              <a:rPr sz="1400"/>
+              <a:t>helpful </a:t>
+            </a:r>
+            <a:r>
+              <a:rPr sz="1400"/>
+              <a:t>for </a:t>
+            </a:r>
+            <a:r>
+              <a:rPr sz="1400"/>
+              <a:t>developers </a:t>
+            </a:r>
+            <a:r>
+              <a:rPr sz="1400"/>
+              <a:t>but </a:t>
+            </a:r>
+            <a:r>
+              <a:rPr sz="1400"/>
+              <a:t>also </a:t>
+            </a:r>
+            <a:r>
+              <a:rPr sz="1400"/>
+              <a:t>a </a:t>
+            </a:r>
+            <a:r>
+              <a:rPr sz="1400"/>
+              <a:t>potential </a:t>
+            </a:r>
+            <a:r>
+              <a:rPr sz="1400"/>
+              <a:t>security </a:t>
+            </a:r>
+            <a:r>
+              <a:rPr sz="1400"/>
+              <a:t>risk </a:t>
+            </a:r>
+            <a:r>
+              <a:rPr sz="1400"/>
+              <a:t>if </a:t>
+            </a:r>
+            <a:r>
+              <a:rPr sz="1400"/>
+              <a:t>enabled </a:t>
+            </a:r>
+            <a:r>
+              <a:rPr sz="1400"/>
+              <a:t>in </a:t>
+            </a:r>
+            <a:r>
+              <a:rPr sz="1400"/>
+              <a:t>production </a:t>
+            </a:r>
+            <a:r>
+              <a:rPr sz="1400"/>
+              <a:t>builds. </a:t>
+            </a:r>
+          </a:p>
+        </p:txBody>
+      </p:sp>
+    </p:spTree>
+  </p:cSld>
+  <p:clrMapOvr>
+    <a:masterClrMapping/>
+  </p:clrMapOvr>
+</p:sld>
+</file>
+
+<file path=ppt/slides/slide9.xml><?xml version="1.0" encoding="utf-8"?>
+<p:sld xmlns:a="http://schemas.openxmlformats.org/drawingml/2006/main" xmlns:p="http://schemas.openxmlformats.org/presentationml/2006/main" xmlns:r="http://schemas.openxmlformats.org/officeDocument/2006/relationships">
+  <p:cSld>
+    <p:spTree>
+      <p:nvGrpSpPr>
+        <p:cNvPr id="1" name=""/>
+        <p:cNvGrpSpPr/>
+        <p:nvPr/>
+      </p:nvGrpSpPr>
+      <p:grpSpPr/>
+      <p:sp>
+        <p:nvSpPr>
+          <p:cNvPr id="2" name="Title 1"/>
+          <p:cNvSpPr>
+            <a:spLocks noGrp="1"/>
+          </p:cNvSpPr>
+          <p:nvPr>
+            <p:ph type="title"/>
+          </p:nvPr>
+        </p:nvSpPr>
+        <p:spPr/>
+        <p:txBody>
+          <a:bodyPr/>
+          <a:lstStyle/>
+          <a:p>
+            <a:r>
+              <a:t>Android Manifest components </a:t>
+            </a:r>
+          </a:p>
+        </p:txBody>
+      </p:sp>
+      <p:sp>
+        <p:nvSpPr>
+          <p:cNvPr id="3" name="TextBox 2"/>
+          <p:cNvSpPr txBox="1"/>
+          <p:nvPr/>
+        </p:nvSpPr>
+        <p:spPr>
+          <a:xfrm>
+            <a:off x="914400" y="1371600"/>
+            <a:ext cx="7315200" cy="3657600"/>
+          </a:xfrm>
+          <a:prstGeom prst="rect">
+            <a:avLst/>
+          </a:prstGeom>
+          <a:noFill/>
+        </p:spPr>
+        <p:txBody>
+          <a:bodyPr wrap="square">
+            <a:spAutoFit/>
+          </a:bodyPr>
+          <a:lstStyle/>
+          <a:p/>
+          <a:p>
+            <a:r>
+              <a:rPr sz="1400"/>
+              <a:t>This </a:t>
+            </a:r>
+            <a:r>
+              <a:rPr sz="1400"/>
+              <a:t>slide </a:t>
+            </a:r>
+            <a:r>
+              <a:rPr sz="1400"/>
+              <a:t>explains </a:t>
+            </a:r>
+            <a:r>
+              <a:rPr sz="1400"/>
+              <a:t>the </a:t>
+            </a:r>
+            <a:r>
+              <a:rPr sz="1400"/>
+              <a:t>`activity` </a:t>
+            </a:r>
+            <a:r>
+              <a:rPr sz="1400"/>
+              <a:t>tag </a:t>
+            </a:r>
+            <a:r>
+              <a:rPr sz="1400"/>
+              <a:t>within </a:t>
+            </a:r>
+            <a:r>
+              <a:rPr sz="1400"/>
+              <a:t>the </a:t>
+            </a:r>
+            <a:r>
+              <a:rPr sz="1400"/>
+              <a:t>manifest, </a:t>
+            </a:r>
+            <a:r>
+              <a:rPr sz="1400"/>
+              <a:t>which </a:t>
+            </a:r>
+            <a:r>
+              <a:rPr sz="1400"/>
+              <a:t>declares </a:t>
+            </a:r>
+            <a:r>
+              <a:rPr sz="1400"/>
+              <a:t>activities—the </a:t>
+            </a:r>
+            <a:r>
+              <a:rPr sz="1400"/>
+              <a:t>individual </a:t>
+            </a:r>
+            <a:r>
+              <a:rPr sz="1400"/>
+              <a:t>screens </a:t>
+            </a:r>
+            <a:r>
+              <a:rPr sz="1400"/>
+              <a:t>or </a:t>
+            </a:r>
+            <a:r>
+              <a:rPr sz="1400"/>
+              <a:t>UIs </a:t>
+            </a:r>
+            <a:r>
+              <a:rPr sz="1400"/>
+              <a:t>within </a:t>
+            </a:r>
+            <a:r>
+              <a:rPr sz="1400"/>
+              <a:t>an </a:t>
+            </a:r>
+            <a:r>
+              <a:rPr sz="1400"/>
+              <a:t>app. </a:t>
+            </a:r>
+            <a:r>
+              <a:rPr sz="1400"/>
+              <a:t>Activities </a:t>
+            </a:r>
+            <a:r>
+              <a:rPr sz="1400"/>
+              <a:t>that </a:t>
+            </a:r>
+            <a:r>
+              <a:rPr sz="1400"/>
+              <a:t>are </a:t>
+            </a:r>
+            <a:r>
+              <a:rPr sz="1400"/>
+              <a:t>not </a:t>
+            </a:r>
+            <a:r>
+              <a:rPr sz="1400"/>
+              <a:t>declared </a:t>
+            </a:r>
+            <a:r>
+              <a:rPr sz="1400"/>
+              <a:t>in </a:t>
+            </a:r>
+            <a:r>
+              <a:rPr sz="1400"/>
+              <a:t>the </a:t>
+            </a:r>
+            <a:r>
+              <a:rPr sz="1400"/>
+              <a:t>manifest </a:t>
+            </a:r>
+            <a:r>
+              <a:rPr sz="1400"/>
+              <a:t>cannot </a:t>
+            </a:r>
+            <a:r>
+              <a:rPr sz="1400"/>
+              <a:t>be </a:t>
+            </a:r>
+            <a:r>
+              <a:rPr sz="1400"/>
+              <a:t>launched. </a:t>
+            </a:r>
+            <a:r>
+              <a:rPr sz="1400"/>
+              <a:t>The </a:t>
+            </a:r>
+            <a:r>
+              <a:rPr sz="1400"/>
+              <a:t>slide </a:t>
+            </a:r>
+            <a:r>
+              <a:rPr sz="1400"/>
+              <a:t>also </a:t>
+            </a:r>
+            <a:r>
+              <a:rPr sz="1400"/>
+              <a:t>introduces </a:t>
+            </a:r>
+            <a:r>
+              <a:rPr sz="1400"/>
+              <a:t>the </a:t>
+            </a:r>
+            <a:r>
+              <a:rPr sz="1400"/>
+              <a:t>concept </a:t>
             </a:r>
             <a:r>
               <a:rPr sz="1400"/>
@@ -3182,27 +8186,111 @@
             </a:r>
             <a:r>
               <a:rPr sz="1400"/>
+              <a:t>`intent-filters`. </a:t>
+            </a:r>
+            <a:r>
+              <a:rPr sz="1400"/>
+              <a:t>These </a:t>
+            </a:r>
+            <a:r>
+              <a:rPr sz="1400"/>
+              <a:t>filters </a:t>
+            </a:r>
+            <a:r>
+              <a:rPr sz="1400"/>
+              <a:t>determine </a:t>
+            </a:r>
+            <a:r>
+              <a:rPr sz="1400"/>
+              <a:t>how </a:t>
+            </a:r>
+            <a:r>
+              <a:rPr sz="1400"/>
+              <a:t>an </a:t>
+            </a:r>
+            <a:r>
+              <a:rPr sz="1400"/>
+              <a:t>activity, </a:t>
+            </a:r>
+            <a:r>
+              <a:rPr sz="1400"/>
+              <a:t>service, </a:t>
+            </a:r>
+            <a:r>
+              <a:rPr sz="1400"/>
+              <a:t>or </a:t>
+            </a:r>
+            <a:r>
+              <a:rPr sz="1400"/>
+              <a:t>broadcast </a:t>
+            </a:r>
+            <a:r>
+              <a:rPr sz="1400"/>
+              <a:t>receiver </a:t>
+            </a:r>
+            <a:r>
+              <a:rPr sz="1400"/>
+              <a:t>responds </a:t>
+            </a:r>
+            <a:r>
+              <a:rPr sz="1400"/>
+              <a:t>to </a:t>
+            </a:r>
+            <a:r>
+              <a:rPr sz="1400"/>
+              <a:t>different </a:t>
+            </a:r>
+            <a:r>
+              <a:rPr sz="1400"/>
+              <a:t>intents </a:t>
+            </a:r>
+            <a:r>
+              <a:rPr sz="1400"/>
+              <a:t>(messages </a:t>
+            </a:r>
+            <a:r>
+              <a:rPr sz="1400"/>
+              <a:t>or </a:t>
+            </a:r>
+            <a:r>
+              <a:rPr sz="1400"/>
+              <a:t>actions) </a:t>
+            </a:r>
+            <a:r>
+              <a:rPr sz="1400"/>
+              <a:t>within </a:t>
+            </a:r>
+            <a:r>
+              <a:rPr sz="1400"/>
+              <a:t>the </a:t>
+            </a:r>
+            <a:r>
+              <a:rPr sz="1400"/>
               <a:t>Android </a:t>
             </a:r>
             <a:r>
               <a:rPr sz="1400"/>
-              <a:t>applications, </a:t>
-            </a:r>
-            <a:r>
-              <a:rPr sz="1400"/>
-              <a:t>dissecting </a:t>
-            </a:r>
-            <a:r>
-              <a:rPr sz="1400"/>
-              <a:t>their </a:t>
-            </a:r>
-            <a:r>
-              <a:rPr sz="1400"/>
-              <a:t>functionality, </a:t>
-            </a:r>
-            <a:r>
-              <a:rPr sz="1400"/>
-              <a:t>architecture, </a:t>
+              <a:t>system. </a:t>
+            </a:r>
+            <a:r>
+              <a:rPr sz="1400"/>
+              <a:t>For </a:t>
+            </a:r>
+            <a:r>
+              <a:rPr sz="1400"/>
+              <a:t>example, </a:t>
+            </a:r>
+            <a:r>
+              <a:rPr sz="1400"/>
+              <a:t>the </a:t>
+            </a:r>
+            <a:r>
+              <a:rPr sz="1400"/>
+              <a:t>`MAIN` </a:t>
+            </a:r>
+            <a:r>
+              <a:rPr sz="1400"/>
+              <a:t>action </a:t>
             </a:r>
             <a:r>
               <a:rPr sz="1400"/>
@@ -3210,27 +8298,31 @@
             </a:r>
             <a:r>
               <a:rPr sz="1400"/>
-              <a:t>underlying </a:t>
-            </a:r>
-            <a:r>
-              <a:rPr sz="1400"/>
-              <a:t>code. </a:t>
-            </a:r>
-            <a:r>
-              <a:rPr sz="1400"/>
-              <a:t>It's </a:t>
-            </a:r>
-            <a:r>
-              <a:rPr sz="1400"/>
-              <a:t>like </a:t>
-            </a:r>
-            <a:r>
-              <a:rPr sz="1400"/>
-              <a:t>peeling </a:t>
-            </a:r>
-            <a:r>
-              <a:rPr sz="1400"/>
-              <a:t>back </a:t>
+              <a:t>`LAUNCHER` </a:t>
+            </a:r>
+            <a:r>
+              <a:rPr sz="1400"/>
+              <a:t>category </a:t>
+            </a:r>
+            <a:r>
+              <a:rPr sz="1400"/>
+              <a:t>within </a:t>
+            </a:r>
+            <a:r>
+              <a:rPr sz="1400"/>
+              <a:t>an </a:t>
+            </a:r>
+            <a:r>
+              <a:rPr sz="1400"/>
+              <a:t>intent-filter </a:t>
+            </a:r>
+            <a:r>
+              <a:rPr sz="1400"/>
+              <a:t>indicate </a:t>
+            </a:r>
+            <a:r>
+              <a:rPr sz="1400"/>
+              <a:t>that </a:t>
             </a:r>
             <a:r>
               <a:rPr sz="1400"/>
@@ -3238,47 +8330,23 @@
             </a:r>
             <a:r>
               <a:rPr sz="1400"/>
-              <a:t>layers </a:t>
-            </a:r>
-            <a:r>
-              <a:rPr sz="1400"/>
-              <a:t>of </a:t>
-            </a:r>
-            <a:r>
-              <a:rPr sz="1400"/>
-              <a:t>an </a:t>
-            </a:r>
-            <a:r>
-              <a:rPr sz="1400"/>
-              <a:t>onion </a:t>
-            </a:r>
-            <a:r>
-              <a:rPr sz="1400"/>
-              <a:t>to </a:t>
-            </a:r>
-            <a:r>
-              <a:rPr sz="1400"/>
-              <a:t>see </a:t>
-            </a:r>
-            <a:r>
-              <a:rPr sz="1400"/>
-              <a:t>how </a:t>
-            </a:r>
-            <a:r>
-              <a:rPr sz="1400"/>
-              <a:t>each </a:t>
-            </a:r>
-            <a:r>
-              <a:rPr sz="1400"/>
-              <a:t>component </a:t>
-            </a:r>
-            <a:r>
-              <a:rPr sz="1400"/>
-              <a:t>contributes </a:t>
-            </a:r>
-            <a:r>
-              <a:rPr sz="1400"/>
-              <a:t>to </a:t>
+              <a:t>activity </a:t>
+            </a:r>
+            <a:r>
+              <a:rPr sz="1400"/>
+              <a:t>should </a:t>
+            </a:r>
+            <a:r>
+              <a:rPr sz="1400"/>
+              <a:t>be </a:t>
+            </a:r>
+            <a:r>
+              <a:rPr sz="1400"/>
+              <a:t>launched </a:t>
+            </a:r>
+            <a:r>
+              <a:rPr sz="1400"/>
+              <a:t>when </a:t>
             </a:r>
             <a:r>
               <a:rPr sz="1400"/>
@@ -3286,105 +8354,11 @@
             </a:r>
             <a:r>
               <a:rPr sz="1400"/>
-              <a:t>overall </a:t>
-            </a:r>
-            <a:r>
-              <a:rPr sz="1400"/>
-              <a:t>behavior. </a:t>
-            </a:r>
-          </a:p>
-          <a:p>
-            <a:r>
-              <a:rPr sz="1400"/>
-              <a:t>- </a:t>
-            </a:r>
-            <a:r>
-              <a:rPr b="1" sz="1400"/>
-              <a:t>Unveiling </a:t>
-            </a:r>
-            <a:r>
-              <a:rPr sz="1400"/>
-              <a:t>Hidden </a:t>
-            </a:r>
-            <a:r>
-              <a:rPr b="1" sz="1400"/>
-              <a:t>Secrets: </a:t>
-            </a:r>
-            <a:r>
-              <a:rPr sz="1400"/>
-              <a:t>By </a:t>
-            </a:r>
-            <a:r>
-              <a:rPr sz="1400"/>
-              <a:t>reverse </a:t>
-            </a:r>
-            <a:r>
-              <a:rPr sz="1400"/>
-              <a:t>engineering, </a:t>
-            </a:r>
-            <a:r>
-              <a:rPr sz="1400"/>
-              <a:t>we </a:t>
-            </a:r>
-            <a:r>
-              <a:rPr sz="1400"/>
-              <a:t>can </a:t>
-            </a:r>
-            <a:r>
-              <a:rPr sz="1400"/>
-              <a:t>uncover </a:t>
-            </a:r>
-            <a:r>
-              <a:rPr sz="1400"/>
-              <a:t>hidden </a:t>
-            </a:r>
-            <a:r>
-              <a:rPr sz="1400"/>
-              <a:t>features, </a:t>
-            </a:r>
-            <a:r>
-              <a:rPr sz="1400"/>
-              <a:t>secret </a:t>
-            </a:r>
-            <a:r>
-              <a:rPr sz="1400"/>
-              <a:t>APIs, </a:t>
-            </a:r>
-            <a:r>
-              <a:rPr sz="1400"/>
-              <a:t>and </a:t>
-            </a:r>
-            <a:r>
-              <a:rPr sz="1400"/>
-              <a:t>undocumented </a:t>
-            </a:r>
-            <a:r>
-              <a:rPr sz="1400"/>
-              <a:t>behaviors </a:t>
-            </a:r>
-            <a:r>
-              <a:rPr sz="1400"/>
-              <a:t>that </a:t>
-            </a:r>
-            <a:r>
-              <a:rPr sz="1400"/>
-              <a:t>are </a:t>
-            </a:r>
-            <a:r>
-              <a:rPr sz="1400"/>
-              <a:t>not </a:t>
-            </a:r>
-            <a:r>
-              <a:rPr sz="1400"/>
-              <a:t>readily </a:t>
-            </a:r>
-            <a:r>
-              <a:rPr sz="1400"/>
-              <a:t>apparent </a:t>
-            </a:r>
-            <a:r>
-              <a:rPr sz="1400"/>
-              <a:t>from </a:t>
+              <a:t>user </a:t>
+            </a:r>
+            <a:r>
+              <a:rPr sz="1400"/>
+              <a:t>starts </a:t>
             </a:r>
             <a:r>
               <a:rPr sz="1400"/>
@@ -3392,468 +8366,7 @@
             </a:r>
             <a:r>
               <a:rPr sz="1400"/>
-              <a:t>app's </a:t>
-            </a:r>
-            <a:r>
-              <a:rPr sz="1400"/>
-              <a:t>surface. </a:t>
-            </a:r>
-            <a:r>
-              <a:rPr sz="1400"/>
-              <a:t>This </a:t>
-            </a:r>
-            <a:r>
-              <a:rPr sz="1400"/>
-              <a:t>knowledge </a:t>
-            </a:r>
-            <a:r>
-              <a:rPr sz="1400"/>
-              <a:t>can </a:t>
-            </a:r>
-            <a:r>
-              <a:rPr sz="1400"/>
-              <a:t>be </a:t>
-            </a:r>
-            <a:r>
-              <a:rPr sz="1400"/>
-              <a:t>invaluable </a:t>
-            </a:r>
-            <a:r>
-              <a:rPr sz="1400"/>
-              <a:t>for </a:t>
-            </a:r>
-            <a:r>
-              <a:rPr sz="1400"/>
-              <a:t>developers, </a:t>
-            </a:r>
-            <a:r>
-              <a:rPr sz="1400"/>
-              <a:t>security </a:t>
-            </a:r>
-            <a:r>
-              <a:rPr sz="1400"/>
-              <a:t>researchers, </a:t>
-            </a:r>
-            <a:r>
-              <a:rPr sz="1400"/>
-              <a:t>and </a:t>
-            </a:r>
-            <a:r>
-              <a:rPr sz="1400"/>
-              <a:t>enthusiasts </a:t>
-            </a:r>
-            <a:r>
-              <a:rPr sz="1400"/>
-              <a:t>alike. </a:t>
-            </a:r>
-          </a:p>
-          <a:p>
-            <a:r>
-              <a:rPr sz="1400"/>
-              <a:t>- </a:t>
-            </a:r>
-            <a:r>
-              <a:rPr b="1" sz="1400"/>
-              <a:t>Security </a:t>
-            </a:r>
-            <a:r>
-              <a:rPr sz="1400"/>
-              <a:t>Vulnerability </a:t>
-            </a:r>
-            <a:r>
-              <a:rPr b="1" sz="1400"/>
-              <a:t>Analysis: </a:t>
-            </a:r>
-            <a:r>
-              <a:rPr sz="1400"/>
-              <a:t>Reverse </a:t>
-            </a:r>
-            <a:r>
-              <a:rPr sz="1400"/>
-              <a:t>engineering </a:t>
-            </a:r>
-            <a:r>
-              <a:rPr sz="1400"/>
-              <a:t>plays </a:t>
-            </a:r>
-            <a:r>
-              <a:rPr sz="1400"/>
-              <a:t>a </a:t>
-            </a:r>
-            <a:r>
-              <a:rPr sz="1400"/>
-              <a:t>crucial </a:t>
-            </a:r>
-            <a:r>
-              <a:rPr sz="1400"/>
-              <a:t>role </a:t>
-            </a:r>
-            <a:r>
-              <a:rPr sz="1400"/>
-              <a:t>in </a:t>
-            </a:r>
-            <a:r>
-              <a:rPr sz="1400"/>
-              <a:t>identifying </a:t>
-            </a:r>
-            <a:r>
-              <a:rPr sz="1400"/>
-              <a:t>security </a:t>
-            </a:r>
-            <a:r>
-              <a:rPr sz="1400"/>
-              <a:t>loopholes </a:t>
-            </a:r>
-            <a:r>
-              <a:rPr sz="1400"/>
-              <a:t>and </a:t>
-            </a:r>
-            <a:r>
-              <a:rPr sz="1400"/>
-              <a:t>potential </a:t>
-            </a:r>
-            <a:r>
-              <a:rPr sz="1400"/>
-              <a:t>exploits </a:t>
-            </a:r>
-            <a:r>
-              <a:rPr sz="1400"/>
-              <a:t>within </a:t>
-            </a:r>
-            <a:r>
-              <a:rPr sz="1400"/>
-              <a:t>Android </a:t>
-            </a:r>
-            <a:r>
-              <a:rPr sz="1400"/>
-              <a:t>applications. </a:t>
-            </a:r>
-            <a:r>
-              <a:rPr sz="1400"/>
-              <a:t>By </a:t>
-            </a:r>
-            <a:r>
-              <a:rPr sz="1400"/>
-              <a:t>understanding </a:t>
-            </a:r>
-            <a:r>
-              <a:rPr sz="1400"/>
-              <a:t>how </a:t>
-            </a:r>
-            <a:r>
-              <a:rPr sz="1400"/>
-              <a:t>an </a:t>
-            </a:r>
-            <a:r>
-              <a:rPr sz="1400"/>
-              <a:t>app </a:t>
-            </a:r>
-            <a:r>
-              <a:rPr sz="1400"/>
-              <a:t>works, </a:t>
-            </a:r>
-            <a:r>
-              <a:rPr sz="1400"/>
-              <a:t>we </a:t>
-            </a:r>
-            <a:r>
-              <a:rPr sz="1400"/>
-              <a:t>can </a:t>
-            </a:r>
-            <a:r>
-              <a:rPr sz="1400"/>
-              <a:t>pinpoint </a:t>
-            </a:r>
-            <a:r>
-              <a:rPr sz="1400"/>
-              <a:t>weaknesses </a:t>
-            </a:r>
-            <a:r>
-              <a:rPr sz="1400"/>
-              <a:t>in </a:t>
-            </a:r>
-            <a:r>
-              <a:rPr sz="1400"/>
-              <a:t>its </a:t>
-            </a:r>
-            <a:r>
-              <a:rPr sz="1400"/>
-              <a:t>design </a:t>
-            </a:r>
-            <a:r>
-              <a:rPr sz="1400"/>
-              <a:t>and </a:t>
-            </a:r>
-            <a:r>
-              <a:rPr sz="1400"/>
-              <a:t>implementation, </a:t>
-            </a:r>
-            <a:r>
-              <a:rPr sz="1400"/>
-              <a:t>leading </a:t>
-            </a:r>
-            <a:r>
-              <a:rPr sz="1400"/>
-              <a:t>to </a:t>
-            </a:r>
-            <a:r>
-              <a:rPr sz="1400"/>
-              <a:t>more </a:t>
-            </a:r>
-            <a:r>
-              <a:rPr sz="1400"/>
-              <a:t>secure </a:t>
-            </a:r>
-            <a:r>
-              <a:rPr sz="1400"/>
-              <a:t>and </a:t>
-            </a:r>
-            <a:r>
-              <a:rPr sz="1400"/>
-              <a:t>robust </a:t>
-            </a:r>
-            <a:r>
-              <a:rPr sz="1400"/>
-              <a:t>software. </a:t>
-            </a:r>
-          </a:p>
-          <a:p>
-            <a:r>
-              <a:rPr sz="1400"/>
-              <a:t>- </a:t>
-            </a:r>
-            <a:r>
-              <a:rPr b="1" sz="1400"/>
-              <a:t>Customization </a:t>
-            </a:r>
-            <a:r>
-              <a:rPr sz="1400"/>
-              <a:t>and </a:t>
-            </a:r>
-            <a:r>
-              <a:rPr b="1" sz="1400"/>
-              <a:t>Modification: </a:t>
-            </a:r>
-            <a:r>
-              <a:rPr sz="1400"/>
-              <a:t>Through </a:t>
-            </a:r>
-            <a:r>
-              <a:rPr sz="1400"/>
-              <a:t>reverse </a:t>
-            </a:r>
-            <a:r>
-              <a:rPr sz="1400"/>
-              <a:t>engineering, </a:t>
-            </a:r>
-            <a:r>
-              <a:rPr sz="1400"/>
-              <a:t>we </a:t>
-            </a:r>
-            <a:r>
-              <a:rPr sz="1400"/>
-              <a:t>gain </a:t>
-            </a:r>
-            <a:r>
-              <a:rPr sz="1400"/>
-              <a:t>the </a:t>
-            </a:r>
-            <a:r>
-              <a:rPr sz="1400"/>
-              <a:t>ability </a:t>
-            </a:r>
-            <a:r>
-              <a:rPr sz="1400"/>
-              <a:t>to </a:t>
-            </a:r>
-            <a:r>
-              <a:rPr sz="1400"/>
-              <a:t>modify </a:t>
-            </a:r>
-            <a:r>
-              <a:rPr sz="1400"/>
-              <a:t>existing </a:t>
-            </a:r>
-            <a:r>
-              <a:rPr sz="1400"/>
-              <a:t>applications, </a:t>
-            </a:r>
-            <a:r>
-              <a:rPr sz="1400"/>
-              <a:t>tailoring </a:t>
-            </a:r>
-            <a:r>
-              <a:rPr sz="1400"/>
-              <a:t>them </a:t>
-            </a:r>
-            <a:r>
-              <a:rPr sz="1400"/>
-              <a:t>to </a:t>
-            </a:r>
-            <a:r>
-              <a:rPr sz="1400"/>
-              <a:t>our </a:t>
-            </a:r>
-            <a:r>
-              <a:rPr sz="1400"/>
-              <a:t>specific </a:t>
-            </a:r>
-            <a:r>
-              <a:rPr sz="1400"/>
-              <a:t>needs </a:t>
-            </a:r>
-            <a:r>
-              <a:rPr sz="1400"/>
-              <a:t>or </a:t>
-            </a:r>
-            <a:r>
-              <a:rPr sz="1400"/>
-              <a:t>preferences. </a:t>
-            </a:r>
-            <a:r>
-              <a:rPr sz="1400"/>
-              <a:t>This </a:t>
-            </a:r>
-            <a:r>
-              <a:rPr sz="1400"/>
-              <a:t>could </a:t>
-            </a:r>
-            <a:r>
-              <a:rPr sz="1400"/>
-              <a:t>involve </a:t>
-            </a:r>
-            <a:r>
-              <a:rPr sz="1400"/>
-              <a:t>adding </a:t>
-            </a:r>
-            <a:r>
-              <a:rPr sz="1400"/>
-              <a:t>new </a:t>
-            </a:r>
-            <a:r>
-              <a:rPr sz="1400"/>
-              <a:t>features, </a:t>
-            </a:r>
-            <a:r>
-              <a:rPr sz="1400"/>
-              <a:t>removing </a:t>
-            </a:r>
-            <a:r>
-              <a:rPr sz="1400"/>
-              <a:t>unwanted </a:t>
-            </a:r>
-            <a:r>
-              <a:rPr sz="1400"/>
-              <a:t>elements, </a:t>
-            </a:r>
-            <a:r>
-              <a:rPr sz="1400"/>
-              <a:t>or </a:t>
-            </a:r>
-            <a:r>
-              <a:rPr sz="1400"/>
-              <a:t>even </a:t>
-            </a:r>
-            <a:r>
-              <a:rPr sz="1400"/>
-              <a:t>creating </a:t>
-            </a:r>
-            <a:r>
-              <a:rPr sz="1400"/>
-              <a:t>entirely </a:t>
-            </a:r>
-            <a:r>
-              <a:rPr sz="1400"/>
-              <a:t>new </a:t>
-            </a:r>
-            <a:r>
-              <a:rPr sz="1400"/>
-              <a:t>apps </a:t>
-            </a:r>
-            <a:r>
-              <a:rPr sz="1400"/>
-              <a:t>based </a:t>
-            </a:r>
-            <a:r>
-              <a:rPr sz="1400"/>
-              <a:t>on </a:t>
-            </a:r>
-            <a:r>
-              <a:rPr sz="1400"/>
-              <a:t>the </a:t>
-            </a:r>
-            <a:r>
-              <a:rPr sz="1400"/>
-              <a:t>insights </a:t>
-            </a:r>
-            <a:r>
-              <a:rPr sz="1400"/>
-              <a:t>gained </a:t>
-            </a:r>
-            <a:r>
-              <a:rPr sz="1400"/>
-              <a:t>from </a:t>
-            </a:r>
-            <a:r>
-              <a:rPr sz="1400"/>
-              <a:t>the </a:t>
-            </a:r>
-            <a:r>
-              <a:rPr sz="1400"/>
-              <a:t>analysis. </a:t>
-            </a:r>
-          </a:p>
-          <a:p/>
-          <a:p>
-            <a:r>
-              <a:rPr b="1" sz="1200"/>
-              <a:t>Citation:</a:t>
-            </a:r>
-          </a:p>
-          <a:p>
-            <a:r>
-              <a:rPr sz="1200"/>
-              <a:t>* </a:t>
-            </a:r>
-            <a:r>
-              <a:rPr sz="1200"/>
-              <a:t>Zimmermann, </a:t>
-            </a:r>
-            <a:r>
-              <a:rPr sz="1200"/>
-              <a:t>D. </a:t>
-            </a:r>
-            <a:r>
-              <a:rPr sz="1200"/>
-              <a:t>(2015). </a:t>
-            </a:r>
-            <a:r>
-              <a:rPr sz="1200"/>
-              <a:t>Android </a:t>
-            </a:r>
-            <a:r>
-              <a:rPr sz="1200"/>
-              <a:t>Hacker's </a:t>
-            </a:r>
-            <a:r>
-              <a:rPr sz="1200"/>
-              <a:t>Handbook. </a:t>
-            </a:r>
-            <a:r>
-              <a:rPr sz="1200"/>
-              <a:t>John </a:t>
-            </a:r>
-            <a:r>
-              <a:rPr sz="1200"/>
-              <a:t>Wiley </a:t>
-            </a:r>
-            <a:r>
-              <a:rPr sz="1200"/>
-              <a:t>&amp; </a:t>
-            </a:r>
-            <a:r>
-              <a:rPr sz="1200"/>
-              <a:t>Sons. </a:t>
+              <a:t>app. </a:t>
             </a:r>
           </a:p>
         </p:txBody>

--- a/output.pptx
+++ b/output.pptx
@@ -5,17 +5,16 @@
     <p:sldMasterId id="2147483648" r:id="rId4"/>
   </p:sldMasterIdLst>
   <p:notesMasterIdLst>
-    <p:notesMasterId r:id="rId10"/>
+    <p:notesMasterId r:id="rId9"/>
   </p:notesMasterIdLst>
   <p:handoutMasterIdLst>
-    <p:handoutMasterId r:id="rId11"/>
+    <p:handoutMasterId r:id="rId10"/>
   </p:handoutMasterIdLst>
   <p:sldIdLst>
-    <p:sldId id="256" r:id="rId5"/>
-    <p:sldId id="257" r:id="rId6"/>
-    <p:sldId id="258" r:id="rId7"/>
-    <p:sldId id="259" r:id="rId8"/>
-    <p:sldId id="260" r:id="rId9"/>
+    <p:sldId id="257" r:id="rId5"/>
+    <p:sldId id="258" r:id="rId6"/>
+    <p:sldId id="259" r:id="rId7"/>
+    <p:sldId id="260" r:id="rId8"/>
   </p:sldIdLst>
   <p:sldSz cx="12192000" cy="6858000"/>
   <p:notesSz cx="6858000" cy="9144000"/>
@@ -219,7 +218,7 @@
           <a:p>
             <a:fld id="{FD913024-4032-4B4F-8680-09D5E08EDB6E}" type="datetimeFigureOut">
               <a:rPr lang="en-US" smtClean="0"/>
-              <a:t>5/1/2024</a:t>
+              <a:t>5/2/2024</a:t>
             </a:fld>
             <a:endParaRPr lang="en-US" dirty="0"/>
           </a:p>
@@ -396,7 +395,7 @@
           <a:p>
             <a:fld id="{F2AE225E-43E0-7047-8ADB-DD9EBB41B4D0}" type="datetimeFigureOut">
               <a:rPr lang="en-US" noProof="0" smtClean="0"/>
-              <a:t>5/1/2024</a:t>
+              <a:t>5/2/2024</a:t>
             </a:fld>
             <a:endParaRPr lang="en-US" noProof="0" dirty="0"/>
           </a:p>
@@ -26605,109 +26604,6 @@
           <a:lstStyle/>
           <a:p>
             <a:r>
-              <a:t>Mobile Application Analysis </a:t>
-            </a:r>
-          </a:p>
-        </p:txBody>
-      </p:sp>
-      <p:sp>
-        <p:nvSpPr>
-          <p:cNvPr id="3" name="Table Placeholder 2"/>
-          <p:cNvSpPr>
-            <a:spLocks noGrp="1"/>
-          </p:cNvSpPr>
-          <p:nvPr>
-            <p:ph type="tbl" sz="quarter" idx="14"/>
-          </p:nvPr>
-        </p:nvSpPr>
-        <p:spPr>
-          <a:xfrm>
-            <a:off x="914400" y="2039111"/>
-            <a:ext cx="10360025" cy="4251600"/>
-          </a:xfrm>
-        </p:spPr>
-        <p:txBody>
-          <a:bodyPr wrap="square"/>
-          <a:lstStyle/>
-          <a:p>
-            <a:endParaRPr dirty="0"/>
-          </a:p>
-          <a:p>
-            <a:r>
-              <a:rPr sz="1800" dirty="0"/>
-              <a:t>Reverse Engineering </a:t>
-            </a:r>
-          </a:p>
-          <a:p>
-            <a:r>
-              <a:rPr sz="1800" dirty="0"/>
-              <a:t>ICT 2207 Mobile Security </a:t>
-            </a:r>
-          </a:p>
-          <a:p>
-            <a:r>
-              <a:rPr sz="1800" dirty="0"/>
-              <a:t>A/Prof. Vivek Balachandran </a:t>
-            </a:r>
-          </a:p>
-          <a:p>
-            <a:r>
-              <a:rPr sz="1800" dirty="0"/>
-              <a:t>Vivek.b@singaporetech.edu.sg </a:t>
-            </a:r>
-          </a:p>
-          <a:p>
-            <a:r>
-              <a:rPr sz="1800" dirty="0"/>
-              <a:t>Originally developed by: A/Prof Jeannie Lee </a:t>
-            </a:r>
-          </a:p>
-          <a:p>
-            <a:endParaRPr sz="1400" dirty="0"/>
-          </a:p>
-        </p:txBody>
-      </p:sp>
-    </p:spTree>
-  </p:cSld>
-  <p:clrMapOvr>
-    <a:masterClrMapping/>
-  </p:clrMapOvr>
-</p:sld>
-</file>
-
-<file path=ppt/slides/slide2.xml><?xml version="1.0" encoding="utf-8"?>
-<p:sld xmlns:a="http://schemas.openxmlformats.org/drawingml/2006/main" xmlns:r="http://schemas.openxmlformats.org/officeDocument/2006/relationships" xmlns:p="http://schemas.openxmlformats.org/presentationml/2006/main">
-  <p:cSld>
-    <p:spTree>
-      <p:nvGrpSpPr>
-        <p:cNvPr id="1" name=""/>
-        <p:cNvGrpSpPr/>
-        <p:nvPr/>
-      </p:nvGrpSpPr>
-      <p:grpSpPr>
-        <a:xfrm>
-          <a:off x="0" y="0"/>
-          <a:ext cx="0" cy="0"/>
-          <a:chOff x="0" y="0"/>
-          <a:chExt cx="0" cy="0"/>
-        </a:xfrm>
-      </p:grpSpPr>
-      <p:sp>
-        <p:nvSpPr>
-          <p:cNvPr id="2" name="Title 1"/>
-          <p:cNvSpPr>
-            <a:spLocks noGrp="1"/>
-          </p:cNvSpPr>
-          <p:nvPr>
-            <p:ph type="title"/>
-          </p:nvPr>
-        </p:nvSpPr>
-        <p:spPr/>
-        <p:txBody>
-          <a:bodyPr/>
-          <a:lstStyle/>
-          <a:p>
-            <a:r>
               <a:t>Overview</a:t>
             </a:r>
           </a:p>
@@ -26776,7 +26672,7 @@
 </p:sld>
 </file>
 
-<file path=ppt/slides/slide3.xml><?xml version="1.0" encoding="utf-8"?>
+<file path=ppt/slides/slide2.xml><?xml version="1.0" encoding="utf-8"?>
 <p:sld xmlns:a="http://schemas.openxmlformats.org/drawingml/2006/main" xmlns:r="http://schemas.openxmlformats.org/officeDocument/2006/relationships" xmlns:p="http://schemas.openxmlformats.org/presentationml/2006/main">
   <p:cSld>
     <p:spTree>
@@ -26995,7 +26891,7 @@
 </p:sld>
 </file>
 
-<file path=ppt/slides/slide4.xml><?xml version="1.0" encoding="utf-8"?>
+<file path=ppt/slides/slide3.xml><?xml version="1.0" encoding="utf-8"?>
 <p:sld xmlns:a="http://schemas.openxmlformats.org/drawingml/2006/main" xmlns:r="http://schemas.openxmlformats.org/officeDocument/2006/relationships" xmlns:p="http://schemas.openxmlformats.org/presentationml/2006/main">
   <p:cSld>
     <p:spTree>
@@ -27252,7 +27148,7 @@
 </p:sld>
 </file>
 
-<file path=ppt/slides/slide5.xml><?xml version="1.0" encoding="utf-8"?>
+<file path=ppt/slides/slide4.xml><?xml version="1.0" encoding="utf-8"?>
 <p:sld xmlns:a="http://schemas.openxmlformats.org/drawingml/2006/main" xmlns:r="http://schemas.openxmlformats.org/officeDocument/2006/relationships" xmlns:p="http://schemas.openxmlformats.org/presentationml/2006/main">
   <p:cSld>
     <p:spTree>
@@ -28453,15 +28349,6 @@
 </file>
 
 <file path=customXml/item2.xml><?xml version="1.0" encoding="utf-8"?>
-<?mso-contentType ?>
-<FormTemplates xmlns="http://schemas.microsoft.com/sharepoint/v3/contenttype/forms">
-  <Display>DocumentLibraryForm</Display>
-  <Edit>DocumentLibraryForm</Edit>
-  <New>DocumentLibraryForm</New>
-</FormTemplates>
-</file>
-
-<file path=customXml/item3.xml><?xml version="1.0" encoding="utf-8"?>
 <p:properties xmlns:p="http://schemas.microsoft.com/office/2006/metadata/properties" xmlns:xsi="http://www.w3.org/2001/XMLSchema-instance" xmlns:pc="http://schemas.microsoft.com/office/infopath/2007/PartnerControls">
   <documentManagement>
     <_ip_UnifiedCompliancePolicyUIAction xmlns="http://schemas.microsoft.com/sharepoint/v3" xsi:nil="true"/>
@@ -28479,6 +28366,15 @@
     <MediaServiceKeyPoints xmlns="71af3243-3dd4-4a8d-8c0d-dd76da1f02a5" xsi:nil="true"/>
   </documentManagement>
 </p:properties>
+</file>
+
+<file path=customXml/item3.xml><?xml version="1.0" encoding="utf-8"?>
+<?mso-contentType ?>
+<FormTemplates xmlns="http://schemas.microsoft.com/sharepoint/v3/contenttype/forms">
+  <Display>DocumentLibraryForm</Display>
+  <Edit>DocumentLibraryForm</Edit>
+  <New>DocumentLibraryForm</New>
+</FormTemplates>
 </file>
 
 <file path=customXml/itemProps1.xml><?xml version="1.0" encoding="utf-8"?>
@@ -28503,14 +28399,6 @@
 </file>
 
 <file path=customXml/itemProps2.xml><?xml version="1.0" encoding="utf-8"?>
-<ds:datastoreItem xmlns:ds="http://schemas.openxmlformats.org/officeDocument/2006/customXml" ds:itemID="{1249AD37-9510-4A2D-B790-12C439A83F93}">
-  <ds:schemaRefs>
-    <ds:schemaRef ds:uri="http://schemas.microsoft.com/sharepoint/v3/contenttype/forms"/>
-  </ds:schemaRefs>
-</ds:datastoreItem>
-</file>
-
-<file path=customXml/itemProps3.xml><?xml version="1.0" encoding="utf-8"?>
 <ds:datastoreItem xmlns:ds="http://schemas.openxmlformats.org/officeDocument/2006/customXml" ds:itemID="{85DF9CEC-52C2-4D14-B2F5-11176002A8B6}">
   <ds:schemaRefs>
     <ds:schemaRef ds:uri="16c05727-aa75-4e4a-9b5f-8a80a1165891"/>
@@ -28529,6 +28417,14 @@
 </ds:datastoreItem>
 </file>
 
+<file path=customXml/itemProps3.xml><?xml version="1.0" encoding="utf-8"?>
+<ds:datastoreItem xmlns:ds="http://schemas.openxmlformats.org/officeDocument/2006/customXml" ds:itemID="{1249AD37-9510-4A2D-B790-12C439A83F93}">
+  <ds:schemaRefs>
+    <ds:schemaRef ds:uri="http://schemas.microsoft.com/sharepoint/v3/contenttype/forms"/>
+  </ds:schemaRefs>
+</ds:datastoreItem>
+</file>
+
 <file path=docMetadata/LabelInfo.xml><?xml version="1.0" encoding="utf-8"?>
 <clbl:labelList xmlns:clbl="http://schemas.microsoft.com/office/2020/mipLabelMetadata"/>
 </file>